--- a/HW5/HW5_tex/images/image.pptx
+++ b/HW5/HW5_tex/images/image.pptx
@@ -6,6 +6,7 @@
   </p:sldMasterIdLst>
   <p:sldIdLst>
     <p:sldId id="257" r:id="rId2"/>
+    <p:sldId id="258" r:id="rId3"/>
   </p:sldIdLst>
   <p:sldSz cx="12192000" cy="6858000"/>
   <p:notesSz cx="6858000" cy="9144000"/>
@@ -104,6 +105,11 @@
       </a:defRPr>
     </a:lvl9pPr>
   </p:defaultTextStyle>
+  <p:extLst>
+    <p:ext uri="{EFAFB233-063F-42B5-8137-9DF3F51BA10A}">
+      <p15:sldGuideLst xmlns:p15="http://schemas.microsoft.com/office/powerpoint/2012/main"/>
+    </p:ext>
+  </p:extLst>
 </p:presentation>
 </file>
 
@@ -3904,6 +3910,1344 @@
 </p:sld>
 </file>
 
+<file path=ppt/slides/slide2.xml><?xml version="1.0" encoding="utf-8"?>
+<p:sld xmlns:a="http://schemas.openxmlformats.org/drawingml/2006/main" xmlns:r="http://schemas.openxmlformats.org/officeDocument/2006/relationships" xmlns:p="http://schemas.openxmlformats.org/presentationml/2006/main">
+  <p:cSld>
+    <p:spTree>
+      <p:nvGrpSpPr>
+        <p:cNvPr id="1" name=""/>
+        <p:cNvGrpSpPr/>
+        <p:nvPr/>
+      </p:nvGrpSpPr>
+      <p:grpSpPr>
+        <a:xfrm>
+          <a:off x="0" y="0"/>
+          <a:ext cx="0" cy="0"/>
+          <a:chOff x="0" y="0"/>
+          <a:chExt cx="0" cy="0"/>
+        </a:xfrm>
+      </p:grpSpPr>
+      <p:sp>
+        <p:nvSpPr>
+          <p:cNvPr id="2" name="Oval 1">
+            <a:extLst>
+              <a:ext uri="{FF2B5EF4-FFF2-40B4-BE49-F238E27FC236}">
+                <a16:creationId xmlns:a16="http://schemas.microsoft.com/office/drawing/2014/main" id="{DD29C3CE-1CD1-4CCF-81EB-E30BEAA766D7}"/>
+              </a:ext>
+            </a:extLst>
+          </p:cNvPr>
+          <p:cNvSpPr/>
+          <p:nvPr/>
+        </p:nvSpPr>
+        <p:spPr>
+          <a:xfrm>
+            <a:off x="2914648" y="1261291"/>
+            <a:ext cx="842962" cy="842962"/>
+          </a:xfrm>
+          <a:prstGeom prst="ellipse">
+            <a:avLst/>
+          </a:prstGeom>
+        </p:spPr>
+        <p:style>
+          <a:lnRef idx="2">
+            <a:schemeClr val="accent1"/>
+          </a:lnRef>
+          <a:fillRef idx="1">
+            <a:schemeClr val="lt1"/>
+          </a:fillRef>
+          <a:effectRef idx="0">
+            <a:schemeClr val="accent1"/>
+          </a:effectRef>
+          <a:fontRef idx="minor">
+            <a:schemeClr val="dk1"/>
+          </a:fontRef>
+        </p:style>
+        <p:txBody>
+          <a:bodyPr rtlCol="0" anchor="ctr"/>
+          <a:lstStyle/>
+          <a:p>
+            <a:pPr algn="ctr"/>
+            <a:r>
+              <a:rPr lang="en-US" sz="2800" b="1" dirty="0"/>
+              <a:t>+1</a:t>
+            </a:r>
+          </a:p>
+        </p:txBody>
+      </p:sp>
+      <p:sp>
+        <p:nvSpPr>
+          <p:cNvPr id="3" name="Oval 2">
+            <a:extLst>
+              <a:ext uri="{FF2B5EF4-FFF2-40B4-BE49-F238E27FC236}">
+                <a16:creationId xmlns:a16="http://schemas.microsoft.com/office/drawing/2014/main" id="{7631E8D2-F3A3-4D87-9411-F47C58913239}"/>
+              </a:ext>
+            </a:extLst>
+          </p:cNvPr>
+          <p:cNvSpPr/>
+          <p:nvPr/>
+        </p:nvSpPr>
+        <p:spPr>
+          <a:xfrm>
+            <a:off x="2932504" y="2513180"/>
+            <a:ext cx="842962" cy="842962"/>
+          </a:xfrm>
+          <a:prstGeom prst="ellipse">
+            <a:avLst/>
+          </a:prstGeom>
+        </p:spPr>
+        <p:style>
+          <a:lnRef idx="2">
+            <a:schemeClr val="accent1"/>
+          </a:lnRef>
+          <a:fillRef idx="1">
+            <a:schemeClr val="lt1"/>
+          </a:fillRef>
+          <a:effectRef idx="0">
+            <a:schemeClr val="accent1"/>
+          </a:effectRef>
+          <a:fontRef idx="minor">
+            <a:schemeClr val="dk1"/>
+          </a:fontRef>
+        </p:style>
+        <p:txBody>
+          <a:bodyPr rtlCol="0" anchor="ctr"/>
+          <a:lstStyle/>
+          <a:p>
+            <a:pPr algn="ctr"/>
+            <a:r>
+              <a:rPr lang="en-US" sz="2800" b="1" i="1" dirty="0"/>
+              <a:t>x</a:t>
+            </a:r>
+            <a:r>
+              <a:rPr lang="en-US" sz="2800" b="1" i="1" baseline="-25000" dirty="0"/>
+              <a:t>1</a:t>
+            </a:r>
+          </a:p>
+        </p:txBody>
+      </p:sp>
+      <p:sp>
+        <p:nvSpPr>
+          <p:cNvPr id="4" name="Oval 3">
+            <a:extLst>
+              <a:ext uri="{FF2B5EF4-FFF2-40B4-BE49-F238E27FC236}">
+                <a16:creationId xmlns:a16="http://schemas.microsoft.com/office/drawing/2014/main" id="{9260439C-4CA9-4236-8541-27C953AF051C}"/>
+              </a:ext>
+            </a:extLst>
+          </p:cNvPr>
+          <p:cNvSpPr/>
+          <p:nvPr/>
+        </p:nvSpPr>
+        <p:spPr>
+          <a:xfrm>
+            <a:off x="2932504" y="3765069"/>
+            <a:ext cx="842962" cy="842962"/>
+          </a:xfrm>
+          <a:prstGeom prst="ellipse">
+            <a:avLst/>
+          </a:prstGeom>
+        </p:spPr>
+        <p:style>
+          <a:lnRef idx="2">
+            <a:schemeClr val="accent1"/>
+          </a:lnRef>
+          <a:fillRef idx="1">
+            <a:schemeClr val="lt1"/>
+          </a:fillRef>
+          <a:effectRef idx="0">
+            <a:schemeClr val="accent1"/>
+          </a:effectRef>
+          <a:fontRef idx="minor">
+            <a:schemeClr val="dk1"/>
+          </a:fontRef>
+        </p:style>
+        <p:txBody>
+          <a:bodyPr rtlCol="0" anchor="ctr"/>
+          <a:lstStyle/>
+          <a:p>
+            <a:pPr algn="ctr"/>
+            <a:r>
+              <a:rPr lang="en-US" sz="2800" b="1" i="1" dirty="0"/>
+              <a:t>x</a:t>
+            </a:r>
+            <a:r>
+              <a:rPr lang="en-US" sz="2800" b="1" i="1" baseline="-25000" dirty="0"/>
+              <a:t>2</a:t>
+            </a:r>
+          </a:p>
+        </p:txBody>
+      </p:sp>
+      <p:sp>
+        <p:nvSpPr>
+          <p:cNvPr id="5" name="Oval 4">
+            <a:extLst>
+              <a:ext uri="{FF2B5EF4-FFF2-40B4-BE49-F238E27FC236}">
+                <a16:creationId xmlns:a16="http://schemas.microsoft.com/office/drawing/2014/main" id="{D7D413FE-6DEF-40A0-8E16-946B89B45DAB}"/>
+              </a:ext>
+            </a:extLst>
+          </p:cNvPr>
+          <p:cNvSpPr/>
+          <p:nvPr/>
+        </p:nvSpPr>
+        <p:spPr>
+          <a:xfrm>
+            <a:off x="5303045" y="5859920"/>
+            <a:ext cx="842962" cy="842962"/>
+          </a:xfrm>
+          <a:prstGeom prst="ellipse">
+            <a:avLst/>
+          </a:prstGeom>
+        </p:spPr>
+        <p:style>
+          <a:lnRef idx="2">
+            <a:schemeClr val="accent2"/>
+          </a:lnRef>
+          <a:fillRef idx="1">
+            <a:schemeClr val="lt1"/>
+          </a:fillRef>
+          <a:effectRef idx="0">
+            <a:schemeClr val="accent2"/>
+          </a:effectRef>
+          <a:fontRef idx="minor">
+            <a:schemeClr val="dk1"/>
+          </a:fontRef>
+        </p:style>
+        <p:txBody>
+          <a:bodyPr rtlCol="0" anchor="ctr"/>
+          <a:lstStyle/>
+          <a:p>
+            <a:pPr algn="ctr"/>
+            <a:r>
+              <a:rPr lang="en-US" sz="2800" b="1" i="1" dirty="0">
+                <a:latin typeface="Times New Roman" panose="02020603050405020304" pitchFamily="18" charset="0"/>
+                <a:cs typeface="Times New Roman" panose="02020603050405020304" pitchFamily="18" charset="0"/>
+              </a:rPr>
+              <a:t>y</a:t>
+            </a:r>
+            <a:r>
+              <a:rPr lang="en-US" sz="2800" b="1" i="1" baseline="-25000" dirty="0">
+                <a:latin typeface="Times New Roman" panose="02020603050405020304" pitchFamily="18" charset="0"/>
+                <a:cs typeface="Times New Roman" panose="02020603050405020304" pitchFamily="18" charset="0"/>
+              </a:rPr>
+              <a:t>1</a:t>
+            </a:r>
+          </a:p>
+        </p:txBody>
+      </p:sp>
+      <p:cxnSp>
+        <p:nvCxnSpPr>
+          <p:cNvPr id="7" name="Straight Arrow Connector 6">
+            <a:extLst>
+              <a:ext uri="{FF2B5EF4-FFF2-40B4-BE49-F238E27FC236}">
+                <a16:creationId xmlns:a16="http://schemas.microsoft.com/office/drawing/2014/main" id="{8F0125D8-7CC8-4980-AF27-DFCB5A160E4D}"/>
+              </a:ext>
+            </a:extLst>
+          </p:cNvPr>
+          <p:cNvCxnSpPr>
+            <a:cxnSpLocks/>
+            <a:stCxn id="2" idx="6"/>
+            <a:endCxn id="5" idx="2"/>
+          </p:cNvCxnSpPr>
+          <p:nvPr/>
+        </p:nvCxnSpPr>
+        <p:spPr>
+          <a:xfrm>
+            <a:off x="3757610" y="1682772"/>
+            <a:ext cx="1545435" cy="4598629"/>
+          </a:xfrm>
+          <a:prstGeom prst="straightConnector1">
+            <a:avLst/>
+          </a:prstGeom>
+          <a:ln>
+            <a:tailEnd type="triangle"/>
+          </a:ln>
+        </p:spPr>
+        <p:style>
+          <a:lnRef idx="3">
+            <a:schemeClr val="accent2"/>
+          </a:lnRef>
+          <a:fillRef idx="0">
+            <a:schemeClr val="accent2"/>
+          </a:fillRef>
+          <a:effectRef idx="2">
+            <a:schemeClr val="accent2"/>
+          </a:effectRef>
+          <a:fontRef idx="minor">
+            <a:schemeClr val="tx1"/>
+          </a:fontRef>
+        </p:style>
+      </p:cxnSp>
+      <p:cxnSp>
+        <p:nvCxnSpPr>
+          <p:cNvPr id="9" name="Straight Arrow Connector 8">
+            <a:extLst>
+              <a:ext uri="{FF2B5EF4-FFF2-40B4-BE49-F238E27FC236}">
+                <a16:creationId xmlns:a16="http://schemas.microsoft.com/office/drawing/2014/main" id="{5476A240-8B35-4417-A434-4B5465A8F828}"/>
+              </a:ext>
+            </a:extLst>
+          </p:cNvPr>
+          <p:cNvCxnSpPr>
+            <a:stCxn id="3" idx="6"/>
+            <a:endCxn id="5" idx="2"/>
+          </p:cNvCxnSpPr>
+          <p:nvPr/>
+        </p:nvCxnSpPr>
+        <p:spPr>
+          <a:xfrm>
+            <a:off x="3775466" y="2934661"/>
+            <a:ext cx="1527579" cy="3346740"/>
+          </a:xfrm>
+          <a:prstGeom prst="straightConnector1">
+            <a:avLst/>
+          </a:prstGeom>
+          <a:ln>
+            <a:headEnd type="none" w="med" len="med"/>
+            <a:tailEnd type="arrow" w="med" len="med"/>
+          </a:ln>
+        </p:spPr>
+        <p:style>
+          <a:lnRef idx="3">
+            <a:schemeClr val="accent2"/>
+          </a:lnRef>
+          <a:fillRef idx="0">
+            <a:schemeClr val="accent2"/>
+          </a:fillRef>
+          <a:effectRef idx="2">
+            <a:schemeClr val="accent2"/>
+          </a:effectRef>
+          <a:fontRef idx="minor">
+            <a:schemeClr val="tx1"/>
+          </a:fontRef>
+        </p:style>
+      </p:cxnSp>
+      <p:cxnSp>
+        <p:nvCxnSpPr>
+          <p:cNvPr id="11" name="Straight Arrow Connector 10">
+            <a:extLst>
+              <a:ext uri="{FF2B5EF4-FFF2-40B4-BE49-F238E27FC236}">
+                <a16:creationId xmlns:a16="http://schemas.microsoft.com/office/drawing/2014/main" id="{2A85BCD5-CB37-408D-9B60-3036C4767682}"/>
+              </a:ext>
+            </a:extLst>
+          </p:cNvPr>
+          <p:cNvCxnSpPr>
+            <a:stCxn id="4" idx="6"/>
+            <a:endCxn id="5" idx="2"/>
+          </p:cNvCxnSpPr>
+          <p:nvPr/>
+        </p:nvCxnSpPr>
+        <p:spPr>
+          <a:xfrm>
+            <a:off x="3775466" y="4186550"/>
+            <a:ext cx="1527579" cy="2094851"/>
+          </a:xfrm>
+          <a:prstGeom prst="straightConnector1">
+            <a:avLst/>
+          </a:prstGeom>
+          <a:ln>
+            <a:tailEnd type="triangle"/>
+          </a:ln>
+        </p:spPr>
+        <p:style>
+          <a:lnRef idx="3">
+            <a:schemeClr val="accent2"/>
+          </a:lnRef>
+          <a:fillRef idx="0">
+            <a:schemeClr val="accent2"/>
+          </a:fillRef>
+          <a:effectRef idx="2">
+            <a:schemeClr val="accent2"/>
+          </a:effectRef>
+          <a:fontRef idx="minor">
+            <a:schemeClr val="tx1"/>
+          </a:fontRef>
+        </p:style>
+      </p:cxnSp>
+      <p:sp>
+        <p:nvSpPr>
+          <p:cNvPr id="14" name="TextBox 13">
+            <a:extLst>
+              <a:ext uri="{FF2B5EF4-FFF2-40B4-BE49-F238E27FC236}">
+                <a16:creationId xmlns:a16="http://schemas.microsoft.com/office/drawing/2014/main" id="{1E747780-5440-493F-92CC-A8E5056C4FCB}"/>
+              </a:ext>
+            </a:extLst>
+          </p:cNvPr>
+          <p:cNvSpPr txBox="1"/>
+          <p:nvPr/>
+        </p:nvSpPr>
+        <p:spPr>
+          <a:xfrm>
+            <a:off x="3422995" y="2070053"/>
+            <a:ext cx="705403" cy="461665"/>
+          </a:xfrm>
+          <a:prstGeom prst="rect">
+            <a:avLst/>
+          </a:prstGeom>
+          <a:noFill/>
+        </p:spPr>
+        <p:txBody>
+          <a:bodyPr wrap="square" rtlCol="0">
+            <a:spAutoFit/>
+          </a:bodyPr>
+          <a:lstStyle/>
+          <a:p>
+            <a:r>
+              <a:rPr lang="en-US" sz="2400" b="1" i="1" dirty="0">
+                <a:solidFill>
+                  <a:srgbClr val="ED7D31"/>
+                </a:solidFill>
+                <a:latin typeface="Times New Roman" panose="02020603050405020304" pitchFamily="18" charset="0"/>
+                <a:cs typeface="Times New Roman" panose="02020603050405020304" pitchFamily="18" charset="0"/>
+              </a:rPr>
+              <a:t>w</a:t>
+            </a:r>
+            <a:r>
+              <a:rPr lang="en-US" altLang="zh-CN" sz="2400" b="1" i="1" baseline="-25000" dirty="0">
+                <a:solidFill>
+                  <a:srgbClr val="ED7D31"/>
+                </a:solidFill>
+                <a:latin typeface="Times New Roman" panose="02020603050405020304" pitchFamily="18" charset="0"/>
+                <a:cs typeface="Times New Roman" panose="02020603050405020304" pitchFamily="18" charset="0"/>
+              </a:rPr>
+              <a:t>1</a:t>
+            </a:r>
+            <a:r>
+              <a:rPr lang="en-US" sz="2400" b="1" i="1" baseline="-25000" dirty="0">
+                <a:solidFill>
+                  <a:srgbClr val="ED7D31"/>
+                </a:solidFill>
+                <a:latin typeface="Times New Roman" panose="02020603050405020304" pitchFamily="18" charset="0"/>
+                <a:cs typeface="Times New Roman" panose="02020603050405020304" pitchFamily="18" charset="0"/>
+              </a:rPr>
+              <a:t>0</a:t>
+            </a:r>
+            <a:endParaRPr lang="en-US" sz="2400" b="1" i="1" dirty="0">
+              <a:solidFill>
+                <a:srgbClr val="ED7D31"/>
+              </a:solidFill>
+              <a:latin typeface="Times New Roman" panose="02020603050405020304" pitchFamily="18" charset="0"/>
+              <a:cs typeface="Times New Roman" panose="02020603050405020304" pitchFamily="18" charset="0"/>
+            </a:endParaRPr>
+          </a:p>
+        </p:txBody>
+      </p:sp>
+      <p:sp>
+        <p:nvSpPr>
+          <p:cNvPr id="15" name="TextBox 14">
+            <a:extLst>
+              <a:ext uri="{FF2B5EF4-FFF2-40B4-BE49-F238E27FC236}">
+                <a16:creationId xmlns:a16="http://schemas.microsoft.com/office/drawing/2014/main" id="{65F6BA41-4253-4E20-AC4E-91D80593E322}"/>
+              </a:ext>
+            </a:extLst>
+          </p:cNvPr>
+          <p:cNvSpPr txBox="1"/>
+          <p:nvPr/>
+        </p:nvSpPr>
+        <p:spPr>
+          <a:xfrm>
+            <a:off x="3581352" y="3383044"/>
+            <a:ext cx="662908" cy="461665"/>
+          </a:xfrm>
+          <a:prstGeom prst="rect">
+            <a:avLst/>
+          </a:prstGeom>
+          <a:noFill/>
+        </p:spPr>
+        <p:txBody>
+          <a:bodyPr wrap="square" rtlCol="0">
+            <a:spAutoFit/>
+          </a:bodyPr>
+          <a:lstStyle/>
+          <a:p>
+            <a:r>
+              <a:rPr lang="en-US" sz="2400" b="1" i="1" dirty="0">
+                <a:solidFill>
+                  <a:srgbClr val="ED7D31"/>
+                </a:solidFill>
+                <a:latin typeface="Times New Roman" panose="02020603050405020304" pitchFamily="18" charset="0"/>
+                <a:cs typeface="Times New Roman" panose="02020603050405020304" pitchFamily="18" charset="0"/>
+              </a:rPr>
+              <a:t>w</a:t>
+            </a:r>
+            <a:r>
+              <a:rPr lang="en-US" altLang="zh-CN" sz="2400" b="1" i="1" baseline="-25000" dirty="0">
+                <a:solidFill>
+                  <a:srgbClr val="ED7D31"/>
+                </a:solidFill>
+                <a:latin typeface="Times New Roman" panose="02020603050405020304" pitchFamily="18" charset="0"/>
+                <a:cs typeface="Times New Roman" panose="02020603050405020304" pitchFamily="18" charset="0"/>
+              </a:rPr>
+              <a:t>11</a:t>
+            </a:r>
+            <a:endParaRPr lang="en-US" sz="2400" b="1" i="1" dirty="0">
+              <a:solidFill>
+                <a:srgbClr val="ED7D31"/>
+              </a:solidFill>
+              <a:latin typeface="Times New Roman" panose="02020603050405020304" pitchFamily="18" charset="0"/>
+              <a:cs typeface="Times New Roman" panose="02020603050405020304" pitchFamily="18" charset="0"/>
+            </a:endParaRPr>
+          </a:p>
+        </p:txBody>
+      </p:sp>
+      <p:sp>
+        <p:nvSpPr>
+          <p:cNvPr id="16" name="TextBox 15">
+            <a:extLst>
+              <a:ext uri="{FF2B5EF4-FFF2-40B4-BE49-F238E27FC236}">
+                <a16:creationId xmlns:a16="http://schemas.microsoft.com/office/drawing/2014/main" id="{8501C582-95F4-456D-9B6C-3B1FF3D1CA9F}"/>
+              </a:ext>
+            </a:extLst>
+          </p:cNvPr>
+          <p:cNvSpPr txBox="1"/>
+          <p:nvPr/>
+        </p:nvSpPr>
+        <p:spPr>
+          <a:xfrm>
+            <a:off x="3652890" y="4575021"/>
+            <a:ext cx="720659" cy="461665"/>
+          </a:xfrm>
+          <a:prstGeom prst="rect">
+            <a:avLst/>
+          </a:prstGeom>
+          <a:noFill/>
+        </p:spPr>
+        <p:txBody>
+          <a:bodyPr wrap="square" rtlCol="0">
+            <a:spAutoFit/>
+          </a:bodyPr>
+          <a:lstStyle/>
+          <a:p>
+            <a:r>
+              <a:rPr lang="en-US" sz="2400" b="1" i="1" dirty="0">
+                <a:solidFill>
+                  <a:srgbClr val="ED7D31"/>
+                </a:solidFill>
+                <a:latin typeface="Times New Roman" panose="02020603050405020304" pitchFamily="18" charset="0"/>
+                <a:cs typeface="Times New Roman" panose="02020603050405020304" pitchFamily="18" charset="0"/>
+              </a:rPr>
+              <a:t>w</a:t>
+            </a:r>
+            <a:r>
+              <a:rPr lang="en-US" altLang="zh-CN" sz="2400" b="1" i="1" baseline="-25000" dirty="0">
+                <a:solidFill>
+                  <a:srgbClr val="ED7D31"/>
+                </a:solidFill>
+                <a:latin typeface="Times New Roman" panose="02020603050405020304" pitchFamily="18" charset="0"/>
+                <a:cs typeface="Times New Roman" panose="02020603050405020304" pitchFamily="18" charset="0"/>
+              </a:rPr>
+              <a:t>12</a:t>
+            </a:r>
+            <a:endParaRPr lang="en-US" sz="2400" b="1" i="1" dirty="0">
+              <a:solidFill>
+                <a:srgbClr val="ED7D31"/>
+              </a:solidFill>
+              <a:latin typeface="Times New Roman" panose="02020603050405020304" pitchFamily="18" charset="0"/>
+              <a:cs typeface="Times New Roman" panose="02020603050405020304" pitchFamily="18" charset="0"/>
+            </a:endParaRPr>
+          </a:p>
+        </p:txBody>
+      </p:sp>
+      <p:sp>
+        <p:nvSpPr>
+          <p:cNvPr id="21" name="TextBox 20">
+            <a:extLst>
+              <a:ext uri="{FF2B5EF4-FFF2-40B4-BE49-F238E27FC236}">
+                <a16:creationId xmlns:a16="http://schemas.microsoft.com/office/drawing/2014/main" id="{C87FABEC-ED0B-4EA8-83CB-BB841A840AE1}"/>
+              </a:ext>
+            </a:extLst>
+          </p:cNvPr>
+          <p:cNvSpPr txBox="1"/>
+          <p:nvPr/>
+        </p:nvSpPr>
+        <p:spPr>
+          <a:xfrm>
+            <a:off x="9084468" y="3174585"/>
+            <a:ext cx="1540669" cy="646331"/>
+          </a:xfrm>
+          <a:prstGeom prst="rect">
+            <a:avLst/>
+          </a:prstGeom>
+          <a:noFill/>
+        </p:spPr>
+        <p:txBody>
+          <a:bodyPr wrap="square" rtlCol="0">
+            <a:spAutoFit/>
+          </a:bodyPr>
+          <a:lstStyle/>
+          <a:p>
+            <a:r>
+              <a:rPr lang="en-US" sz="3600" b="1" i="1" dirty="0">
+                <a:latin typeface="Times New Roman" panose="02020603050405020304" pitchFamily="18" charset="0"/>
+                <a:cs typeface="Times New Roman" panose="02020603050405020304" pitchFamily="18" charset="0"/>
+              </a:rPr>
+              <a:t>H</a:t>
+            </a:r>
+            <a:r>
+              <a:rPr lang="en-US" sz="3600" b="1" i="1" baseline="-25000" dirty="0">
+                <a:latin typeface="Times New Roman" panose="02020603050405020304" pitchFamily="18" charset="0"/>
+                <a:cs typeface="Times New Roman" panose="02020603050405020304" pitchFamily="18" charset="0"/>
+              </a:rPr>
+              <a:t>w</a:t>
+            </a:r>
+            <a:r>
+              <a:rPr lang="en-US" sz="3600" b="1" i="1" dirty="0">
+                <a:latin typeface="Times New Roman" panose="02020603050405020304" pitchFamily="18" charset="0"/>
+                <a:cs typeface="Times New Roman" panose="02020603050405020304" pitchFamily="18" charset="0"/>
+              </a:rPr>
+              <a:t>(x)</a:t>
+            </a:r>
+          </a:p>
+        </p:txBody>
+      </p:sp>
+      <p:sp>
+        <p:nvSpPr>
+          <p:cNvPr id="17" name="Oval 16">
+            <a:extLst>
+              <a:ext uri="{FF2B5EF4-FFF2-40B4-BE49-F238E27FC236}">
+                <a16:creationId xmlns:a16="http://schemas.microsoft.com/office/drawing/2014/main" id="{F7B1BD1A-CCBA-44EC-9CB2-8E509FFC85DA}"/>
+              </a:ext>
+            </a:extLst>
+          </p:cNvPr>
+          <p:cNvSpPr/>
+          <p:nvPr/>
+        </p:nvSpPr>
+        <p:spPr>
+          <a:xfrm>
+            <a:off x="2932504" y="5016958"/>
+            <a:ext cx="842962" cy="842962"/>
+          </a:xfrm>
+          <a:prstGeom prst="ellipse">
+            <a:avLst/>
+          </a:prstGeom>
+        </p:spPr>
+        <p:style>
+          <a:lnRef idx="2">
+            <a:schemeClr val="accent1"/>
+          </a:lnRef>
+          <a:fillRef idx="1">
+            <a:schemeClr val="lt1"/>
+          </a:fillRef>
+          <a:effectRef idx="0">
+            <a:schemeClr val="accent1"/>
+          </a:effectRef>
+          <a:fontRef idx="minor">
+            <a:schemeClr val="dk1"/>
+          </a:fontRef>
+        </p:style>
+        <p:txBody>
+          <a:bodyPr rtlCol="0" anchor="ctr"/>
+          <a:lstStyle/>
+          <a:p>
+            <a:pPr algn="ctr"/>
+            <a:r>
+              <a:rPr lang="en-US" sz="2800" b="1" i="1" dirty="0"/>
+              <a:t>x</a:t>
+            </a:r>
+            <a:r>
+              <a:rPr lang="en-US" altLang="zh-CN" sz="2800" b="1" i="1" baseline="-25000" dirty="0"/>
+              <a:t>3</a:t>
+            </a:r>
+            <a:endParaRPr lang="en-US" sz="2800" b="1" i="1" baseline="-25000" dirty="0"/>
+          </a:p>
+        </p:txBody>
+      </p:sp>
+      <p:cxnSp>
+        <p:nvCxnSpPr>
+          <p:cNvPr id="20" name="Straight Arrow Connector 19">
+            <a:extLst>
+              <a:ext uri="{FF2B5EF4-FFF2-40B4-BE49-F238E27FC236}">
+                <a16:creationId xmlns:a16="http://schemas.microsoft.com/office/drawing/2014/main" id="{DBD553A7-40E1-47C8-83C9-D9DB045877C4}"/>
+              </a:ext>
+            </a:extLst>
+          </p:cNvPr>
+          <p:cNvCxnSpPr>
+            <a:cxnSpLocks/>
+            <a:stCxn id="17" idx="6"/>
+            <a:endCxn id="5" idx="2"/>
+          </p:cNvCxnSpPr>
+          <p:nvPr/>
+        </p:nvCxnSpPr>
+        <p:spPr>
+          <a:xfrm>
+            <a:off x="3775466" y="5438439"/>
+            <a:ext cx="1527579" cy="842962"/>
+          </a:xfrm>
+          <a:prstGeom prst="straightConnector1">
+            <a:avLst/>
+          </a:prstGeom>
+          <a:ln>
+            <a:tailEnd type="triangle"/>
+          </a:ln>
+        </p:spPr>
+        <p:style>
+          <a:lnRef idx="3">
+            <a:schemeClr val="accent2"/>
+          </a:lnRef>
+          <a:fillRef idx="0">
+            <a:schemeClr val="accent2"/>
+          </a:fillRef>
+          <a:effectRef idx="2">
+            <a:schemeClr val="accent2"/>
+          </a:effectRef>
+          <a:fontRef idx="minor">
+            <a:schemeClr val="tx1"/>
+          </a:fontRef>
+        </p:style>
+      </p:cxnSp>
+      <p:sp>
+        <p:nvSpPr>
+          <p:cNvPr id="22" name="TextBox 21">
+            <a:extLst>
+              <a:ext uri="{FF2B5EF4-FFF2-40B4-BE49-F238E27FC236}">
+                <a16:creationId xmlns:a16="http://schemas.microsoft.com/office/drawing/2014/main" id="{C62DB3A1-4472-4BE8-86BB-90FDB2FEB163}"/>
+              </a:ext>
+            </a:extLst>
+          </p:cNvPr>
+          <p:cNvSpPr txBox="1"/>
+          <p:nvPr/>
+        </p:nvSpPr>
+        <p:spPr>
+          <a:xfrm>
+            <a:off x="3880186" y="5699913"/>
+            <a:ext cx="759617" cy="461665"/>
+          </a:xfrm>
+          <a:prstGeom prst="rect">
+            <a:avLst/>
+          </a:prstGeom>
+          <a:noFill/>
+        </p:spPr>
+        <p:txBody>
+          <a:bodyPr wrap="square" rtlCol="0">
+            <a:spAutoFit/>
+          </a:bodyPr>
+          <a:lstStyle/>
+          <a:p>
+            <a:r>
+              <a:rPr lang="en-US" sz="2400" b="1" i="1" dirty="0">
+                <a:solidFill>
+                  <a:srgbClr val="ED7D31"/>
+                </a:solidFill>
+                <a:latin typeface="Times New Roman" panose="02020603050405020304" pitchFamily="18" charset="0"/>
+                <a:cs typeface="Times New Roman" panose="02020603050405020304" pitchFamily="18" charset="0"/>
+              </a:rPr>
+              <a:t>w</a:t>
+            </a:r>
+            <a:r>
+              <a:rPr lang="en-US" altLang="zh-CN" sz="2400" b="1" i="1" baseline="-25000" dirty="0">
+                <a:solidFill>
+                  <a:srgbClr val="ED7D31"/>
+                </a:solidFill>
+                <a:latin typeface="Times New Roman" panose="02020603050405020304" pitchFamily="18" charset="0"/>
+                <a:cs typeface="Times New Roman" panose="02020603050405020304" pitchFamily="18" charset="0"/>
+              </a:rPr>
+              <a:t>13</a:t>
+            </a:r>
+            <a:endParaRPr lang="en-US" sz="2400" b="1" i="1" dirty="0">
+              <a:solidFill>
+                <a:srgbClr val="ED7D31"/>
+              </a:solidFill>
+              <a:latin typeface="Times New Roman" panose="02020603050405020304" pitchFamily="18" charset="0"/>
+              <a:cs typeface="Times New Roman" panose="02020603050405020304" pitchFamily="18" charset="0"/>
+            </a:endParaRPr>
+          </a:p>
+        </p:txBody>
+      </p:sp>
+      <p:sp>
+        <p:nvSpPr>
+          <p:cNvPr id="48" name="Oval 47">
+            <a:extLst>
+              <a:ext uri="{FF2B5EF4-FFF2-40B4-BE49-F238E27FC236}">
+                <a16:creationId xmlns:a16="http://schemas.microsoft.com/office/drawing/2014/main" id="{63AF6202-8001-46D5-AB31-D1F53B9C37B4}"/>
+              </a:ext>
+            </a:extLst>
+          </p:cNvPr>
+          <p:cNvSpPr/>
+          <p:nvPr/>
+        </p:nvSpPr>
+        <p:spPr>
+          <a:xfrm>
+            <a:off x="7398544" y="3121570"/>
+            <a:ext cx="842962" cy="842962"/>
+          </a:xfrm>
+          <a:prstGeom prst="ellipse">
+            <a:avLst/>
+          </a:prstGeom>
+        </p:spPr>
+        <p:style>
+          <a:lnRef idx="2">
+            <a:schemeClr val="accent6"/>
+          </a:lnRef>
+          <a:fillRef idx="1">
+            <a:schemeClr val="lt1"/>
+          </a:fillRef>
+          <a:effectRef idx="0">
+            <a:schemeClr val="accent6"/>
+          </a:effectRef>
+          <a:fontRef idx="minor">
+            <a:schemeClr val="dk1"/>
+          </a:fontRef>
+        </p:style>
+        <p:txBody>
+          <a:bodyPr rtlCol="0" anchor="ctr"/>
+          <a:lstStyle/>
+          <a:p>
+            <a:pPr algn="ctr"/>
+            <a:endParaRPr lang="en-US" dirty="0"/>
+          </a:p>
+        </p:txBody>
+      </p:sp>
+      <p:cxnSp>
+        <p:nvCxnSpPr>
+          <p:cNvPr id="58" name="Straight Arrow Connector 57">
+            <a:extLst>
+              <a:ext uri="{FF2B5EF4-FFF2-40B4-BE49-F238E27FC236}">
+                <a16:creationId xmlns:a16="http://schemas.microsoft.com/office/drawing/2014/main" id="{60D8D623-33E4-4498-8D7B-10BDE90DF536}"/>
+              </a:ext>
+            </a:extLst>
+          </p:cNvPr>
+          <p:cNvCxnSpPr>
+            <a:stCxn id="2" idx="6"/>
+            <a:endCxn id="48" idx="2"/>
+          </p:cNvCxnSpPr>
+          <p:nvPr/>
+        </p:nvCxnSpPr>
+        <p:spPr>
+          <a:xfrm>
+            <a:off x="3757610" y="1682772"/>
+            <a:ext cx="3640934" cy="1860279"/>
+          </a:xfrm>
+          <a:prstGeom prst="straightConnector1">
+            <a:avLst/>
+          </a:prstGeom>
+          <a:ln>
+            <a:tailEnd type="triangle"/>
+          </a:ln>
+        </p:spPr>
+        <p:style>
+          <a:lnRef idx="3">
+            <a:schemeClr val="accent6"/>
+          </a:lnRef>
+          <a:fillRef idx="0">
+            <a:schemeClr val="accent6"/>
+          </a:fillRef>
+          <a:effectRef idx="2">
+            <a:schemeClr val="accent6"/>
+          </a:effectRef>
+          <a:fontRef idx="minor">
+            <a:schemeClr val="tx1"/>
+          </a:fontRef>
+        </p:style>
+      </p:cxnSp>
+      <p:cxnSp>
+        <p:nvCxnSpPr>
+          <p:cNvPr id="60" name="Straight Arrow Connector 59">
+            <a:extLst>
+              <a:ext uri="{FF2B5EF4-FFF2-40B4-BE49-F238E27FC236}">
+                <a16:creationId xmlns:a16="http://schemas.microsoft.com/office/drawing/2014/main" id="{6A9EFDB2-1C47-4A9F-AD95-8FAE06F1D86C}"/>
+              </a:ext>
+            </a:extLst>
+          </p:cNvPr>
+          <p:cNvCxnSpPr>
+            <a:stCxn id="3" idx="6"/>
+            <a:endCxn id="48" idx="2"/>
+          </p:cNvCxnSpPr>
+          <p:nvPr/>
+        </p:nvCxnSpPr>
+        <p:spPr>
+          <a:xfrm>
+            <a:off x="3775466" y="2934661"/>
+            <a:ext cx="3623078" cy="608390"/>
+          </a:xfrm>
+          <a:prstGeom prst="straightConnector1">
+            <a:avLst/>
+          </a:prstGeom>
+          <a:ln>
+            <a:tailEnd type="triangle"/>
+          </a:ln>
+        </p:spPr>
+        <p:style>
+          <a:lnRef idx="3">
+            <a:schemeClr val="accent6"/>
+          </a:lnRef>
+          <a:fillRef idx="0">
+            <a:schemeClr val="accent6"/>
+          </a:fillRef>
+          <a:effectRef idx="2">
+            <a:schemeClr val="accent6"/>
+          </a:effectRef>
+          <a:fontRef idx="minor">
+            <a:schemeClr val="tx1"/>
+          </a:fontRef>
+        </p:style>
+      </p:cxnSp>
+      <p:cxnSp>
+        <p:nvCxnSpPr>
+          <p:cNvPr id="62" name="Straight Arrow Connector 61">
+            <a:extLst>
+              <a:ext uri="{FF2B5EF4-FFF2-40B4-BE49-F238E27FC236}">
+                <a16:creationId xmlns:a16="http://schemas.microsoft.com/office/drawing/2014/main" id="{84DDF4AA-2E44-4EF0-8F92-D5A1F120C982}"/>
+              </a:ext>
+            </a:extLst>
+          </p:cNvPr>
+          <p:cNvCxnSpPr>
+            <a:stCxn id="4" idx="6"/>
+            <a:endCxn id="48" idx="2"/>
+          </p:cNvCxnSpPr>
+          <p:nvPr/>
+        </p:nvCxnSpPr>
+        <p:spPr>
+          <a:xfrm flipV="1">
+            <a:off x="3775466" y="3543051"/>
+            <a:ext cx="3623078" cy="643499"/>
+          </a:xfrm>
+          <a:prstGeom prst="straightConnector1">
+            <a:avLst/>
+          </a:prstGeom>
+          <a:ln>
+            <a:tailEnd type="triangle"/>
+          </a:ln>
+        </p:spPr>
+        <p:style>
+          <a:lnRef idx="3">
+            <a:schemeClr val="accent6"/>
+          </a:lnRef>
+          <a:fillRef idx="0">
+            <a:schemeClr val="accent6"/>
+          </a:fillRef>
+          <a:effectRef idx="2">
+            <a:schemeClr val="accent6"/>
+          </a:effectRef>
+          <a:fontRef idx="minor">
+            <a:schemeClr val="tx1"/>
+          </a:fontRef>
+        </p:style>
+      </p:cxnSp>
+      <p:cxnSp>
+        <p:nvCxnSpPr>
+          <p:cNvPr id="64" name="Straight Arrow Connector 63">
+            <a:extLst>
+              <a:ext uri="{FF2B5EF4-FFF2-40B4-BE49-F238E27FC236}">
+                <a16:creationId xmlns:a16="http://schemas.microsoft.com/office/drawing/2014/main" id="{192D7FB8-7EF1-42F7-B1E8-3298F2F3F431}"/>
+              </a:ext>
+            </a:extLst>
+          </p:cNvPr>
+          <p:cNvCxnSpPr>
+            <a:stCxn id="17" idx="6"/>
+            <a:endCxn id="48" idx="2"/>
+          </p:cNvCxnSpPr>
+          <p:nvPr/>
+        </p:nvCxnSpPr>
+        <p:spPr>
+          <a:xfrm flipV="1">
+            <a:off x="3775466" y="3543051"/>
+            <a:ext cx="3623078" cy="1895388"/>
+          </a:xfrm>
+          <a:prstGeom prst="straightConnector1">
+            <a:avLst/>
+          </a:prstGeom>
+          <a:ln>
+            <a:tailEnd type="triangle"/>
+          </a:ln>
+        </p:spPr>
+        <p:style>
+          <a:lnRef idx="3">
+            <a:schemeClr val="accent6"/>
+          </a:lnRef>
+          <a:fillRef idx="0">
+            <a:schemeClr val="accent6"/>
+          </a:fillRef>
+          <a:effectRef idx="2">
+            <a:schemeClr val="accent6"/>
+          </a:effectRef>
+          <a:fontRef idx="minor">
+            <a:schemeClr val="tx1"/>
+          </a:fontRef>
+        </p:style>
+      </p:cxnSp>
+      <p:cxnSp>
+        <p:nvCxnSpPr>
+          <p:cNvPr id="66" name="Straight Arrow Connector 65">
+            <a:extLst>
+              <a:ext uri="{FF2B5EF4-FFF2-40B4-BE49-F238E27FC236}">
+                <a16:creationId xmlns:a16="http://schemas.microsoft.com/office/drawing/2014/main" id="{AD286F5A-55A0-4D86-8D50-20D04F5E634A}"/>
+              </a:ext>
+            </a:extLst>
+          </p:cNvPr>
+          <p:cNvCxnSpPr>
+            <a:stCxn id="5" idx="6"/>
+            <a:endCxn id="48" idx="2"/>
+          </p:cNvCxnSpPr>
+          <p:nvPr/>
+        </p:nvCxnSpPr>
+        <p:spPr>
+          <a:xfrm flipV="1">
+            <a:off x="6146007" y="3543051"/>
+            <a:ext cx="1252537" cy="2738350"/>
+          </a:xfrm>
+          <a:prstGeom prst="straightConnector1">
+            <a:avLst/>
+          </a:prstGeom>
+          <a:ln>
+            <a:tailEnd type="triangle"/>
+          </a:ln>
+        </p:spPr>
+        <p:style>
+          <a:lnRef idx="3">
+            <a:schemeClr val="accent6"/>
+          </a:lnRef>
+          <a:fillRef idx="0">
+            <a:schemeClr val="accent6"/>
+          </a:fillRef>
+          <a:effectRef idx="2">
+            <a:schemeClr val="accent6"/>
+          </a:effectRef>
+          <a:fontRef idx="minor">
+            <a:schemeClr val="tx1"/>
+          </a:fontRef>
+        </p:style>
+      </p:cxnSp>
+      <p:cxnSp>
+        <p:nvCxnSpPr>
+          <p:cNvPr id="70" name="Straight Arrow Connector 69">
+            <a:extLst>
+              <a:ext uri="{FF2B5EF4-FFF2-40B4-BE49-F238E27FC236}">
+                <a16:creationId xmlns:a16="http://schemas.microsoft.com/office/drawing/2014/main" id="{6B2700CD-2106-46ED-983C-851899FF611C}"/>
+              </a:ext>
+            </a:extLst>
+          </p:cNvPr>
+          <p:cNvCxnSpPr>
+            <a:stCxn id="48" idx="6"/>
+          </p:cNvCxnSpPr>
+          <p:nvPr/>
+        </p:nvCxnSpPr>
+        <p:spPr>
+          <a:xfrm>
+            <a:off x="8241506" y="3543051"/>
+            <a:ext cx="795338" cy="0"/>
+          </a:xfrm>
+          <a:prstGeom prst="straightConnector1">
+            <a:avLst/>
+          </a:prstGeom>
+          <a:ln>
+            <a:tailEnd type="triangle"/>
+          </a:ln>
+        </p:spPr>
+        <p:style>
+          <a:lnRef idx="3">
+            <a:schemeClr val="dk1"/>
+          </a:lnRef>
+          <a:fillRef idx="0">
+            <a:schemeClr val="dk1"/>
+          </a:fillRef>
+          <a:effectRef idx="2">
+            <a:schemeClr val="dk1"/>
+          </a:effectRef>
+          <a:fontRef idx="minor">
+            <a:schemeClr val="tx1"/>
+          </a:fontRef>
+        </p:style>
+      </p:cxnSp>
+      <p:sp>
+        <p:nvSpPr>
+          <p:cNvPr id="71" name="TextBox 70">
+            <a:extLst>
+              <a:ext uri="{FF2B5EF4-FFF2-40B4-BE49-F238E27FC236}">
+                <a16:creationId xmlns:a16="http://schemas.microsoft.com/office/drawing/2014/main" id="{FF546EFC-BDFE-443C-887B-9DF81087F39D}"/>
+              </a:ext>
+            </a:extLst>
+          </p:cNvPr>
+          <p:cNvSpPr txBox="1"/>
+          <p:nvPr/>
+        </p:nvSpPr>
+        <p:spPr>
+          <a:xfrm>
+            <a:off x="4850072" y="1825405"/>
+            <a:ext cx="705403" cy="461665"/>
+          </a:xfrm>
+          <a:prstGeom prst="rect">
+            <a:avLst/>
+          </a:prstGeom>
+          <a:noFill/>
+        </p:spPr>
+        <p:txBody>
+          <a:bodyPr wrap="square" rtlCol="0">
+            <a:spAutoFit/>
+          </a:bodyPr>
+          <a:lstStyle/>
+          <a:p>
+            <a:r>
+              <a:rPr lang="en-US" sz="2400" b="1" i="1" dirty="0">
+                <a:solidFill>
+                  <a:srgbClr val="B7D5A2"/>
+                </a:solidFill>
+                <a:latin typeface="Times New Roman" panose="02020603050405020304" pitchFamily="18" charset="0"/>
+                <a:cs typeface="Times New Roman" panose="02020603050405020304" pitchFamily="18" charset="0"/>
+              </a:rPr>
+              <a:t>w</a:t>
+            </a:r>
+            <a:r>
+              <a:rPr lang="en-US" altLang="zh-CN" sz="2400" b="1" i="1" baseline="-25000" dirty="0">
+                <a:solidFill>
+                  <a:srgbClr val="B7D5A2"/>
+                </a:solidFill>
+                <a:latin typeface="Times New Roman" panose="02020603050405020304" pitchFamily="18" charset="0"/>
+                <a:cs typeface="Times New Roman" panose="02020603050405020304" pitchFamily="18" charset="0"/>
+              </a:rPr>
+              <a:t>20</a:t>
+            </a:r>
+            <a:endParaRPr lang="en-US" sz="2400" b="1" i="1" dirty="0">
+              <a:solidFill>
+                <a:srgbClr val="B7D5A2"/>
+              </a:solidFill>
+              <a:latin typeface="Times New Roman" panose="02020603050405020304" pitchFamily="18" charset="0"/>
+              <a:cs typeface="Times New Roman" panose="02020603050405020304" pitchFamily="18" charset="0"/>
+            </a:endParaRPr>
+          </a:p>
+        </p:txBody>
+      </p:sp>
+      <p:sp>
+        <p:nvSpPr>
+          <p:cNvPr id="72" name="TextBox 71">
+            <a:extLst>
+              <a:ext uri="{FF2B5EF4-FFF2-40B4-BE49-F238E27FC236}">
+                <a16:creationId xmlns:a16="http://schemas.microsoft.com/office/drawing/2014/main" id="{181621D0-49D4-473B-8395-7F9D65041583}"/>
+              </a:ext>
+            </a:extLst>
+          </p:cNvPr>
+          <p:cNvSpPr txBox="1"/>
+          <p:nvPr/>
+        </p:nvSpPr>
+        <p:spPr>
+          <a:xfrm>
+            <a:off x="4847351" y="2699736"/>
+            <a:ext cx="662907" cy="461665"/>
+          </a:xfrm>
+          <a:prstGeom prst="rect">
+            <a:avLst/>
+          </a:prstGeom>
+          <a:noFill/>
+        </p:spPr>
+        <p:txBody>
+          <a:bodyPr wrap="square" rtlCol="0">
+            <a:spAutoFit/>
+          </a:bodyPr>
+          <a:lstStyle/>
+          <a:p>
+            <a:r>
+              <a:rPr lang="en-US" sz="2400" b="1" i="1" dirty="0">
+                <a:solidFill>
+                  <a:srgbClr val="B7D5A2"/>
+                </a:solidFill>
+                <a:latin typeface="Times New Roman" panose="02020603050405020304" pitchFamily="18" charset="0"/>
+                <a:cs typeface="Times New Roman" panose="02020603050405020304" pitchFamily="18" charset="0"/>
+              </a:rPr>
+              <a:t>w</a:t>
+            </a:r>
+            <a:r>
+              <a:rPr lang="en-US" altLang="zh-CN" sz="2400" b="1" i="1" baseline="-25000" dirty="0">
+                <a:solidFill>
+                  <a:srgbClr val="B7D5A2"/>
+                </a:solidFill>
+                <a:latin typeface="Times New Roman" panose="02020603050405020304" pitchFamily="18" charset="0"/>
+                <a:cs typeface="Times New Roman" panose="02020603050405020304" pitchFamily="18" charset="0"/>
+              </a:rPr>
+              <a:t>21</a:t>
+            </a:r>
+            <a:endParaRPr lang="en-US" sz="2400" b="1" i="1" dirty="0">
+              <a:solidFill>
+                <a:srgbClr val="B7D5A2"/>
+              </a:solidFill>
+              <a:latin typeface="Times New Roman" panose="02020603050405020304" pitchFamily="18" charset="0"/>
+              <a:cs typeface="Times New Roman" panose="02020603050405020304" pitchFamily="18" charset="0"/>
+            </a:endParaRPr>
+          </a:p>
+        </p:txBody>
+      </p:sp>
+      <p:sp>
+        <p:nvSpPr>
+          <p:cNvPr id="73" name="TextBox 72">
+            <a:extLst>
+              <a:ext uri="{FF2B5EF4-FFF2-40B4-BE49-F238E27FC236}">
+                <a16:creationId xmlns:a16="http://schemas.microsoft.com/office/drawing/2014/main" id="{F6B63288-FE59-48A8-A7E4-C2BE27F27BB6}"/>
+              </a:ext>
+            </a:extLst>
+          </p:cNvPr>
+          <p:cNvSpPr txBox="1"/>
+          <p:nvPr/>
+        </p:nvSpPr>
+        <p:spPr>
+          <a:xfrm>
+            <a:off x="4851410" y="3446771"/>
+            <a:ext cx="704065" cy="461665"/>
+          </a:xfrm>
+          <a:prstGeom prst="rect">
+            <a:avLst/>
+          </a:prstGeom>
+          <a:noFill/>
+        </p:spPr>
+        <p:txBody>
+          <a:bodyPr wrap="square" rtlCol="0">
+            <a:spAutoFit/>
+          </a:bodyPr>
+          <a:lstStyle/>
+          <a:p>
+            <a:r>
+              <a:rPr lang="en-US" sz="2400" b="1" i="1" dirty="0">
+                <a:solidFill>
+                  <a:srgbClr val="B7D5A2"/>
+                </a:solidFill>
+                <a:latin typeface="Times New Roman" panose="02020603050405020304" pitchFamily="18" charset="0"/>
+                <a:cs typeface="Times New Roman" panose="02020603050405020304" pitchFamily="18" charset="0"/>
+              </a:rPr>
+              <a:t>w</a:t>
+            </a:r>
+            <a:r>
+              <a:rPr lang="en-US" altLang="zh-CN" sz="2400" b="1" i="1" baseline="-25000" dirty="0">
+                <a:solidFill>
+                  <a:srgbClr val="B7D5A2"/>
+                </a:solidFill>
+                <a:latin typeface="Times New Roman" panose="02020603050405020304" pitchFamily="18" charset="0"/>
+                <a:cs typeface="Times New Roman" panose="02020603050405020304" pitchFamily="18" charset="0"/>
+              </a:rPr>
+              <a:t>22</a:t>
+            </a:r>
+            <a:endParaRPr lang="en-US" sz="2400" b="1" i="1" dirty="0">
+              <a:solidFill>
+                <a:srgbClr val="B7D5A2"/>
+              </a:solidFill>
+              <a:latin typeface="Times New Roman" panose="02020603050405020304" pitchFamily="18" charset="0"/>
+              <a:cs typeface="Times New Roman" panose="02020603050405020304" pitchFamily="18" charset="0"/>
+            </a:endParaRPr>
+          </a:p>
+        </p:txBody>
+      </p:sp>
+      <p:sp>
+        <p:nvSpPr>
+          <p:cNvPr id="74" name="TextBox 73">
+            <a:extLst>
+              <a:ext uri="{FF2B5EF4-FFF2-40B4-BE49-F238E27FC236}">
+                <a16:creationId xmlns:a16="http://schemas.microsoft.com/office/drawing/2014/main" id="{C91BED6D-35C5-4FD6-AF21-85E81BE4439C}"/>
+              </a:ext>
+            </a:extLst>
+          </p:cNvPr>
+          <p:cNvSpPr txBox="1"/>
+          <p:nvPr/>
+        </p:nvSpPr>
+        <p:spPr>
+          <a:xfrm>
+            <a:off x="4850073" y="4200348"/>
+            <a:ext cx="629230" cy="461665"/>
+          </a:xfrm>
+          <a:prstGeom prst="rect">
+            <a:avLst/>
+          </a:prstGeom>
+          <a:noFill/>
+        </p:spPr>
+        <p:txBody>
+          <a:bodyPr wrap="square" rtlCol="0">
+            <a:spAutoFit/>
+          </a:bodyPr>
+          <a:lstStyle/>
+          <a:p>
+            <a:r>
+              <a:rPr lang="en-US" sz="2400" b="1" i="1" dirty="0">
+                <a:solidFill>
+                  <a:srgbClr val="B7D5A2"/>
+                </a:solidFill>
+                <a:latin typeface="Times New Roman" panose="02020603050405020304" pitchFamily="18" charset="0"/>
+                <a:cs typeface="Times New Roman" panose="02020603050405020304" pitchFamily="18" charset="0"/>
+              </a:rPr>
+              <a:t>w</a:t>
+            </a:r>
+            <a:r>
+              <a:rPr lang="en-US" altLang="zh-CN" sz="2400" b="1" i="1" baseline="-25000" dirty="0">
+                <a:solidFill>
+                  <a:srgbClr val="B7D5A2"/>
+                </a:solidFill>
+                <a:latin typeface="Times New Roman" panose="02020603050405020304" pitchFamily="18" charset="0"/>
+                <a:cs typeface="Times New Roman" panose="02020603050405020304" pitchFamily="18" charset="0"/>
+              </a:rPr>
+              <a:t>23</a:t>
+            </a:r>
+            <a:endParaRPr lang="en-US" sz="2400" b="1" i="1" dirty="0">
+              <a:solidFill>
+                <a:srgbClr val="B7D5A2"/>
+              </a:solidFill>
+              <a:latin typeface="Times New Roman" panose="02020603050405020304" pitchFamily="18" charset="0"/>
+              <a:cs typeface="Times New Roman" panose="02020603050405020304" pitchFamily="18" charset="0"/>
+            </a:endParaRPr>
+          </a:p>
+        </p:txBody>
+      </p:sp>
+      <p:sp>
+        <p:nvSpPr>
+          <p:cNvPr id="75" name="TextBox 74">
+            <a:extLst>
+              <a:ext uri="{FF2B5EF4-FFF2-40B4-BE49-F238E27FC236}">
+                <a16:creationId xmlns:a16="http://schemas.microsoft.com/office/drawing/2014/main" id="{2CC8DF1A-0AE6-4D61-8E73-D3A5431E215F}"/>
+              </a:ext>
+            </a:extLst>
+          </p:cNvPr>
+          <p:cNvSpPr txBox="1"/>
+          <p:nvPr/>
+        </p:nvSpPr>
+        <p:spPr>
+          <a:xfrm>
+            <a:off x="6045995" y="4805853"/>
+            <a:ext cx="842962" cy="461665"/>
+          </a:xfrm>
+          <a:prstGeom prst="rect">
+            <a:avLst/>
+          </a:prstGeom>
+          <a:noFill/>
+        </p:spPr>
+        <p:txBody>
+          <a:bodyPr wrap="square" rtlCol="0">
+            <a:spAutoFit/>
+          </a:bodyPr>
+          <a:lstStyle/>
+          <a:p>
+            <a:r>
+              <a:rPr lang="en-US" sz="2400" b="1" i="1" dirty="0">
+                <a:solidFill>
+                  <a:srgbClr val="B7D5A2"/>
+                </a:solidFill>
+                <a:latin typeface="Times New Roman" panose="02020603050405020304" pitchFamily="18" charset="0"/>
+                <a:cs typeface="Times New Roman" panose="02020603050405020304" pitchFamily="18" charset="0"/>
+              </a:rPr>
+              <a:t>w</a:t>
+            </a:r>
+            <a:r>
+              <a:rPr lang="en-US" altLang="zh-CN" sz="2400" b="1" i="1" baseline="-25000" dirty="0">
+                <a:solidFill>
+                  <a:srgbClr val="B7D5A2"/>
+                </a:solidFill>
+                <a:latin typeface="Times New Roman" panose="02020603050405020304" pitchFamily="18" charset="0"/>
+                <a:cs typeface="Times New Roman" panose="02020603050405020304" pitchFamily="18" charset="0"/>
+              </a:rPr>
+              <a:t>24</a:t>
+            </a:r>
+            <a:endParaRPr lang="en-US" sz="2400" b="1" i="1" dirty="0">
+              <a:solidFill>
+                <a:srgbClr val="B7D5A2"/>
+              </a:solidFill>
+              <a:latin typeface="Times New Roman" panose="02020603050405020304" pitchFamily="18" charset="0"/>
+              <a:cs typeface="Times New Roman" panose="02020603050405020304" pitchFamily="18" charset="0"/>
+            </a:endParaRPr>
+          </a:p>
+        </p:txBody>
+      </p:sp>
+    </p:spTree>
+    <p:extLst>
+      <p:ext uri="{BB962C8B-B14F-4D97-AF65-F5344CB8AC3E}">
+        <p14:creationId xmlns:p14="http://schemas.microsoft.com/office/powerpoint/2010/main" val="1337918567"/>
+      </p:ext>
+    </p:extLst>
+  </p:cSld>
+  <p:clrMapOvr>
+    <a:masterClrMapping/>
+  </p:clrMapOvr>
+</p:sld>
+</file>
+
 <file path=ppt/theme/theme1.xml><?xml version="1.0" encoding="utf-8"?>
 <a:theme xmlns:a="http://schemas.openxmlformats.org/drawingml/2006/main" name="Office Theme">
   <a:themeElements>

--- a/HW5/HW5_tex/images/image.pptx
+++ b/HW5/HW5_tex/images/image.pptx
@@ -7,6 +7,8 @@
   <p:sldIdLst>
     <p:sldId id="257" r:id="rId2"/>
     <p:sldId id="258" r:id="rId3"/>
+    <p:sldId id="259" r:id="rId4"/>
+    <p:sldId id="260" r:id="rId5"/>
   </p:sldIdLst>
   <p:sldSz cx="12192000" cy="6858000"/>
   <p:notesSz cx="6858000" cy="9144000"/>
@@ -260,7 +262,7 @@
           <a:p>
             <a:fld id="{CFC62250-08F7-4E2A-BDBE-79328C9CA867}" type="datetimeFigureOut">
               <a:rPr lang="en-US" smtClean="0"/>
-              <a:t>3/13/2020</a:t>
+              <a:t>3/26/2020</a:t>
             </a:fld>
             <a:endParaRPr lang="en-US"/>
           </a:p>
@@ -458,7 +460,7 @@
           <a:p>
             <a:fld id="{CFC62250-08F7-4E2A-BDBE-79328C9CA867}" type="datetimeFigureOut">
               <a:rPr lang="en-US" smtClean="0"/>
-              <a:t>3/13/2020</a:t>
+              <a:t>3/26/2020</a:t>
             </a:fld>
             <a:endParaRPr lang="en-US"/>
           </a:p>
@@ -666,7 +668,7 @@
           <a:p>
             <a:fld id="{CFC62250-08F7-4E2A-BDBE-79328C9CA867}" type="datetimeFigureOut">
               <a:rPr lang="en-US" smtClean="0"/>
-              <a:t>3/13/2020</a:t>
+              <a:t>3/26/2020</a:t>
             </a:fld>
             <a:endParaRPr lang="en-US"/>
           </a:p>
@@ -864,7 +866,7 @@
           <a:p>
             <a:fld id="{CFC62250-08F7-4E2A-BDBE-79328C9CA867}" type="datetimeFigureOut">
               <a:rPr lang="en-US" smtClean="0"/>
-              <a:t>3/13/2020</a:t>
+              <a:t>3/26/2020</a:t>
             </a:fld>
             <a:endParaRPr lang="en-US"/>
           </a:p>
@@ -1139,7 +1141,7 @@
           <a:p>
             <a:fld id="{CFC62250-08F7-4E2A-BDBE-79328C9CA867}" type="datetimeFigureOut">
               <a:rPr lang="en-US" smtClean="0"/>
-              <a:t>3/13/2020</a:t>
+              <a:t>3/26/2020</a:t>
             </a:fld>
             <a:endParaRPr lang="en-US"/>
           </a:p>
@@ -1404,7 +1406,7 @@
           <a:p>
             <a:fld id="{CFC62250-08F7-4E2A-BDBE-79328C9CA867}" type="datetimeFigureOut">
               <a:rPr lang="en-US" smtClean="0"/>
-              <a:t>3/13/2020</a:t>
+              <a:t>3/26/2020</a:t>
             </a:fld>
             <a:endParaRPr lang="en-US"/>
           </a:p>
@@ -1816,7 +1818,7 @@
           <a:p>
             <a:fld id="{CFC62250-08F7-4E2A-BDBE-79328C9CA867}" type="datetimeFigureOut">
               <a:rPr lang="en-US" smtClean="0"/>
-              <a:t>3/13/2020</a:t>
+              <a:t>3/26/2020</a:t>
             </a:fld>
             <a:endParaRPr lang="en-US"/>
           </a:p>
@@ -1957,7 +1959,7 @@
           <a:p>
             <a:fld id="{CFC62250-08F7-4E2A-BDBE-79328C9CA867}" type="datetimeFigureOut">
               <a:rPr lang="en-US" smtClean="0"/>
-              <a:t>3/13/2020</a:t>
+              <a:t>3/26/2020</a:t>
             </a:fld>
             <a:endParaRPr lang="en-US"/>
           </a:p>
@@ -2070,7 +2072,7 @@
           <a:p>
             <a:fld id="{CFC62250-08F7-4E2A-BDBE-79328C9CA867}" type="datetimeFigureOut">
               <a:rPr lang="en-US" smtClean="0"/>
-              <a:t>3/13/2020</a:t>
+              <a:t>3/26/2020</a:t>
             </a:fld>
             <a:endParaRPr lang="en-US"/>
           </a:p>
@@ -2381,7 +2383,7 @@
           <a:p>
             <a:fld id="{CFC62250-08F7-4E2A-BDBE-79328C9CA867}" type="datetimeFigureOut">
               <a:rPr lang="en-US" smtClean="0"/>
-              <a:t>3/13/2020</a:t>
+              <a:t>3/26/2020</a:t>
             </a:fld>
             <a:endParaRPr lang="en-US"/>
           </a:p>
@@ -2669,7 +2671,7 @@
           <a:p>
             <a:fld id="{CFC62250-08F7-4E2A-BDBE-79328C9CA867}" type="datetimeFigureOut">
               <a:rPr lang="en-US" smtClean="0"/>
-              <a:t>3/13/2020</a:t>
+              <a:t>3/26/2020</a:t>
             </a:fld>
             <a:endParaRPr lang="en-US"/>
           </a:p>
@@ -2910,7 +2912,7 @@
           <a:p>
             <a:fld id="{CFC62250-08F7-4E2A-BDBE-79328C9CA867}" type="datetimeFigureOut">
               <a:rPr lang="en-US" smtClean="0"/>
-              <a:t>3/13/2020</a:t>
+              <a:t>3/26/2020</a:t>
             </a:fld>
             <a:endParaRPr lang="en-US"/>
           </a:p>
@@ -3927,12 +3929,1371 @@
           <a:chExt cx="0" cy="0"/>
         </a:xfrm>
       </p:grpSpPr>
+      <p:grpSp>
+        <p:nvGrpSpPr>
+          <p:cNvPr id="6" name="Group 5">
+            <a:extLst>
+              <a:ext uri="{FF2B5EF4-FFF2-40B4-BE49-F238E27FC236}">
+                <a16:creationId xmlns:a16="http://schemas.microsoft.com/office/drawing/2014/main" id="{EBE865B7-62AA-49BB-826F-C4E91AA1A3EC}"/>
+              </a:ext>
+            </a:extLst>
+          </p:cNvPr>
+          <p:cNvGrpSpPr/>
+          <p:nvPr/>
+        </p:nvGrpSpPr>
+        <p:grpSpPr>
+          <a:xfrm>
+            <a:off x="2914648" y="846950"/>
+            <a:ext cx="7710489" cy="5441591"/>
+            <a:chOff x="2914648" y="846950"/>
+            <a:chExt cx="7710489" cy="5441591"/>
+          </a:xfrm>
+        </p:grpSpPr>
+        <p:sp>
+          <p:nvSpPr>
+            <p:cNvPr id="2" name="Oval 1">
+              <a:extLst>
+                <a:ext uri="{FF2B5EF4-FFF2-40B4-BE49-F238E27FC236}">
+                  <a16:creationId xmlns:a16="http://schemas.microsoft.com/office/drawing/2014/main" id="{DD29C3CE-1CD1-4CCF-81EB-E30BEAA766D7}"/>
+                </a:ext>
+              </a:extLst>
+            </p:cNvPr>
+            <p:cNvSpPr/>
+            <p:nvPr/>
+          </p:nvSpPr>
+          <p:spPr>
+            <a:xfrm>
+              <a:off x="2914648" y="846950"/>
+              <a:ext cx="842962" cy="842962"/>
+            </a:xfrm>
+            <a:prstGeom prst="ellipse">
+              <a:avLst/>
+            </a:prstGeom>
+          </p:spPr>
+          <p:style>
+            <a:lnRef idx="2">
+              <a:schemeClr val="accent1"/>
+            </a:lnRef>
+            <a:fillRef idx="1">
+              <a:schemeClr val="lt1"/>
+            </a:fillRef>
+            <a:effectRef idx="0">
+              <a:schemeClr val="accent1"/>
+            </a:effectRef>
+            <a:fontRef idx="minor">
+              <a:schemeClr val="dk1"/>
+            </a:fontRef>
+          </p:style>
+          <p:txBody>
+            <a:bodyPr rtlCol="0" anchor="ctr"/>
+            <a:lstStyle/>
+            <a:p>
+              <a:pPr algn="ctr"/>
+              <a:r>
+                <a:rPr lang="en-US" sz="2800" b="1" dirty="0"/>
+                <a:t>+1</a:t>
+              </a:r>
+            </a:p>
+          </p:txBody>
+        </p:sp>
+        <p:sp>
+          <p:nvSpPr>
+            <p:cNvPr id="3" name="Oval 2">
+              <a:extLst>
+                <a:ext uri="{FF2B5EF4-FFF2-40B4-BE49-F238E27FC236}">
+                  <a16:creationId xmlns:a16="http://schemas.microsoft.com/office/drawing/2014/main" id="{7631E8D2-F3A3-4D87-9411-F47C58913239}"/>
+                </a:ext>
+              </a:extLst>
+            </p:cNvPr>
+            <p:cNvSpPr/>
+            <p:nvPr/>
+          </p:nvSpPr>
+          <p:spPr>
+            <a:xfrm>
+              <a:off x="2932504" y="2098839"/>
+              <a:ext cx="842962" cy="842962"/>
+            </a:xfrm>
+            <a:prstGeom prst="ellipse">
+              <a:avLst/>
+            </a:prstGeom>
+          </p:spPr>
+          <p:style>
+            <a:lnRef idx="2">
+              <a:schemeClr val="accent1"/>
+            </a:lnRef>
+            <a:fillRef idx="1">
+              <a:schemeClr val="lt1"/>
+            </a:fillRef>
+            <a:effectRef idx="0">
+              <a:schemeClr val="accent1"/>
+            </a:effectRef>
+            <a:fontRef idx="minor">
+              <a:schemeClr val="dk1"/>
+            </a:fontRef>
+          </p:style>
+          <p:txBody>
+            <a:bodyPr rtlCol="0" anchor="ctr"/>
+            <a:lstStyle/>
+            <a:p>
+              <a:pPr algn="ctr"/>
+              <a:r>
+                <a:rPr lang="en-US" sz="2800" b="1" i="1" dirty="0"/>
+                <a:t>x</a:t>
+              </a:r>
+              <a:r>
+                <a:rPr lang="en-US" sz="2800" b="1" i="1" baseline="-25000" dirty="0"/>
+                <a:t>1</a:t>
+              </a:r>
+            </a:p>
+          </p:txBody>
+        </p:sp>
+        <p:sp>
+          <p:nvSpPr>
+            <p:cNvPr id="4" name="Oval 3">
+              <a:extLst>
+                <a:ext uri="{FF2B5EF4-FFF2-40B4-BE49-F238E27FC236}">
+                  <a16:creationId xmlns:a16="http://schemas.microsoft.com/office/drawing/2014/main" id="{9260439C-4CA9-4236-8541-27C953AF051C}"/>
+                </a:ext>
+              </a:extLst>
+            </p:cNvPr>
+            <p:cNvSpPr/>
+            <p:nvPr/>
+          </p:nvSpPr>
+          <p:spPr>
+            <a:xfrm>
+              <a:off x="2932504" y="3350728"/>
+              <a:ext cx="842962" cy="842962"/>
+            </a:xfrm>
+            <a:prstGeom prst="ellipse">
+              <a:avLst/>
+            </a:prstGeom>
+          </p:spPr>
+          <p:style>
+            <a:lnRef idx="2">
+              <a:schemeClr val="accent1"/>
+            </a:lnRef>
+            <a:fillRef idx="1">
+              <a:schemeClr val="lt1"/>
+            </a:fillRef>
+            <a:effectRef idx="0">
+              <a:schemeClr val="accent1"/>
+            </a:effectRef>
+            <a:fontRef idx="minor">
+              <a:schemeClr val="dk1"/>
+            </a:fontRef>
+          </p:style>
+          <p:txBody>
+            <a:bodyPr rtlCol="0" anchor="ctr"/>
+            <a:lstStyle/>
+            <a:p>
+              <a:pPr algn="ctr"/>
+              <a:r>
+                <a:rPr lang="en-US" sz="2800" b="1" i="1" dirty="0"/>
+                <a:t>x</a:t>
+              </a:r>
+              <a:r>
+                <a:rPr lang="en-US" sz="2800" b="1" i="1" baseline="-25000" dirty="0"/>
+                <a:t>2</a:t>
+              </a:r>
+            </a:p>
+          </p:txBody>
+        </p:sp>
+        <p:sp>
+          <p:nvSpPr>
+            <p:cNvPr id="5" name="Oval 4">
+              <a:extLst>
+                <a:ext uri="{FF2B5EF4-FFF2-40B4-BE49-F238E27FC236}">
+                  <a16:creationId xmlns:a16="http://schemas.microsoft.com/office/drawing/2014/main" id="{D7D413FE-6DEF-40A0-8E16-946B89B45DAB}"/>
+                </a:ext>
+              </a:extLst>
+            </p:cNvPr>
+            <p:cNvSpPr/>
+            <p:nvPr/>
+          </p:nvSpPr>
+          <p:spPr>
+            <a:xfrm>
+              <a:off x="5303045" y="5445579"/>
+              <a:ext cx="842962" cy="842962"/>
+            </a:xfrm>
+            <a:prstGeom prst="ellipse">
+              <a:avLst/>
+            </a:prstGeom>
+          </p:spPr>
+          <p:style>
+            <a:lnRef idx="2">
+              <a:schemeClr val="accent2"/>
+            </a:lnRef>
+            <a:fillRef idx="1">
+              <a:schemeClr val="lt1"/>
+            </a:fillRef>
+            <a:effectRef idx="0">
+              <a:schemeClr val="accent2"/>
+            </a:effectRef>
+            <a:fontRef idx="minor">
+              <a:schemeClr val="dk1"/>
+            </a:fontRef>
+          </p:style>
+          <p:txBody>
+            <a:bodyPr rtlCol="0" anchor="ctr"/>
+            <a:lstStyle/>
+            <a:p>
+              <a:pPr algn="ctr"/>
+              <a:r>
+                <a:rPr lang="en-US" sz="2800" b="1" i="1" dirty="0">
+                  <a:latin typeface="Times New Roman" panose="02020603050405020304" pitchFamily="18" charset="0"/>
+                  <a:cs typeface="Times New Roman" panose="02020603050405020304" pitchFamily="18" charset="0"/>
+                </a:rPr>
+                <a:t>y</a:t>
+              </a:r>
+              <a:r>
+                <a:rPr lang="en-US" sz="2800" b="1" i="1" baseline="-25000" dirty="0">
+                  <a:latin typeface="Times New Roman" panose="02020603050405020304" pitchFamily="18" charset="0"/>
+                  <a:cs typeface="Times New Roman" panose="02020603050405020304" pitchFamily="18" charset="0"/>
+                </a:rPr>
+                <a:t>1</a:t>
+              </a:r>
+            </a:p>
+          </p:txBody>
+        </p:sp>
+        <p:cxnSp>
+          <p:nvCxnSpPr>
+            <p:cNvPr id="7" name="Straight Arrow Connector 6">
+              <a:extLst>
+                <a:ext uri="{FF2B5EF4-FFF2-40B4-BE49-F238E27FC236}">
+                  <a16:creationId xmlns:a16="http://schemas.microsoft.com/office/drawing/2014/main" id="{8F0125D8-7CC8-4980-AF27-DFCB5A160E4D}"/>
+                </a:ext>
+              </a:extLst>
+            </p:cNvPr>
+            <p:cNvCxnSpPr>
+              <a:cxnSpLocks/>
+              <a:stCxn id="2" idx="6"/>
+              <a:endCxn id="5" idx="2"/>
+            </p:cNvCxnSpPr>
+            <p:nvPr/>
+          </p:nvCxnSpPr>
+          <p:spPr>
+            <a:xfrm>
+              <a:off x="3757610" y="1268431"/>
+              <a:ext cx="1545435" cy="4598629"/>
+            </a:xfrm>
+            <a:prstGeom prst="straightConnector1">
+              <a:avLst/>
+            </a:prstGeom>
+            <a:ln>
+              <a:tailEnd type="triangle"/>
+            </a:ln>
+          </p:spPr>
+          <p:style>
+            <a:lnRef idx="3">
+              <a:schemeClr val="accent2"/>
+            </a:lnRef>
+            <a:fillRef idx="0">
+              <a:schemeClr val="accent2"/>
+            </a:fillRef>
+            <a:effectRef idx="2">
+              <a:schemeClr val="accent2"/>
+            </a:effectRef>
+            <a:fontRef idx="minor">
+              <a:schemeClr val="tx1"/>
+            </a:fontRef>
+          </p:style>
+        </p:cxnSp>
+        <p:cxnSp>
+          <p:nvCxnSpPr>
+            <p:cNvPr id="9" name="Straight Arrow Connector 8">
+              <a:extLst>
+                <a:ext uri="{FF2B5EF4-FFF2-40B4-BE49-F238E27FC236}">
+                  <a16:creationId xmlns:a16="http://schemas.microsoft.com/office/drawing/2014/main" id="{5476A240-8B35-4417-A434-4B5465A8F828}"/>
+                </a:ext>
+              </a:extLst>
+            </p:cNvPr>
+            <p:cNvCxnSpPr>
+              <a:stCxn id="3" idx="6"/>
+              <a:endCxn id="5" idx="2"/>
+            </p:cNvCxnSpPr>
+            <p:nvPr/>
+          </p:nvCxnSpPr>
+          <p:spPr>
+            <a:xfrm>
+              <a:off x="3775466" y="2520320"/>
+              <a:ext cx="1527579" cy="3346740"/>
+            </a:xfrm>
+            <a:prstGeom prst="straightConnector1">
+              <a:avLst/>
+            </a:prstGeom>
+            <a:ln>
+              <a:headEnd type="none" w="med" len="med"/>
+              <a:tailEnd type="arrow" w="med" len="med"/>
+            </a:ln>
+          </p:spPr>
+          <p:style>
+            <a:lnRef idx="3">
+              <a:schemeClr val="accent2"/>
+            </a:lnRef>
+            <a:fillRef idx="0">
+              <a:schemeClr val="accent2"/>
+            </a:fillRef>
+            <a:effectRef idx="2">
+              <a:schemeClr val="accent2"/>
+            </a:effectRef>
+            <a:fontRef idx="minor">
+              <a:schemeClr val="tx1"/>
+            </a:fontRef>
+          </p:style>
+        </p:cxnSp>
+        <p:cxnSp>
+          <p:nvCxnSpPr>
+            <p:cNvPr id="11" name="Straight Arrow Connector 10">
+              <a:extLst>
+                <a:ext uri="{FF2B5EF4-FFF2-40B4-BE49-F238E27FC236}">
+                  <a16:creationId xmlns:a16="http://schemas.microsoft.com/office/drawing/2014/main" id="{2A85BCD5-CB37-408D-9B60-3036C4767682}"/>
+                </a:ext>
+              </a:extLst>
+            </p:cNvPr>
+            <p:cNvCxnSpPr>
+              <a:stCxn id="4" idx="6"/>
+              <a:endCxn id="5" idx="2"/>
+            </p:cNvCxnSpPr>
+            <p:nvPr/>
+          </p:nvCxnSpPr>
+          <p:spPr>
+            <a:xfrm>
+              <a:off x="3775466" y="3772209"/>
+              <a:ext cx="1527579" cy="2094851"/>
+            </a:xfrm>
+            <a:prstGeom prst="straightConnector1">
+              <a:avLst/>
+            </a:prstGeom>
+            <a:ln>
+              <a:tailEnd type="triangle"/>
+            </a:ln>
+          </p:spPr>
+          <p:style>
+            <a:lnRef idx="3">
+              <a:schemeClr val="accent2"/>
+            </a:lnRef>
+            <a:fillRef idx="0">
+              <a:schemeClr val="accent2"/>
+            </a:fillRef>
+            <a:effectRef idx="2">
+              <a:schemeClr val="accent2"/>
+            </a:effectRef>
+            <a:fontRef idx="minor">
+              <a:schemeClr val="tx1"/>
+            </a:fontRef>
+          </p:style>
+        </p:cxnSp>
+        <p:sp>
+          <p:nvSpPr>
+            <p:cNvPr id="14" name="TextBox 13">
+              <a:extLst>
+                <a:ext uri="{FF2B5EF4-FFF2-40B4-BE49-F238E27FC236}">
+                  <a16:creationId xmlns:a16="http://schemas.microsoft.com/office/drawing/2014/main" id="{1E747780-5440-493F-92CC-A8E5056C4FCB}"/>
+                </a:ext>
+              </a:extLst>
+            </p:cNvPr>
+            <p:cNvSpPr txBox="1"/>
+            <p:nvPr/>
+          </p:nvSpPr>
+          <p:spPr>
+            <a:xfrm>
+              <a:off x="3422995" y="1655712"/>
+              <a:ext cx="705403" cy="461665"/>
+            </a:xfrm>
+            <a:prstGeom prst="rect">
+              <a:avLst/>
+            </a:prstGeom>
+            <a:noFill/>
+          </p:spPr>
+          <p:txBody>
+            <a:bodyPr wrap="square" rtlCol="0">
+              <a:spAutoFit/>
+            </a:bodyPr>
+            <a:lstStyle/>
+            <a:p>
+              <a:r>
+                <a:rPr lang="en-US" sz="2400" b="1" i="1" dirty="0">
+                  <a:solidFill>
+                    <a:srgbClr val="ED7D31"/>
+                  </a:solidFill>
+                  <a:latin typeface="Times New Roman" panose="02020603050405020304" pitchFamily="18" charset="0"/>
+                  <a:cs typeface="Times New Roman" panose="02020603050405020304" pitchFamily="18" charset="0"/>
+                </a:rPr>
+                <a:t>w</a:t>
+              </a:r>
+              <a:r>
+                <a:rPr lang="en-US" altLang="zh-CN" sz="2400" b="1" i="1" baseline="-25000" dirty="0">
+                  <a:solidFill>
+                    <a:srgbClr val="ED7D31"/>
+                  </a:solidFill>
+                  <a:latin typeface="Times New Roman" panose="02020603050405020304" pitchFamily="18" charset="0"/>
+                  <a:cs typeface="Times New Roman" panose="02020603050405020304" pitchFamily="18" charset="0"/>
+                </a:rPr>
+                <a:t>1</a:t>
+              </a:r>
+              <a:r>
+                <a:rPr lang="en-US" sz="2400" b="1" i="1" baseline="-25000" dirty="0">
+                  <a:solidFill>
+                    <a:srgbClr val="ED7D31"/>
+                  </a:solidFill>
+                  <a:latin typeface="Times New Roman" panose="02020603050405020304" pitchFamily="18" charset="0"/>
+                  <a:cs typeface="Times New Roman" panose="02020603050405020304" pitchFamily="18" charset="0"/>
+                </a:rPr>
+                <a:t>0</a:t>
+              </a:r>
+              <a:endParaRPr lang="en-US" sz="2400" b="1" i="1" dirty="0">
+                <a:solidFill>
+                  <a:srgbClr val="ED7D31"/>
+                </a:solidFill>
+                <a:latin typeface="Times New Roman" panose="02020603050405020304" pitchFamily="18" charset="0"/>
+                <a:cs typeface="Times New Roman" panose="02020603050405020304" pitchFamily="18" charset="0"/>
+              </a:endParaRPr>
+            </a:p>
+          </p:txBody>
+        </p:sp>
+        <p:sp>
+          <p:nvSpPr>
+            <p:cNvPr id="15" name="TextBox 14">
+              <a:extLst>
+                <a:ext uri="{FF2B5EF4-FFF2-40B4-BE49-F238E27FC236}">
+                  <a16:creationId xmlns:a16="http://schemas.microsoft.com/office/drawing/2014/main" id="{65F6BA41-4253-4E20-AC4E-91D80593E322}"/>
+                </a:ext>
+              </a:extLst>
+            </p:cNvPr>
+            <p:cNvSpPr txBox="1"/>
+            <p:nvPr/>
+          </p:nvSpPr>
+          <p:spPr>
+            <a:xfrm>
+              <a:off x="3581352" y="2968703"/>
+              <a:ext cx="662908" cy="461665"/>
+            </a:xfrm>
+            <a:prstGeom prst="rect">
+              <a:avLst/>
+            </a:prstGeom>
+            <a:noFill/>
+          </p:spPr>
+          <p:txBody>
+            <a:bodyPr wrap="square" rtlCol="0">
+              <a:spAutoFit/>
+            </a:bodyPr>
+            <a:lstStyle/>
+            <a:p>
+              <a:r>
+                <a:rPr lang="en-US" sz="2400" b="1" i="1" dirty="0">
+                  <a:solidFill>
+                    <a:srgbClr val="ED7D31"/>
+                  </a:solidFill>
+                  <a:latin typeface="Times New Roman" panose="02020603050405020304" pitchFamily="18" charset="0"/>
+                  <a:cs typeface="Times New Roman" panose="02020603050405020304" pitchFamily="18" charset="0"/>
+                </a:rPr>
+                <a:t>w</a:t>
+              </a:r>
+              <a:r>
+                <a:rPr lang="en-US" altLang="zh-CN" sz="2400" b="1" i="1" baseline="-25000" dirty="0">
+                  <a:solidFill>
+                    <a:srgbClr val="ED7D31"/>
+                  </a:solidFill>
+                  <a:latin typeface="Times New Roman" panose="02020603050405020304" pitchFamily="18" charset="0"/>
+                  <a:cs typeface="Times New Roman" panose="02020603050405020304" pitchFamily="18" charset="0"/>
+                </a:rPr>
+                <a:t>11</a:t>
+              </a:r>
+              <a:endParaRPr lang="en-US" sz="2400" b="1" i="1" dirty="0">
+                <a:solidFill>
+                  <a:srgbClr val="ED7D31"/>
+                </a:solidFill>
+                <a:latin typeface="Times New Roman" panose="02020603050405020304" pitchFamily="18" charset="0"/>
+                <a:cs typeface="Times New Roman" panose="02020603050405020304" pitchFamily="18" charset="0"/>
+              </a:endParaRPr>
+            </a:p>
+          </p:txBody>
+        </p:sp>
+        <p:sp>
+          <p:nvSpPr>
+            <p:cNvPr id="16" name="TextBox 15">
+              <a:extLst>
+                <a:ext uri="{FF2B5EF4-FFF2-40B4-BE49-F238E27FC236}">
+                  <a16:creationId xmlns:a16="http://schemas.microsoft.com/office/drawing/2014/main" id="{8501C582-95F4-456D-9B6C-3B1FF3D1CA9F}"/>
+                </a:ext>
+              </a:extLst>
+            </p:cNvPr>
+            <p:cNvSpPr txBox="1"/>
+            <p:nvPr/>
+          </p:nvSpPr>
+          <p:spPr>
+            <a:xfrm>
+              <a:off x="3652890" y="4160680"/>
+              <a:ext cx="720659" cy="461665"/>
+            </a:xfrm>
+            <a:prstGeom prst="rect">
+              <a:avLst/>
+            </a:prstGeom>
+            <a:noFill/>
+          </p:spPr>
+          <p:txBody>
+            <a:bodyPr wrap="square" rtlCol="0">
+              <a:spAutoFit/>
+            </a:bodyPr>
+            <a:lstStyle/>
+            <a:p>
+              <a:r>
+                <a:rPr lang="en-US" sz="2400" b="1" i="1" dirty="0">
+                  <a:solidFill>
+                    <a:srgbClr val="ED7D31"/>
+                  </a:solidFill>
+                  <a:latin typeface="Times New Roman" panose="02020603050405020304" pitchFamily="18" charset="0"/>
+                  <a:cs typeface="Times New Roman" panose="02020603050405020304" pitchFamily="18" charset="0"/>
+                </a:rPr>
+                <a:t>w</a:t>
+              </a:r>
+              <a:r>
+                <a:rPr lang="en-US" altLang="zh-CN" sz="2400" b="1" i="1" baseline="-25000" dirty="0">
+                  <a:solidFill>
+                    <a:srgbClr val="ED7D31"/>
+                  </a:solidFill>
+                  <a:latin typeface="Times New Roman" panose="02020603050405020304" pitchFamily="18" charset="0"/>
+                  <a:cs typeface="Times New Roman" panose="02020603050405020304" pitchFamily="18" charset="0"/>
+                </a:rPr>
+                <a:t>12</a:t>
+              </a:r>
+              <a:endParaRPr lang="en-US" sz="2400" b="1" i="1" dirty="0">
+                <a:solidFill>
+                  <a:srgbClr val="ED7D31"/>
+                </a:solidFill>
+                <a:latin typeface="Times New Roman" panose="02020603050405020304" pitchFamily="18" charset="0"/>
+                <a:cs typeface="Times New Roman" panose="02020603050405020304" pitchFamily="18" charset="0"/>
+              </a:endParaRPr>
+            </a:p>
+          </p:txBody>
+        </p:sp>
+        <p:sp>
+          <p:nvSpPr>
+            <p:cNvPr id="21" name="TextBox 20">
+              <a:extLst>
+                <a:ext uri="{FF2B5EF4-FFF2-40B4-BE49-F238E27FC236}">
+                  <a16:creationId xmlns:a16="http://schemas.microsoft.com/office/drawing/2014/main" id="{C87FABEC-ED0B-4EA8-83CB-BB841A840AE1}"/>
+                </a:ext>
+              </a:extLst>
+            </p:cNvPr>
+            <p:cNvSpPr txBox="1"/>
+            <p:nvPr/>
+          </p:nvSpPr>
+          <p:spPr>
+            <a:xfrm>
+              <a:off x="9084468" y="2760244"/>
+              <a:ext cx="1540669" cy="646331"/>
+            </a:xfrm>
+            <a:prstGeom prst="rect">
+              <a:avLst/>
+            </a:prstGeom>
+            <a:noFill/>
+          </p:spPr>
+          <p:txBody>
+            <a:bodyPr wrap="square" rtlCol="0">
+              <a:spAutoFit/>
+            </a:bodyPr>
+            <a:lstStyle/>
+            <a:p>
+              <a:r>
+                <a:rPr lang="en-US" sz="3600" b="1" i="1" dirty="0">
+                  <a:latin typeface="Times New Roman" panose="02020603050405020304" pitchFamily="18" charset="0"/>
+                  <a:cs typeface="Times New Roman" panose="02020603050405020304" pitchFamily="18" charset="0"/>
+                </a:rPr>
+                <a:t>H</a:t>
+              </a:r>
+              <a:r>
+                <a:rPr lang="en-US" sz="3600" b="1" i="1" baseline="-25000" dirty="0">
+                  <a:latin typeface="Times New Roman" panose="02020603050405020304" pitchFamily="18" charset="0"/>
+                  <a:cs typeface="Times New Roman" panose="02020603050405020304" pitchFamily="18" charset="0"/>
+                </a:rPr>
+                <a:t>w</a:t>
+              </a:r>
+              <a:r>
+                <a:rPr lang="en-US" sz="3600" b="1" i="1" dirty="0">
+                  <a:latin typeface="Times New Roman" panose="02020603050405020304" pitchFamily="18" charset="0"/>
+                  <a:cs typeface="Times New Roman" panose="02020603050405020304" pitchFamily="18" charset="0"/>
+                </a:rPr>
+                <a:t>(x)</a:t>
+              </a:r>
+            </a:p>
+          </p:txBody>
+        </p:sp>
+        <p:sp>
+          <p:nvSpPr>
+            <p:cNvPr id="17" name="Oval 16">
+              <a:extLst>
+                <a:ext uri="{FF2B5EF4-FFF2-40B4-BE49-F238E27FC236}">
+                  <a16:creationId xmlns:a16="http://schemas.microsoft.com/office/drawing/2014/main" id="{F7B1BD1A-CCBA-44EC-9CB2-8E509FFC85DA}"/>
+                </a:ext>
+              </a:extLst>
+            </p:cNvPr>
+            <p:cNvSpPr/>
+            <p:nvPr/>
+          </p:nvSpPr>
+          <p:spPr>
+            <a:xfrm>
+              <a:off x="2932504" y="4602617"/>
+              <a:ext cx="842962" cy="842962"/>
+            </a:xfrm>
+            <a:prstGeom prst="ellipse">
+              <a:avLst/>
+            </a:prstGeom>
+          </p:spPr>
+          <p:style>
+            <a:lnRef idx="2">
+              <a:schemeClr val="accent1"/>
+            </a:lnRef>
+            <a:fillRef idx="1">
+              <a:schemeClr val="lt1"/>
+            </a:fillRef>
+            <a:effectRef idx="0">
+              <a:schemeClr val="accent1"/>
+            </a:effectRef>
+            <a:fontRef idx="minor">
+              <a:schemeClr val="dk1"/>
+            </a:fontRef>
+          </p:style>
+          <p:txBody>
+            <a:bodyPr rtlCol="0" anchor="ctr"/>
+            <a:lstStyle/>
+            <a:p>
+              <a:pPr algn="ctr"/>
+              <a:r>
+                <a:rPr lang="en-US" sz="2800" b="1" i="1" dirty="0"/>
+                <a:t>x</a:t>
+              </a:r>
+              <a:r>
+                <a:rPr lang="en-US" altLang="zh-CN" sz="2800" b="1" i="1" baseline="-25000" dirty="0"/>
+                <a:t>3</a:t>
+              </a:r>
+              <a:endParaRPr lang="en-US" sz="2800" b="1" i="1" baseline="-25000" dirty="0"/>
+            </a:p>
+          </p:txBody>
+        </p:sp>
+        <p:cxnSp>
+          <p:nvCxnSpPr>
+            <p:cNvPr id="20" name="Straight Arrow Connector 19">
+              <a:extLst>
+                <a:ext uri="{FF2B5EF4-FFF2-40B4-BE49-F238E27FC236}">
+                  <a16:creationId xmlns:a16="http://schemas.microsoft.com/office/drawing/2014/main" id="{DBD553A7-40E1-47C8-83C9-D9DB045877C4}"/>
+                </a:ext>
+              </a:extLst>
+            </p:cNvPr>
+            <p:cNvCxnSpPr>
+              <a:cxnSpLocks/>
+              <a:stCxn id="17" idx="6"/>
+              <a:endCxn id="5" idx="2"/>
+            </p:cNvCxnSpPr>
+            <p:nvPr/>
+          </p:nvCxnSpPr>
+          <p:spPr>
+            <a:xfrm>
+              <a:off x="3775466" y="5024098"/>
+              <a:ext cx="1527579" cy="842962"/>
+            </a:xfrm>
+            <a:prstGeom prst="straightConnector1">
+              <a:avLst/>
+            </a:prstGeom>
+            <a:ln>
+              <a:tailEnd type="triangle"/>
+            </a:ln>
+          </p:spPr>
+          <p:style>
+            <a:lnRef idx="3">
+              <a:schemeClr val="accent2"/>
+            </a:lnRef>
+            <a:fillRef idx="0">
+              <a:schemeClr val="accent2"/>
+            </a:fillRef>
+            <a:effectRef idx="2">
+              <a:schemeClr val="accent2"/>
+            </a:effectRef>
+            <a:fontRef idx="minor">
+              <a:schemeClr val="tx1"/>
+            </a:fontRef>
+          </p:style>
+        </p:cxnSp>
+        <p:sp>
+          <p:nvSpPr>
+            <p:cNvPr id="22" name="TextBox 21">
+              <a:extLst>
+                <a:ext uri="{FF2B5EF4-FFF2-40B4-BE49-F238E27FC236}">
+                  <a16:creationId xmlns:a16="http://schemas.microsoft.com/office/drawing/2014/main" id="{C62DB3A1-4472-4BE8-86BB-90FDB2FEB163}"/>
+                </a:ext>
+              </a:extLst>
+            </p:cNvPr>
+            <p:cNvSpPr txBox="1"/>
+            <p:nvPr/>
+          </p:nvSpPr>
+          <p:spPr>
+            <a:xfrm>
+              <a:off x="3880186" y="5285572"/>
+              <a:ext cx="759617" cy="461665"/>
+            </a:xfrm>
+            <a:prstGeom prst="rect">
+              <a:avLst/>
+            </a:prstGeom>
+            <a:noFill/>
+          </p:spPr>
+          <p:txBody>
+            <a:bodyPr wrap="square" rtlCol="0">
+              <a:spAutoFit/>
+            </a:bodyPr>
+            <a:lstStyle/>
+            <a:p>
+              <a:r>
+                <a:rPr lang="en-US" sz="2400" b="1" i="1" dirty="0">
+                  <a:solidFill>
+                    <a:srgbClr val="ED7D31"/>
+                  </a:solidFill>
+                  <a:latin typeface="Times New Roman" panose="02020603050405020304" pitchFamily="18" charset="0"/>
+                  <a:cs typeface="Times New Roman" panose="02020603050405020304" pitchFamily="18" charset="0"/>
+                </a:rPr>
+                <a:t>w</a:t>
+              </a:r>
+              <a:r>
+                <a:rPr lang="en-US" altLang="zh-CN" sz="2400" b="1" i="1" baseline="-25000" dirty="0">
+                  <a:solidFill>
+                    <a:srgbClr val="ED7D31"/>
+                  </a:solidFill>
+                  <a:latin typeface="Times New Roman" panose="02020603050405020304" pitchFamily="18" charset="0"/>
+                  <a:cs typeface="Times New Roman" panose="02020603050405020304" pitchFamily="18" charset="0"/>
+                </a:rPr>
+                <a:t>13</a:t>
+              </a:r>
+              <a:endParaRPr lang="en-US" sz="2400" b="1" i="1" dirty="0">
+                <a:solidFill>
+                  <a:srgbClr val="ED7D31"/>
+                </a:solidFill>
+                <a:latin typeface="Times New Roman" panose="02020603050405020304" pitchFamily="18" charset="0"/>
+                <a:cs typeface="Times New Roman" panose="02020603050405020304" pitchFamily="18" charset="0"/>
+              </a:endParaRPr>
+            </a:p>
+          </p:txBody>
+        </p:sp>
+        <p:sp>
+          <p:nvSpPr>
+            <p:cNvPr id="48" name="Oval 47">
+              <a:extLst>
+                <a:ext uri="{FF2B5EF4-FFF2-40B4-BE49-F238E27FC236}">
+                  <a16:creationId xmlns:a16="http://schemas.microsoft.com/office/drawing/2014/main" id="{63AF6202-8001-46D5-AB31-D1F53B9C37B4}"/>
+                </a:ext>
+              </a:extLst>
+            </p:cNvPr>
+            <p:cNvSpPr/>
+            <p:nvPr/>
+          </p:nvSpPr>
+          <p:spPr>
+            <a:xfrm>
+              <a:off x="7398544" y="2707229"/>
+              <a:ext cx="842962" cy="842962"/>
+            </a:xfrm>
+            <a:prstGeom prst="ellipse">
+              <a:avLst/>
+            </a:prstGeom>
+          </p:spPr>
+          <p:style>
+            <a:lnRef idx="2">
+              <a:schemeClr val="accent6"/>
+            </a:lnRef>
+            <a:fillRef idx="1">
+              <a:schemeClr val="lt1"/>
+            </a:fillRef>
+            <a:effectRef idx="0">
+              <a:schemeClr val="accent6"/>
+            </a:effectRef>
+            <a:fontRef idx="minor">
+              <a:schemeClr val="dk1"/>
+            </a:fontRef>
+          </p:style>
+          <p:txBody>
+            <a:bodyPr rtlCol="0" anchor="ctr"/>
+            <a:lstStyle/>
+            <a:p>
+              <a:pPr algn="ctr"/>
+              <a:endParaRPr lang="en-US" dirty="0"/>
+            </a:p>
+          </p:txBody>
+        </p:sp>
+        <p:cxnSp>
+          <p:nvCxnSpPr>
+            <p:cNvPr id="58" name="Straight Arrow Connector 57">
+              <a:extLst>
+                <a:ext uri="{FF2B5EF4-FFF2-40B4-BE49-F238E27FC236}">
+                  <a16:creationId xmlns:a16="http://schemas.microsoft.com/office/drawing/2014/main" id="{60D8D623-33E4-4498-8D7B-10BDE90DF536}"/>
+                </a:ext>
+              </a:extLst>
+            </p:cNvPr>
+            <p:cNvCxnSpPr>
+              <a:stCxn id="2" idx="6"/>
+              <a:endCxn id="48" idx="2"/>
+            </p:cNvCxnSpPr>
+            <p:nvPr/>
+          </p:nvCxnSpPr>
+          <p:spPr>
+            <a:xfrm>
+              <a:off x="3757610" y="1268431"/>
+              <a:ext cx="3640934" cy="1860279"/>
+            </a:xfrm>
+            <a:prstGeom prst="straightConnector1">
+              <a:avLst/>
+            </a:prstGeom>
+            <a:ln>
+              <a:tailEnd type="triangle"/>
+            </a:ln>
+          </p:spPr>
+          <p:style>
+            <a:lnRef idx="3">
+              <a:schemeClr val="accent6"/>
+            </a:lnRef>
+            <a:fillRef idx="0">
+              <a:schemeClr val="accent6"/>
+            </a:fillRef>
+            <a:effectRef idx="2">
+              <a:schemeClr val="accent6"/>
+            </a:effectRef>
+            <a:fontRef idx="minor">
+              <a:schemeClr val="tx1"/>
+            </a:fontRef>
+          </p:style>
+        </p:cxnSp>
+        <p:cxnSp>
+          <p:nvCxnSpPr>
+            <p:cNvPr id="60" name="Straight Arrow Connector 59">
+              <a:extLst>
+                <a:ext uri="{FF2B5EF4-FFF2-40B4-BE49-F238E27FC236}">
+                  <a16:creationId xmlns:a16="http://schemas.microsoft.com/office/drawing/2014/main" id="{6A9EFDB2-1C47-4A9F-AD95-8FAE06F1D86C}"/>
+                </a:ext>
+              </a:extLst>
+            </p:cNvPr>
+            <p:cNvCxnSpPr>
+              <a:stCxn id="3" idx="6"/>
+              <a:endCxn id="48" idx="2"/>
+            </p:cNvCxnSpPr>
+            <p:nvPr/>
+          </p:nvCxnSpPr>
+          <p:spPr>
+            <a:xfrm>
+              <a:off x="3775466" y="2520320"/>
+              <a:ext cx="3623078" cy="608390"/>
+            </a:xfrm>
+            <a:prstGeom prst="straightConnector1">
+              <a:avLst/>
+            </a:prstGeom>
+            <a:ln>
+              <a:tailEnd type="triangle"/>
+            </a:ln>
+          </p:spPr>
+          <p:style>
+            <a:lnRef idx="3">
+              <a:schemeClr val="accent6"/>
+            </a:lnRef>
+            <a:fillRef idx="0">
+              <a:schemeClr val="accent6"/>
+            </a:fillRef>
+            <a:effectRef idx="2">
+              <a:schemeClr val="accent6"/>
+            </a:effectRef>
+            <a:fontRef idx="minor">
+              <a:schemeClr val="tx1"/>
+            </a:fontRef>
+          </p:style>
+        </p:cxnSp>
+        <p:cxnSp>
+          <p:nvCxnSpPr>
+            <p:cNvPr id="62" name="Straight Arrow Connector 61">
+              <a:extLst>
+                <a:ext uri="{FF2B5EF4-FFF2-40B4-BE49-F238E27FC236}">
+                  <a16:creationId xmlns:a16="http://schemas.microsoft.com/office/drawing/2014/main" id="{84DDF4AA-2E44-4EF0-8F92-D5A1F120C982}"/>
+                </a:ext>
+              </a:extLst>
+            </p:cNvPr>
+            <p:cNvCxnSpPr>
+              <a:stCxn id="4" idx="6"/>
+              <a:endCxn id="48" idx="2"/>
+            </p:cNvCxnSpPr>
+            <p:nvPr/>
+          </p:nvCxnSpPr>
+          <p:spPr>
+            <a:xfrm flipV="1">
+              <a:off x="3775466" y="3128710"/>
+              <a:ext cx="3623078" cy="643499"/>
+            </a:xfrm>
+            <a:prstGeom prst="straightConnector1">
+              <a:avLst/>
+            </a:prstGeom>
+            <a:ln>
+              <a:tailEnd type="triangle"/>
+            </a:ln>
+          </p:spPr>
+          <p:style>
+            <a:lnRef idx="3">
+              <a:schemeClr val="accent6"/>
+            </a:lnRef>
+            <a:fillRef idx="0">
+              <a:schemeClr val="accent6"/>
+            </a:fillRef>
+            <a:effectRef idx="2">
+              <a:schemeClr val="accent6"/>
+            </a:effectRef>
+            <a:fontRef idx="minor">
+              <a:schemeClr val="tx1"/>
+            </a:fontRef>
+          </p:style>
+        </p:cxnSp>
+        <p:cxnSp>
+          <p:nvCxnSpPr>
+            <p:cNvPr id="64" name="Straight Arrow Connector 63">
+              <a:extLst>
+                <a:ext uri="{FF2B5EF4-FFF2-40B4-BE49-F238E27FC236}">
+                  <a16:creationId xmlns:a16="http://schemas.microsoft.com/office/drawing/2014/main" id="{192D7FB8-7EF1-42F7-B1E8-3298F2F3F431}"/>
+                </a:ext>
+              </a:extLst>
+            </p:cNvPr>
+            <p:cNvCxnSpPr>
+              <a:stCxn id="17" idx="6"/>
+              <a:endCxn id="48" idx="2"/>
+            </p:cNvCxnSpPr>
+            <p:nvPr/>
+          </p:nvCxnSpPr>
+          <p:spPr>
+            <a:xfrm flipV="1">
+              <a:off x="3775466" y="3128710"/>
+              <a:ext cx="3623078" cy="1895388"/>
+            </a:xfrm>
+            <a:prstGeom prst="straightConnector1">
+              <a:avLst/>
+            </a:prstGeom>
+            <a:ln>
+              <a:tailEnd type="triangle"/>
+            </a:ln>
+          </p:spPr>
+          <p:style>
+            <a:lnRef idx="3">
+              <a:schemeClr val="accent6"/>
+            </a:lnRef>
+            <a:fillRef idx="0">
+              <a:schemeClr val="accent6"/>
+            </a:fillRef>
+            <a:effectRef idx="2">
+              <a:schemeClr val="accent6"/>
+            </a:effectRef>
+            <a:fontRef idx="minor">
+              <a:schemeClr val="tx1"/>
+            </a:fontRef>
+          </p:style>
+        </p:cxnSp>
+        <p:cxnSp>
+          <p:nvCxnSpPr>
+            <p:cNvPr id="66" name="Straight Arrow Connector 65">
+              <a:extLst>
+                <a:ext uri="{FF2B5EF4-FFF2-40B4-BE49-F238E27FC236}">
+                  <a16:creationId xmlns:a16="http://schemas.microsoft.com/office/drawing/2014/main" id="{AD286F5A-55A0-4D86-8D50-20D04F5E634A}"/>
+                </a:ext>
+              </a:extLst>
+            </p:cNvPr>
+            <p:cNvCxnSpPr>
+              <a:stCxn id="5" idx="6"/>
+              <a:endCxn id="48" idx="2"/>
+            </p:cNvCxnSpPr>
+            <p:nvPr/>
+          </p:nvCxnSpPr>
+          <p:spPr>
+            <a:xfrm flipV="1">
+              <a:off x="6146007" y="3128710"/>
+              <a:ext cx="1252537" cy="2738350"/>
+            </a:xfrm>
+            <a:prstGeom prst="straightConnector1">
+              <a:avLst/>
+            </a:prstGeom>
+            <a:ln>
+              <a:tailEnd type="triangle"/>
+            </a:ln>
+          </p:spPr>
+          <p:style>
+            <a:lnRef idx="3">
+              <a:schemeClr val="accent6"/>
+            </a:lnRef>
+            <a:fillRef idx="0">
+              <a:schemeClr val="accent6"/>
+            </a:fillRef>
+            <a:effectRef idx="2">
+              <a:schemeClr val="accent6"/>
+            </a:effectRef>
+            <a:fontRef idx="minor">
+              <a:schemeClr val="tx1"/>
+            </a:fontRef>
+          </p:style>
+        </p:cxnSp>
+        <p:cxnSp>
+          <p:nvCxnSpPr>
+            <p:cNvPr id="70" name="Straight Arrow Connector 69">
+              <a:extLst>
+                <a:ext uri="{FF2B5EF4-FFF2-40B4-BE49-F238E27FC236}">
+                  <a16:creationId xmlns:a16="http://schemas.microsoft.com/office/drawing/2014/main" id="{6B2700CD-2106-46ED-983C-851899FF611C}"/>
+                </a:ext>
+              </a:extLst>
+            </p:cNvPr>
+            <p:cNvCxnSpPr>
+              <a:stCxn id="48" idx="6"/>
+            </p:cNvCxnSpPr>
+            <p:nvPr/>
+          </p:nvCxnSpPr>
+          <p:spPr>
+            <a:xfrm>
+              <a:off x="8241506" y="3128710"/>
+              <a:ext cx="795338" cy="0"/>
+            </a:xfrm>
+            <a:prstGeom prst="straightConnector1">
+              <a:avLst/>
+            </a:prstGeom>
+            <a:ln>
+              <a:tailEnd type="triangle"/>
+            </a:ln>
+          </p:spPr>
+          <p:style>
+            <a:lnRef idx="3">
+              <a:schemeClr val="dk1"/>
+            </a:lnRef>
+            <a:fillRef idx="0">
+              <a:schemeClr val="dk1"/>
+            </a:fillRef>
+            <a:effectRef idx="2">
+              <a:schemeClr val="dk1"/>
+            </a:effectRef>
+            <a:fontRef idx="minor">
+              <a:schemeClr val="tx1"/>
+            </a:fontRef>
+          </p:style>
+        </p:cxnSp>
+        <p:sp>
+          <p:nvSpPr>
+            <p:cNvPr id="71" name="TextBox 70">
+              <a:extLst>
+                <a:ext uri="{FF2B5EF4-FFF2-40B4-BE49-F238E27FC236}">
+                  <a16:creationId xmlns:a16="http://schemas.microsoft.com/office/drawing/2014/main" id="{FF546EFC-BDFE-443C-887B-9DF81087F39D}"/>
+                </a:ext>
+              </a:extLst>
+            </p:cNvPr>
+            <p:cNvSpPr txBox="1"/>
+            <p:nvPr/>
+          </p:nvSpPr>
+          <p:spPr>
+            <a:xfrm>
+              <a:off x="4850072" y="1411064"/>
+              <a:ext cx="705403" cy="461665"/>
+            </a:xfrm>
+            <a:prstGeom prst="rect">
+              <a:avLst/>
+            </a:prstGeom>
+            <a:noFill/>
+          </p:spPr>
+          <p:txBody>
+            <a:bodyPr wrap="square" rtlCol="0">
+              <a:spAutoFit/>
+            </a:bodyPr>
+            <a:lstStyle/>
+            <a:p>
+              <a:r>
+                <a:rPr lang="en-US" sz="2400" b="1" i="1" dirty="0">
+                  <a:solidFill>
+                    <a:srgbClr val="B7D5A2"/>
+                  </a:solidFill>
+                  <a:latin typeface="Times New Roman" panose="02020603050405020304" pitchFamily="18" charset="0"/>
+                  <a:cs typeface="Times New Roman" panose="02020603050405020304" pitchFamily="18" charset="0"/>
+                </a:rPr>
+                <a:t>w</a:t>
+              </a:r>
+              <a:r>
+                <a:rPr lang="en-US" altLang="zh-CN" sz="2400" b="1" i="1" baseline="-25000" dirty="0">
+                  <a:solidFill>
+                    <a:srgbClr val="B7D5A2"/>
+                  </a:solidFill>
+                  <a:latin typeface="Times New Roman" panose="02020603050405020304" pitchFamily="18" charset="0"/>
+                  <a:cs typeface="Times New Roman" panose="02020603050405020304" pitchFamily="18" charset="0"/>
+                </a:rPr>
+                <a:t>20</a:t>
+              </a:r>
+              <a:endParaRPr lang="en-US" sz="2400" b="1" i="1" dirty="0">
+                <a:solidFill>
+                  <a:srgbClr val="B7D5A2"/>
+                </a:solidFill>
+                <a:latin typeface="Times New Roman" panose="02020603050405020304" pitchFamily="18" charset="0"/>
+                <a:cs typeface="Times New Roman" panose="02020603050405020304" pitchFamily="18" charset="0"/>
+              </a:endParaRPr>
+            </a:p>
+          </p:txBody>
+        </p:sp>
+        <p:sp>
+          <p:nvSpPr>
+            <p:cNvPr id="72" name="TextBox 71">
+              <a:extLst>
+                <a:ext uri="{FF2B5EF4-FFF2-40B4-BE49-F238E27FC236}">
+                  <a16:creationId xmlns:a16="http://schemas.microsoft.com/office/drawing/2014/main" id="{181621D0-49D4-473B-8395-7F9D65041583}"/>
+                </a:ext>
+              </a:extLst>
+            </p:cNvPr>
+            <p:cNvSpPr txBox="1"/>
+            <p:nvPr/>
+          </p:nvSpPr>
+          <p:spPr>
+            <a:xfrm>
+              <a:off x="4847351" y="2285395"/>
+              <a:ext cx="662907" cy="461665"/>
+            </a:xfrm>
+            <a:prstGeom prst="rect">
+              <a:avLst/>
+            </a:prstGeom>
+            <a:noFill/>
+          </p:spPr>
+          <p:txBody>
+            <a:bodyPr wrap="square" rtlCol="0">
+              <a:spAutoFit/>
+            </a:bodyPr>
+            <a:lstStyle/>
+            <a:p>
+              <a:r>
+                <a:rPr lang="en-US" sz="2400" b="1" i="1" dirty="0">
+                  <a:solidFill>
+                    <a:srgbClr val="B7D5A2"/>
+                  </a:solidFill>
+                  <a:latin typeface="Times New Roman" panose="02020603050405020304" pitchFamily="18" charset="0"/>
+                  <a:cs typeface="Times New Roman" panose="02020603050405020304" pitchFamily="18" charset="0"/>
+                </a:rPr>
+                <a:t>w</a:t>
+              </a:r>
+              <a:r>
+                <a:rPr lang="en-US" altLang="zh-CN" sz="2400" b="1" i="1" baseline="-25000" dirty="0">
+                  <a:solidFill>
+                    <a:srgbClr val="B7D5A2"/>
+                  </a:solidFill>
+                  <a:latin typeface="Times New Roman" panose="02020603050405020304" pitchFamily="18" charset="0"/>
+                  <a:cs typeface="Times New Roman" panose="02020603050405020304" pitchFamily="18" charset="0"/>
+                </a:rPr>
+                <a:t>21</a:t>
+              </a:r>
+              <a:endParaRPr lang="en-US" sz="2400" b="1" i="1" dirty="0">
+                <a:solidFill>
+                  <a:srgbClr val="B7D5A2"/>
+                </a:solidFill>
+                <a:latin typeface="Times New Roman" panose="02020603050405020304" pitchFamily="18" charset="0"/>
+                <a:cs typeface="Times New Roman" panose="02020603050405020304" pitchFamily="18" charset="0"/>
+              </a:endParaRPr>
+            </a:p>
+          </p:txBody>
+        </p:sp>
+        <p:sp>
+          <p:nvSpPr>
+            <p:cNvPr id="73" name="TextBox 72">
+              <a:extLst>
+                <a:ext uri="{FF2B5EF4-FFF2-40B4-BE49-F238E27FC236}">
+                  <a16:creationId xmlns:a16="http://schemas.microsoft.com/office/drawing/2014/main" id="{F6B63288-FE59-48A8-A7E4-C2BE27F27BB6}"/>
+                </a:ext>
+              </a:extLst>
+            </p:cNvPr>
+            <p:cNvSpPr txBox="1"/>
+            <p:nvPr/>
+          </p:nvSpPr>
+          <p:spPr>
+            <a:xfrm>
+              <a:off x="4851410" y="3032430"/>
+              <a:ext cx="704065" cy="461665"/>
+            </a:xfrm>
+            <a:prstGeom prst="rect">
+              <a:avLst/>
+            </a:prstGeom>
+            <a:noFill/>
+          </p:spPr>
+          <p:txBody>
+            <a:bodyPr wrap="square" rtlCol="0">
+              <a:spAutoFit/>
+            </a:bodyPr>
+            <a:lstStyle/>
+            <a:p>
+              <a:r>
+                <a:rPr lang="en-US" sz="2400" b="1" i="1" dirty="0">
+                  <a:solidFill>
+                    <a:srgbClr val="B7D5A2"/>
+                  </a:solidFill>
+                  <a:latin typeface="Times New Roman" panose="02020603050405020304" pitchFamily="18" charset="0"/>
+                  <a:cs typeface="Times New Roman" panose="02020603050405020304" pitchFamily="18" charset="0"/>
+                </a:rPr>
+                <a:t>w</a:t>
+              </a:r>
+              <a:r>
+                <a:rPr lang="en-US" altLang="zh-CN" sz="2400" b="1" i="1" baseline="-25000" dirty="0">
+                  <a:solidFill>
+                    <a:srgbClr val="B7D5A2"/>
+                  </a:solidFill>
+                  <a:latin typeface="Times New Roman" panose="02020603050405020304" pitchFamily="18" charset="0"/>
+                  <a:cs typeface="Times New Roman" panose="02020603050405020304" pitchFamily="18" charset="0"/>
+                </a:rPr>
+                <a:t>22</a:t>
+              </a:r>
+              <a:endParaRPr lang="en-US" sz="2400" b="1" i="1" dirty="0">
+                <a:solidFill>
+                  <a:srgbClr val="B7D5A2"/>
+                </a:solidFill>
+                <a:latin typeface="Times New Roman" panose="02020603050405020304" pitchFamily="18" charset="0"/>
+                <a:cs typeface="Times New Roman" panose="02020603050405020304" pitchFamily="18" charset="0"/>
+              </a:endParaRPr>
+            </a:p>
+          </p:txBody>
+        </p:sp>
+        <p:sp>
+          <p:nvSpPr>
+            <p:cNvPr id="74" name="TextBox 73">
+              <a:extLst>
+                <a:ext uri="{FF2B5EF4-FFF2-40B4-BE49-F238E27FC236}">
+                  <a16:creationId xmlns:a16="http://schemas.microsoft.com/office/drawing/2014/main" id="{C91BED6D-35C5-4FD6-AF21-85E81BE4439C}"/>
+                </a:ext>
+              </a:extLst>
+            </p:cNvPr>
+            <p:cNvSpPr txBox="1"/>
+            <p:nvPr/>
+          </p:nvSpPr>
+          <p:spPr>
+            <a:xfrm>
+              <a:off x="4850073" y="3786007"/>
+              <a:ext cx="629230" cy="461665"/>
+            </a:xfrm>
+            <a:prstGeom prst="rect">
+              <a:avLst/>
+            </a:prstGeom>
+            <a:noFill/>
+          </p:spPr>
+          <p:txBody>
+            <a:bodyPr wrap="square" rtlCol="0">
+              <a:spAutoFit/>
+            </a:bodyPr>
+            <a:lstStyle/>
+            <a:p>
+              <a:r>
+                <a:rPr lang="en-US" sz="2400" b="1" i="1" dirty="0">
+                  <a:solidFill>
+                    <a:srgbClr val="B7D5A2"/>
+                  </a:solidFill>
+                  <a:latin typeface="Times New Roman" panose="02020603050405020304" pitchFamily="18" charset="0"/>
+                  <a:cs typeface="Times New Roman" panose="02020603050405020304" pitchFamily="18" charset="0"/>
+                </a:rPr>
+                <a:t>w</a:t>
+              </a:r>
+              <a:r>
+                <a:rPr lang="en-US" altLang="zh-CN" sz="2400" b="1" i="1" baseline="-25000" dirty="0">
+                  <a:solidFill>
+                    <a:srgbClr val="B7D5A2"/>
+                  </a:solidFill>
+                  <a:latin typeface="Times New Roman" panose="02020603050405020304" pitchFamily="18" charset="0"/>
+                  <a:cs typeface="Times New Roman" panose="02020603050405020304" pitchFamily="18" charset="0"/>
+                </a:rPr>
+                <a:t>23</a:t>
+              </a:r>
+              <a:endParaRPr lang="en-US" sz="2400" b="1" i="1" dirty="0">
+                <a:solidFill>
+                  <a:srgbClr val="B7D5A2"/>
+                </a:solidFill>
+                <a:latin typeface="Times New Roman" panose="02020603050405020304" pitchFamily="18" charset="0"/>
+                <a:cs typeface="Times New Roman" panose="02020603050405020304" pitchFamily="18" charset="0"/>
+              </a:endParaRPr>
+            </a:p>
+          </p:txBody>
+        </p:sp>
+        <p:sp>
+          <p:nvSpPr>
+            <p:cNvPr id="75" name="TextBox 74">
+              <a:extLst>
+                <a:ext uri="{FF2B5EF4-FFF2-40B4-BE49-F238E27FC236}">
+                  <a16:creationId xmlns:a16="http://schemas.microsoft.com/office/drawing/2014/main" id="{2CC8DF1A-0AE6-4D61-8E73-D3A5431E215F}"/>
+                </a:ext>
+              </a:extLst>
+            </p:cNvPr>
+            <p:cNvSpPr txBox="1"/>
+            <p:nvPr/>
+          </p:nvSpPr>
+          <p:spPr>
+            <a:xfrm>
+              <a:off x="6045995" y="4391512"/>
+              <a:ext cx="842962" cy="461665"/>
+            </a:xfrm>
+            <a:prstGeom prst="rect">
+              <a:avLst/>
+            </a:prstGeom>
+            <a:noFill/>
+          </p:spPr>
+          <p:txBody>
+            <a:bodyPr wrap="square" rtlCol="0">
+              <a:spAutoFit/>
+            </a:bodyPr>
+            <a:lstStyle/>
+            <a:p>
+              <a:r>
+                <a:rPr lang="en-US" sz="2400" b="1" i="1" dirty="0">
+                  <a:solidFill>
+                    <a:srgbClr val="B7D5A2"/>
+                  </a:solidFill>
+                  <a:latin typeface="Times New Roman" panose="02020603050405020304" pitchFamily="18" charset="0"/>
+                  <a:cs typeface="Times New Roman" panose="02020603050405020304" pitchFamily="18" charset="0"/>
+                </a:rPr>
+                <a:t>w</a:t>
+              </a:r>
+              <a:r>
+                <a:rPr lang="en-US" altLang="zh-CN" sz="2400" b="1" i="1" baseline="-25000" dirty="0">
+                  <a:solidFill>
+                    <a:srgbClr val="B7D5A2"/>
+                  </a:solidFill>
+                  <a:latin typeface="Times New Roman" panose="02020603050405020304" pitchFamily="18" charset="0"/>
+                  <a:cs typeface="Times New Roman" panose="02020603050405020304" pitchFamily="18" charset="0"/>
+                </a:rPr>
+                <a:t>24</a:t>
+              </a:r>
+              <a:endParaRPr lang="en-US" sz="2400" b="1" i="1" dirty="0">
+                <a:solidFill>
+                  <a:srgbClr val="B7D5A2"/>
+                </a:solidFill>
+                <a:latin typeface="Times New Roman" panose="02020603050405020304" pitchFamily="18" charset="0"/>
+                <a:cs typeface="Times New Roman" panose="02020603050405020304" pitchFamily="18" charset="0"/>
+              </a:endParaRPr>
+            </a:p>
+          </p:txBody>
+        </p:sp>
+      </p:grpSp>
+    </p:spTree>
+    <p:extLst>
+      <p:ext uri="{BB962C8B-B14F-4D97-AF65-F5344CB8AC3E}">
+        <p14:creationId xmlns:p14="http://schemas.microsoft.com/office/powerpoint/2010/main" val="1337918567"/>
+      </p:ext>
+    </p:extLst>
+  </p:cSld>
+  <p:clrMapOvr>
+    <a:masterClrMapping/>
+  </p:clrMapOvr>
+</p:sld>
+</file>
+
+<file path=ppt/slides/slide3.xml><?xml version="1.0" encoding="utf-8"?>
+<p:sld xmlns:a="http://schemas.openxmlformats.org/drawingml/2006/main" xmlns:r="http://schemas.openxmlformats.org/officeDocument/2006/relationships" xmlns:p="http://schemas.openxmlformats.org/presentationml/2006/main">
+  <p:cSld>
+    <p:spTree>
+      <p:nvGrpSpPr>
+        <p:cNvPr id="1" name=""/>
+        <p:cNvGrpSpPr/>
+        <p:nvPr/>
+      </p:nvGrpSpPr>
+      <p:grpSpPr>
+        <a:xfrm>
+          <a:off x="0" y="0"/>
+          <a:ext cx="0" cy="0"/>
+          <a:chOff x="0" y="0"/>
+          <a:chExt cx="0" cy="0"/>
+        </a:xfrm>
+      </p:grpSpPr>
       <p:sp>
         <p:nvSpPr>
-          <p:cNvPr id="2" name="Oval 1">
-            <a:extLst>
-              <a:ext uri="{FF2B5EF4-FFF2-40B4-BE49-F238E27FC236}">
-                <a16:creationId xmlns:a16="http://schemas.microsoft.com/office/drawing/2014/main" id="{DD29C3CE-1CD1-4CCF-81EB-E30BEAA766D7}"/>
+          <p:cNvPr id="70" name="Rectangle 69">
+            <a:extLst>
+              <a:ext uri="{FF2B5EF4-FFF2-40B4-BE49-F238E27FC236}">
+                <a16:creationId xmlns:a16="http://schemas.microsoft.com/office/drawing/2014/main" id="{FB169262-F8D7-461E-A89F-F9694329EBE0}"/>
               </a:ext>
             </a:extLst>
           </p:cNvPr>
@@ -3941,7 +5302,51 @@
         </p:nvSpPr>
         <p:spPr>
           <a:xfrm>
-            <a:off x="2914648" y="1261291"/>
+            <a:off x="2357437" y="271463"/>
+            <a:ext cx="7215187" cy="5014912"/>
+          </a:xfrm>
+          <a:prstGeom prst="rect">
+            <a:avLst/>
+          </a:prstGeom>
+        </p:spPr>
+        <p:style>
+          <a:lnRef idx="2">
+            <a:schemeClr val="dk1"/>
+          </a:lnRef>
+          <a:fillRef idx="1">
+            <a:schemeClr val="lt1"/>
+          </a:fillRef>
+          <a:effectRef idx="0">
+            <a:schemeClr val="dk1"/>
+          </a:effectRef>
+          <a:fontRef idx="minor">
+            <a:schemeClr val="dk1"/>
+          </a:fontRef>
+        </p:style>
+        <p:txBody>
+          <a:bodyPr rtlCol="0" anchor="ctr"/>
+          <a:lstStyle/>
+          <a:p>
+            <a:pPr algn="ctr"/>
+            <a:endParaRPr lang="en-US"/>
+          </a:p>
+        </p:txBody>
+      </p:sp>
+      <p:sp>
+        <p:nvSpPr>
+          <p:cNvPr id="2" name="Oval 1">
+            <a:extLst>
+              <a:ext uri="{FF2B5EF4-FFF2-40B4-BE49-F238E27FC236}">
+                <a16:creationId xmlns:a16="http://schemas.microsoft.com/office/drawing/2014/main" id="{17C9EBF2-803E-43B2-9F3A-8AB05DDF0A8B}"/>
+              </a:ext>
+            </a:extLst>
+          </p:cNvPr>
+          <p:cNvSpPr/>
+          <p:nvPr/>
+        </p:nvSpPr>
+        <p:spPr>
+          <a:xfrm>
+            <a:off x="2914650" y="1150144"/>
             <a:ext cx="842962" cy="842962"/>
           </a:xfrm>
           <a:prstGeom prst="ellipse">
@@ -3950,13 +5355,13 @@
         </p:spPr>
         <p:style>
           <a:lnRef idx="2">
-            <a:schemeClr val="accent1"/>
+            <a:schemeClr val="dk1"/>
           </a:lnRef>
           <a:fillRef idx="1">
             <a:schemeClr val="lt1"/>
           </a:fillRef>
           <a:effectRef idx="0">
-            <a:schemeClr val="accent1"/>
+            <a:schemeClr val="dk1"/>
           </a:effectRef>
           <a:fontRef idx="minor">
             <a:schemeClr val="dk1"/>
@@ -3968,8 +5373,8 @@
           <a:p>
             <a:pPr algn="ctr"/>
             <a:r>
-              <a:rPr lang="en-US" sz="2800" b="1" dirty="0"/>
-              <a:t>+1</a:t>
+              <a:rPr lang="en-US" b="1" dirty="0"/>
+              <a:t>5</a:t>
             </a:r>
           </a:p>
         </p:txBody>
@@ -3979,7 +5384,7 @@
           <p:cNvPr id="3" name="Oval 2">
             <a:extLst>
               <a:ext uri="{FF2B5EF4-FFF2-40B4-BE49-F238E27FC236}">
-                <a16:creationId xmlns:a16="http://schemas.microsoft.com/office/drawing/2014/main" id="{7631E8D2-F3A3-4D87-9411-F47C58913239}"/>
+                <a16:creationId xmlns:a16="http://schemas.microsoft.com/office/drawing/2014/main" id="{0AA4EF2B-7269-403D-9F0F-D9581CEA494A}"/>
               </a:ext>
             </a:extLst>
           </p:cNvPr>
@@ -3988,7 +5393,7 @@
         </p:nvSpPr>
         <p:spPr>
           <a:xfrm>
-            <a:off x="2932504" y="2513180"/>
+            <a:off x="2914650" y="3331369"/>
             <a:ext cx="842962" cy="842962"/>
           </a:xfrm>
           <a:prstGeom prst="ellipse">
@@ -3997,13 +5402,13 @@
         </p:spPr>
         <p:style>
           <a:lnRef idx="2">
-            <a:schemeClr val="accent1"/>
+            <a:schemeClr val="dk1"/>
           </a:lnRef>
           <a:fillRef idx="1">
             <a:schemeClr val="lt1"/>
           </a:fillRef>
           <a:effectRef idx="0">
-            <a:schemeClr val="accent1"/>
+            <a:schemeClr val="dk1"/>
           </a:effectRef>
           <a:fontRef idx="minor">
             <a:schemeClr val="dk1"/>
@@ -4015,704 +5420,31 @@
           <a:p>
             <a:pPr algn="ctr"/>
             <a:r>
-              <a:rPr lang="en-US" sz="2800" b="1" i="1" dirty="0"/>
-              <a:t>x</a:t>
-            </a:r>
-            <a:r>
-              <a:rPr lang="en-US" sz="2800" b="1" i="1" baseline="-25000" dirty="0"/>
-              <a:t>1</a:t>
-            </a:r>
-          </a:p>
-        </p:txBody>
-      </p:sp>
-      <p:sp>
-        <p:nvSpPr>
-          <p:cNvPr id="4" name="Oval 3">
-            <a:extLst>
-              <a:ext uri="{FF2B5EF4-FFF2-40B4-BE49-F238E27FC236}">
-                <a16:creationId xmlns:a16="http://schemas.microsoft.com/office/drawing/2014/main" id="{9260439C-4CA9-4236-8541-27C953AF051C}"/>
-              </a:ext>
-            </a:extLst>
-          </p:cNvPr>
-          <p:cNvSpPr/>
-          <p:nvPr/>
-        </p:nvSpPr>
-        <p:spPr>
-          <a:xfrm>
-            <a:off x="2932504" y="3765069"/>
-            <a:ext cx="842962" cy="842962"/>
-          </a:xfrm>
-          <a:prstGeom prst="ellipse">
-            <a:avLst/>
-          </a:prstGeom>
-        </p:spPr>
-        <p:style>
-          <a:lnRef idx="2">
-            <a:schemeClr val="accent1"/>
-          </a:lnRef>
-          <a:fillRef idx="1">
-            <a:schemeClr val="lt1"/>
-          </a:fillRef>
-          <a:effectRef idx="0">
-            <a:schemeClr val="accent1"/>
-          </a:effectRef>
-          <a:fontRef idx="minor">
-            <a:schemeClr val="dk1"/>
-          </a:fontRef>
-        </p:style>
-        <p:txBody>
-          <a:bodyPr rtlCol="0" anchor="ctr"/>
-          <a:lstStyle/>
-          <a:p>
-            <a:pPr algn="ctr"/>
-            <a:r>
-              <a:rPr lang="en-US" sz="2800" b="1" i="1" dirty="0"/>
-              <a:t>x</a:t>
-            </a:r>
-            <a:r>
-              <a:rPr lang="en-US" sz="2800" b="1" i="1" baseline="-25000" dirty="0"/>
-              <a:t>2</a:t>
-            </a:r>
-          </a:p>
-        </p:txBody>
-      </p:sp>
-      <p:sp>
-        <p:nvSpPr>
-          <p:cNvPr id="5" name="Oval 4">
-            <a:extLst>
-              <a:ext uri="{FF2B5EF4-FFF2-40B4-BE49-F238E27FC236}">
-                <a16:creationId xmlns:a16="http://schemas.microsoft.com/office/drawing/2014/main" id="{D7D413FE-6DEF-40A0-8E16-946B89B45DAB}"/>
-              </a:ext>
-            </a:extLst>
-          </p:cNvPr>
-          <p:cNvSpPr/>
-          <p:nvPr/>
-        </p:nvSpPr>
-        <p:spPr>
-          <a:xfrm>
-            <a:off x="5303045" y="5859920"/>
-            <a:ext cx="842962" cy="842962"/>
-          </a:xfrm>
-          <a:prstGeom prst="ellipse">
-            <a:avLst/>
-          </a:prstGeom>
-        </p:spPr>
-        <p:style>
-          <a:lnRef idx="2">
-            <a:schemeClr val="accent2"/>
-          </a:lnRef>
-          <a:fillRef idx="1">
-            <a:schemeClr val="lt1"/>
-          </a:fillRef>
-          <a:effectRef idx="0">
-            <a:schemeClr val="accent2"/>
-          </a:effectRef>
-          <a:fontRef idx="minor">
-            <a:schemeClr val="dk1"/>
-          </a:fontRef>
-        </p:style>
-        <p:txBody>
-          <a:bodyPr rtlCol="0" anchor="ctr"/>
-          <a:lstStyle/>
-          <a:p>
-            <a:pPr algn="ctr"/>
-            <a:r>
-              <a:rPr lang="en-US" sz="2800" b="1" i="1" dirty="0">
-                <a:latin typeface="Times New Roman" panose="02020603050405020304" pitchFamily="18" charset="0"/>
-                <a:cs typeface="Times New Roman" panose="02020603050405020304" pitchFamily="18" charset="0"/>
-              </a:rPr>
-              <a:t>y</a:t>
-            </a:r>
-            <a:r>
-              <a:rPr lang="en-US" sz="2800" b="1" i="1" baseline="-25000" dirty="0">
-                <a:latin typeface="Times New Roman" panose="02020603050405020304" pitchFamily="18" charset="0"/>
-                <a:cs typeface="Times New Roman" panose="02020603050405020304" pitchFamily="18" charset="0"/>
-              </a:rPr>
-              <a:t>1</a:t>
+              <a:rPr lang="en-US" b="1" dirty="0"/>
+              <a:t>4</a:t>
             </a:r>
           </a:p>
         </p:txBody>
       </p:sp>
       <p:cxnSp>
         <p:nvCxnSpPr>
-          <p:cNvPr id="7" name="Straight Arrow Connector 6">
-            <a:extLst>
-              <a:ext uri="{FF2B5EF4-FFF2-40B4-BE49-F238E27FC236}">
-                <a16:creationId xmlns:a16="http://schemas.microsoft.com/office/drawing/2014/main" id="{8F0125D8-7CC8-4980-AF27-DFCB5A160E4D}"/>
+          <p:cNvPr id="8" name="Straight Arrow Connector 7">
+            <a:extLst>
+              <a:ext uri="{FF2B5EF4-FFF2-40B4-BE49-F238E27FC236}">
+                <a16:creationId xmlns:a16="http://schemas.microsoft.com/office/drawing/2014/main" id="{702C7E18-2FCE-44F7-9992-EE84D8CADFAE}"/>
               </a:ext>
             </a:extLst>
           </p:cNvPr>
           <p:cNvCxnSpPr>
-            <a:cxnSpLocks/>
             <a:stCxn id="2" idx="6"/>
-            <a:endCxn id="5" idx="2"/>
+            <a:endCxn id="4" idx="2"/>
           </p:cNvCxnSpPr>
           <p:nvPr/>
         </p:nvCxnSpPr>
         <p:spPr>
           <a:xfrm>
-            <a:off x="3757610" y="1682772"/>
-            <a:ext cx="1545435" cy="4598629"/>
-          </a:xfrm>
-          <a:prstGeom prst="straightConnector1">
-            <a:avLst/>
-          </a:prstGeom>
-          <a:ln>
-            <a:tailEnd type="triangle"/>
-          </a:ln>
-        </p:spPr>
-        <p:style>
-          <a:lnRef idx="3">
-            <a:schemeClr val="accent2"/>
-          </a:lnRef>
-          <a:fillRef idx="0">
-            <a:schemeClr val="accent2"/>
-          </a:fillRef>
-          <a:effectRef idx="2">
-            <a:schemeClr val="accent2"/>
-          </a:effectRef>
-          <a:fontRef idx="minor">
-            <a:schemeClr val="tx1"/>
-          </a:fontRef>
-        </p:style>
-      </p:cxnSp>
-      <p:cxnSp>
-        <p:nvCxnSpPr>
-          <p:cNvPr id="9" name="Straight Arrow Connector 8">
-            <a:extLst>
-              <a:ext uri="{FF2B5EF4-FFF2-40B4-BE49-F238E27FC236}">
-                <a16:creationId xmlns:a16="http://schemas.microsoft.com/office/drawing/2014/main" id="{5476A240-8B35-4417-A434-4B5465A8F828}"/>
-              </a:ext>
-            </a:extLst>
-          </p:cNvPr>
-          <p:cNvCxnSpPr>
-            <a:stCxn id="3" idx="6"/>
-            <a:endCxn id="5" idx="2"/>
-          </p:cNvCxnSpPr>
-          <p:nvPr/>
-        </p:nvCxnSpPr>
-        <p:spPr>
-          <a:xfrm>
-            <a:off x="3775466" y="2934661"/>
-            <a:ext cx="1527579" cy="3346740"/>
-          </a:xfrm>
-          <a:prstGeom prst="straightConnector1">
-            <a:avLst/>
-          </a:prstGeom>
-          <a:ln>
-            <a:headEnd type="none" w="med" len="med"/>
-            <a:tailEnd type="arrow" w="med" len="med"/>
-          </a:ln>
-        </p:spPr>
-        <p:style>
-          <a:lnRef idx="3">
-            <a:schemeClr val="accent2"/>
-          </a:lnRef>
-          <a:fillRef idx="0">
-            <a:schemeClr val="accent2"/>
-          </a:fillRef>
-          <a:effectRef idx="2">
-            <a:schemeClr val="accent2"/>
-          </a:effectRef>
-          <a:fontRef idx="minor">
-            <a:schemeClr val="tx1"/>
-          </a:fontRef>
-        </p:style>
-      </p:cxnSp>
-      <p:cxnSp>
-        <p:nvCxnSpPr>
-          <p:cNvPr id="11" name="Straight Arrow Connector 10">
-            <a:extLst>
-              <a:ext uri="{FF2B5EF4-FFF2-40B4-BE49-F238E27FC236}">
-                <a16:creationId xmlns:a16="http://schemas.microsoft.com/office/drawing/2014/main" id="{2A85BCD5-CB37-408D-9B60-3036C4767682}"/>
-              </a:ext>
-            </a:extLst>
-          </p:cNvPr>
-          <p:cNvCxnSpPr>
-            <a:stCxn id="4" idx="6"/>
-            <a:endCxn id="5" idx="2"/>
-          </p:cNvCxnSpPr>
-          <p:nvPr/>
-        </p:nvCxnSpPr>
-        <p:spPr>
-          <a:xfrm>
-            <a:off x="3775466" y="4186550"/>
-            <a:ext cx="1527579" cy="2094851"/>
-          </a:xfrm>
-          <a:prstGeom prst="straightConnector1">
-            <a:avLst/>
-          </a:prstGeom>
-          <a:ln>
-            <a:tailEnd type="triangle"/>
-          </a:ln>
-        </p:spPr>
-        <p:style>
-          <a:lnRef idx="3">
-            <a:schemeClr val="accent2"/>
-          </a:lnRef>
-          <a:fillRef idx="0">
-            <a:schemeClr val="accent2"/>
-          </a:fillRef>
-          <a:effectRef idx="2">
-            <a:schemeClr val="accent2"/>
-          </a:effectRef>
-          <a:fontRef idx="minor">
-            <a:schemeClr val="tx1"/>
-          </a:fontRef>
-        </p:style>
-      </p:cxnSp>
-      <p:sp>
-        <p:nvSpPr>
-          <p:cNvPr id="14" name="TextBox 13">
-            <a:extLst>
-              <a:ext uri="{FF2B5EF4-FFF2-40B4-BE49-F238E27FC236}">
-                <a16:creationId xmlns:a16="http://schemas.microsoft.com/office/drawing/2014/main" id="{1E747780-5440-493F-92CC-A8E5056C4FCB}"/>
-              </a:ext>
-            </a:extLst>
-          </p:cNvPr>
-          <p:cNvSpPr txBox="1"/>
-          <p:nvPr/>
-        </p:nvSpPr>
-        <p:spPr>
-          <a:xfrm>
-            <a:off x="3422995" y="2070053"/>
-            <a:ext cx="705403" cy="461665"/>
-          </a:xfrm>
-          <a:prstGeom prst="rect">
-            <a:avLst/>
-          </a:prstGeom>
-          <a:noFill/>
-        </p:spPr>
-        <p:txBody>
-          <a:bodyPr wrap="square" rtlCol="0">
-            <a:spAutoFit/>
-          </a:bodyPr>
-          <a:lstStyle/>
-          <a:p>
-            <a:r>
-              <a:rPr lang="en-US" sz="2400" b="1" i="1" dirty="0">
-                <a:solidFill>
-                  <a:srgbClr val="ED7D31"/>
-                </a:solidFill>
-                <a:latin typeface="Times New Roman" panose="02020603050405020304" pitchFamily="18" charset="0"/>
-                <a:cs typeface="Times New Roman" panose="02020603050405020304" pitchFamily="18" charset="0"/>
-              </a:rPr>
-              <a:t>w</a:t>
-            </a:r>
-            <a:r>
-              <a:rPr lang="en-US" altLang="zh-CN" sz="2400" b="1" i="1" baseline="-25000" dirty="0">
-                <a:solidFill>
-                  <a:srgbClr val="ED7D31"/>
-                </a:solidFill>
-                <a:latin typeface="Times New Roman" panose="02020603050405020304" pitchFamily="18" charset="0"/>
-                <a:cs typeface="Times New Roman" panose="02020603050405020304" pitchFamily="18" charset="0"/>
-              </a:rPr>
-              <a:t>1</a:t>
-            </a:r>
-            <a:r>
-              <a:rPr lang="en-US" sz="2400" b="1" i="1" baseline="-25000" dirty="0">
-                <a:solidFill>
-                  <a:srgbClr val="ED7D31"/>
-                </a:solidFill>
-                <a:latin typeface="Times New Roman" panose="02020603050405020304" pitchFamily="18" charset="0"/>
-                <a:cs typeface="Times New Roman" panose="02020603050405020304" pitchFamily="18" charset="0"/>
-              </a:rPr>
-              <a:t>0</a:t>
-            </a:r>
-            <a:endParaRPr lang="en-US" sz="2400" b="1" i="1" dirty="0">
-              <a:solidFill>
-                <a:srgbClr val="ED7D31"/>
-              </a:solidFill>
-              <a:latin typeface="Times New Roman" panose="02020603050405020304" pitchFamily="18" charset="0"/>
-              <a:cs typeface="Times New Roman" panose="02020603050405020304" pitchFamily="18" charset="0"/>
-            </a:endParaRPr>
-          </a:p>
-        </p:txBody>
-      </p:sp>
-      <p:sp>
-        <p:nvSpPr>
-          <p:cNvPr id="15" name="TextBox 14">
-            <a:extLst>
-              <a:ext uri="{FF2B5EF4-FFF2-40B4-BE49-F238E27FC236}">
-                <a16:creationId xmlns:a16="http://schemas.microsoft.com/office/drawing/2014/main" id="{65F6BA41-4253-4E20-AC4E-91D80593E322}"/>
-              </a:ext>
-            </a:extLst>
-          </p:cNvPr>
-          <p:cNvSpPr txBox="1"/>
-          <p:nvPr/>
-        </p:nvSpPr>
-        <p:spPr>
-          <a:xfrm>
-            <a:off x="3581352" y="3383044"/>
-            <a:ext cx="662908" cy="461665"/>
-          </a:xfrm>
-          <a:prstGeom prst="rect">
-            <a:avLst/>
-          </a:prstGeom>
-          <a:noFill/>
-        </p:spPr>
-        <p:txBody>
-          <a:bodyPr wrap="square" rtlCol="0">
-            <a:spAutoFit/>
-          </a:bodyPr>
-          <a:lstStyle/>
-          <a:p>
-            <a:r>
-              <a:rPr lang="en-US" sz="2400" b="1" i="1" dirty="0">
-                <a:solidFill>
-                  <a:srgbClr val="ED7D31"/>
-                </a:solidFill>
-                <a:latin typeface="Times New Roman" panose="02020603050405020304" pitchFamily="18" charset="0"/>
-                <a:cs typeface="Times New Roman" panose="02020603050405020304" pitchFamily="18" charset="0"/>
-              </a:rPr>
-              <a:t>w</a:t>
-            </a:r>
-            <a:r>
-              <a:rPr lang="en-US" altLang="zh-CN" sz="2400" b="1" i="1" baseline="-25000" dirty="0">
-                <a:solidFill>
-                  <a:srgbClr val="ED7D31"/>
-                </a:solidFill>
-                <a:latin typeface="Times New Roman" panose="02020603050405020304" pitchFamily="18" charset="0"/>
-                <a:cs typeface="Times New Roman" panose="02020603050405020304" pitchFamily="18" charset="0"/>
-              </a:rPr>
-              <a:t>11</a:t>
-            </a:r>
-            <a:endParaRPr lang="en-US" sz="2400" b="1" i="1" dirty="0">
-              <a:solidFill>
-                <a:srgbClr val="ED7D31"/>
-              </a:solidFill>
-              <a:latin typeface="Times New Roman" panose="02020603050405020304" pitchFamily="18" charset="0"/>
-              <a:cs typeface="Times New Roman" panose="02020603050405020304" pitchFamily="18" charset="0"/>
-            </a:endParaRPr>
-          </a:p>
-        </p:txBody>
-      </p:sp>
-      <p:sp>
-        <p:nvSpPr>
-          <p:cNvPr id="16" name="TextBox 15">
-            <a:extLst>
-              <a:ext uri="{FF2B5EF4-FFF2-40B4-BE49-F238E27FC236}">
-                <a16:creationId xmlns:a16="http://schemas.microsoft.com/office/drawing/2014/main" id="{8501C582-95F4-456D-9B6C-3B1FF3D1CA9F}"/>
-              </a:ext>
-            </a:extLst>
-          </p:cNvPr>
-          <p:cNvSpPr txBox="1"/>
-          <p:nvPr/>
-        </p:nvSpPr>
-        <p:spPr>
-          <a:xfrm>
-            <a:off x="3652890" y="4575021"/>
-            <a:ext cx="720659" cy="461665"/>
-          </a:xfrm>
-          <a:prstGeom prst="rect">
-            <a:avLst/>
-          </a:prstGeom>
-          <a:noFill/>
-        </p:spPr>
-        <p:txBody>
-          <a:bodyPr wrap="square" rtlCol="0">
-            <a:spAutoFit/>
-          </a:bodyPr>
-          <a:lstStyle/>
-          <a:p>
-            <a:r>
-              <a:rPr lang="en-US" sz="2400" b="1" i="1" dirty="0">
-                <a:solidFill>
-                  <a:srgbClr val="ED7D31"/>
-                </a:solidFill>
-                <a:latin typeface="Times New Roman" panose="02020603050405020304" pitchFamily="18" charset="0"/>
-                <a:cs typeface="Times New Roman" panose="02020603050405020304" pitchFamily="18" charset="0"/>
-              </a:rPr>
-              <a:t>w</a:t>
-            </a:r>
-            <a:r>
-              <a:rPr lang="en-US" altLang="zh-CN" sz="2400" b="1" i="1" baseline="-25000" dirty="0">
-                <a:solidFill>
-                  <a:srgbClr val="ED7D31"/>
-                </a:solidFill>
-                <a:latin typeface="Times New Roman" panose="02020603050405020304" pitchFamily="18" charset="0"/>
-                <a:cs typeface="Times New Roman" panose="02020603050405020304" pitchFamily="18" charset="0"/>
-              </a:rPr>
-              <a:t>12</a:t>
-            </a:r>
-            <a:endParaRPr lang="en-US" sz="2400" b="1" i="1" dirty="0">
-              <a:solidFill>
-                <a:srgbClr val="ED7D31"/>
-              </a:solidFill>
-              <a:latin typeface="Times New Roman" panose="02020603050405020304" pitchFamily="18" charset="0"/>
-              <a:cs typeface="Times New Roman" panose="02020603050405020304" pitchFamily="18" charset="0"/>
-            </a:endParaRPr>
-          </a:p>
-        </p:txBody>
-      </p:sp>
-      <p:sp>
-        <p:nvSpPr>
-          <p:cNvPr id="21" name="TextBox 20">
-            <a:extLst>
-              <a:ext uri="{FF2B5EF4-FFF2-40B4-BE49-F238E27FC236}">
-                <a16:creationId xmlns:a16="http://schemas.microsoft.com/office/drawing/2014/main" id="{C87FABEC-ED0B-4EA8-83CB-BB841A840AE1}"/>
-              </a:ext>
-            </a:extLst>
-          </p:cNvPr>
-          <p:cNvSpPr txBox="1"/>
-          <p:nvPr/>
-        </p:nvSpPr>
-        <p:spPr>
-          <a:xfrm>
-            <a:off x="9084468" y="3174585"/>
-            <a:ext cx="1540669" cy="646331"/>
-          </a:xfrm>
-          <a:prstGeom prst="rect">
-            <a:avLst/>
-          </a:prstGeom>
-          <a:noFill/>
-        </p:spPr>
-        <p:txBody>
-          <a:bodyPr wrap="square" rtlCol="0">
-            <a:spAutoFit/>
-          </a:bodyPr>
-          <a:lstStyle/>
-          <a:p>
-            <a:r>
-              <a:rPr lang="en-US" sz="3600" b="1" i="1" dirty="0">
-                <a:latin typeface="Times New Roman" panose="02020603050405020304" pitchFamily="18" charset="0"/>
-                <a:cs typeface="Times New Roman" panose="02020603050405020304" pitchFamily="18" charset="0"/>
-              </a:rPr>
-              <a:t>H</a:t>
-            </a:r>
-            <a:r>
-              <a:rPr lang="en-US" sz="3600" b="1" i="1" baseline="-25000" dirty="0">
-                <a:latin typeface="Times New Roman" panose="02020603050405020304" pitchFamily="18" charset="0"/>
-                <a:cs typeface="Times New Roman" panose="02020603050405020304" pitchFamily="18" charset="0"/>
-              </a:rPr>
-              <a:t>w</a:t>
-            </a:r>
-            <a:r>
-              <a:rPr lang="en-US" sz="3600" b="1" i="1" dirty="0">
-                <a:latin typeface="Times New Roman" panose="02020603050405020304" pitchFamily="18" charset="0"/>
-                <a:cs typeface="Times New Roman" panose="02020603050405020304" pitchFamily="18" charset="0"/>
-              </a:rPr>
-              <a:t>(x)</a:t>
-            </a:r>
-          </a:p>
-        </p:txBody>
-      </p:sp>
-      <p:sp>
-        <p:nvSpPr>
-          <p:cNvPr id="17" name="Oval 16">
-            <a:extLst>
-              <a:ext uri="{FF2B5EF4-FFF2-40B4-BE49-F238E27FC236}">
-                <a16:creationId xmlns:a16="http://schemas.microsoft.com/office/drawing/2014/main" id="{F7B1BD1A-CCBA-44EC-9CB2-8E509FFC85DA}"/>
-              </a:ext>
-            </a:extLst>
-          </p:cNvPr>
-          <p:cNvSpPr/>
-          <p:nvPr/>
-        </p:nvSpPr>
-        <p:spPr>
-          <a:xfrm>
-            <a:off x="2932504" y="5016958"/>
-            <a:ext cx="842962" cy="842962"/>
-          </a:xfrm>
-          <a:prstGeom prst="ellipse">
-            <a:avLst/>
-          </a:prstGeom>
-        </p:spPr>
-        <p:style>
-          <a:lnRef idx="2">
-            <a:schemeClr val="accent1"/>
-          </a:lnRef>
-          <a:fillRef idx="1">
-            <a:schemeClr val="lt1"/>
-          </a:fillRef>
-          <a:effectRef idx="0">
-            <a:schemeClr val="accent1"/>
-          </a:effectRef>
-          <a:fontRef idx="minor">
-            <a:schemeClr val="dk1"/>
-          </a:fontRef>
-        </p:style>
-        <p:txBody>
-          <a:bodyPr rtlCol="0" anchor="ctr"/>
-          <a:lstStyle/>
-          <a:p>
-            <a:pPr algn="ctr"/>
-            <a:r>
-              <a:rPr lang="en-US" sz="2800" b="1" i="1" dirty="0"/>
-              <a:t>x</a:t>
-            </a:r>
-            <a:r>
-              <a:rPr lang="en-US" altLang="zh-CN" sz="2800" b="1" i="1" baseline="-25000" dirty="0"/>
-              <a:t>3</a:t>
-            </a:r>
-            <a:endParaRPr lang="en-US" sz="2800" b="1" i="1" baseline="-25000" dirty="0"/>
-          </a:p>
-        </p:txBody>
-      </p:sp>
-      <p:cxnSp>
-        <p:nvCxnSpPr>
-          <p:cNvPr id="20" name="Straight Arrow Connector 19">
-            <a:extLst>
-              <a:ext uri="{FF2B5EF4-FFF2-40B4-BE49-F238E27FC236}">
-                <a16:creationId xmlns:a16="http://schemas.microsoft.com/office/drawing/2014/main" id="{DBD553A7-40E1-47C8-83C9-D9DB045877C4}"/>
-              </a:ext>
-            </a:extLst>
-          </p:cNvPr>
-          <p:cNvCxnSpPr>
-            <a:cxnSpLocks/>
-            <a:stCxn id="17" idx="6"/>
-            <a:endCxn id="5" idx="2"/>
-          </p:cNvCxnSpPr>
-          <p:nvPr/>
-        </p:nvCxnSpPr>
-        <p:spPr>
-          <a:xfrm>
-            <a:off x="3775466" y="5438439"/>
-            <a:ext cx="1527579" cy="842962"/>
-          </a:xfrm>
-          <a:prstGeom prst="straightConnector1">
-            <a:avLst/>
-          </a:prstGeom>
-          <a:ln>
-            <a:tailEnd type="triangle"/>
-          </a:ln>
-        </p:spPr>
-        <p:style>
-          <a:lnRef idx="3">
-            <a:schemeClr val="accent2"/>
-          </a:lnRef>
-          <a:fillRef idx="0">
-            <a:schemeClr val="accent2"/>
-          </a:fillRef>
-          <a:effectRef idx="2">
-            <a:schemeClr val="accent2"/>
-          </a:effectRef>
-          <a:fontRef idx="minor">
-            <a:schemeClr val="tx1"/>
-          </a:fontRef>
-        </p:style>
-      </p:cxnSp>
-      <p:sp>
-        <p:nvSpPr>
-          <p:cNvPr id="22" name="TextBox 21">
-            <a:extLst>
-              <a:ext uri="{FF2B5EF4-FFF2-40B4-BE49-F238E27FC236}">
-                <a16:creationId xmlns:a16="http://schemas.microsoft.com/office/drawing/2014/main" id="{C62DB3A1-4472-4BE8-86BB-90FDB2FEB163}"/>
-              </a:ext>
-            </a:extLst>
-          </p:cNvPr>
-          <p:cNvSpPr txBox="1"/>
-          <p:nvPr/>
-        </p:nvSpPr>
-        <p:spPr>
-          <a:xfrm>
-            <a:off x="3880186" y="5699913"/>
-            <a:ext cx="759617" cy="461665"/>
-          </a:xfrm>
-          <a:prstGeom prst="rect">
-            <a:avLst/>
-          </a:prstGeom>
-          <a:noFill/>
-        </p:spPr>
-        <p:txBody>
-          <a:bodyPr wrap="square" rtlCol="0">
-            <a:spAutoFit/>
-          </a:bodyPr>
-          <a:lstStyle/>
-          <a:p>
-            <a:r>
-              <a:rPr lang="en-US" sz="2400" b="1" i="1" dirty="0">
-                <a:solidFill>
-                  <a:srgbClr val="ED7D31"/>
-                </a:solidFill>
-                <a:latin typeface="Times New Roman" panose="02020603050405020304" pitchFamily="18" charset="0"/>
-                <a:cs typeface="Times New Roman" panose="02020603050405020304" pitchFamily="18" charset="0"/>
-              </a:rPr>
-              <a:t>w</a:t>
-            </a:r>
-            <a:r>
-              <a:rPr lang="en-US" altLang="zh-CN" sz="2400" b="1" i="1" baseline="-25000" dirty="0">
-                <a:solidFill>
-                  <a:srgbClr val="ED7D31"/>
-                </a:solidFill>
-                <a:latin typeface="Times New Roman" panose="02020603050405020304" pitchFamily="18" charset="0"/>
-                <a:cs typeface="Times New Roman" panose="02020603050405020304" pitchFamily="18" charset="0"/>
-              </a:rPr>
-              <a:t>13</a:t>
-            </a:r>
-            <a:endParaRPr lang="en-US" sz="2400" b="1" i="1" dirty="0">
-              <a:solidFill>
-                <a:srgbClr val="ED7D31"/>
-              </a:solidFill>
-              <a:latin typeface="Times New Roman" panose="02020603050405020304" pitchFamily="18" charset="0"/>
-              <a:cs typeface="Times New Roman" panose="02020603050405020304" pitchFamily="18" charset="0"/>
-            </a:endParaRPr>
-          </a:p>
-        </p:txBody>
-      </p:sp>
-      <p:sp>
-        <p:nvSpPr>
-          <p:cNvPr id="48" name="Oval 47">
-            <a:extLst>
-              <a:ext uri="{FF2B5EF4-FFF2-40B4-BE49-F238E27FC236}">
-                <a16:creationId xmlns:a16="http://schemas.microsoft.com/office/drawing/2014/main" id="{63AF6202-8001-46D5-AB31-D1F53B9C37B4}"/>
-              </a:ext>
-            </a:extLst>
-          </p:cNvPr>
-          <p:cNvSpPr/>
-          <p:nvPr/>
-        </p:nvSpPr>
-        <p:spPr>
-          <a:xfrm>
-            <a:off x="7398544" y="3121570"/>
-            <a:ext cx="842962" cy="842962"/>
-          </a:xfrm>
-          <a:prstGeom prst="ellipse">
-            <a:avLst/>
-          </a:prstGeom>
-        </p:spPr>
-        <p:style>
-          <a:lnRef idx="2">
-            <a:schemeClr val="accent6"/>
-          </a:lnRef>
-          <a:fillRef idx="1">
-            <a:schemeClr val="lt1"/>
-          </a:fillRef>
-          <a:effectRef idx="0">
-            <a:schemeClr val="accent6"/>
-          </a:effectRef>
-          <a:fontRef idx="minor">
-            <a:schemeClr val="dk1"/>
-          </a:fontRef>
-        </p:style>
-        <p:txBody>
-          <a:bodyPr rtlCol="0" anchor="ctr"/>
-          <a:lstStyle/>
-          <a:p>
-            <a:pPr algn="ctr"/>
-            <a:endParaRPr lang="en-US" dirty="0"/>
-          </a:p>
-        </p:txBody>
-      </p:sp>
-      <p:cxnSp>
-        <p:nvCxnSpPr>
-          <p:cNvPr id="58" name="Straight Arrow Connector 57">
-            <a:extLst>
-              <a:ext uri="{FF2B5EF4-FFF2-40B4-BE49-F238E27FC236}">
-                <a16:creationId xmlns:a16="http://schemas.microsoft.com/office/drawing/2014/main" id="{60D8D623-33E4-4498-8D7B-10BDE90DF536}"/>
-              </a:ext>
-            </a:extLst>
-          </p:cNvPr>
-          <p:cNvCxnSpPr>
-            <a:stCxn id="2" idx="6"/>
-            <a:endCxn id="48" idx="2"/>
-          </p:cNvCxnSpPr>
-          <p:nvPr/>
-        </p:nvCxnSpPr>
-        <p:spPr>
-          <a:xfrm>
-            <a:off x="3757610" y="1682772"/>
-            <a:ext cx="3640934" cy="1860279"/>
+            <a:off x="3757612" y="1571625"/>
+            <a:ext cx="1345406" cy="0"/>
           </a:xfrm>
           <a:prstGeom prst="straightConnector1">
             <a:avLst/>
@@ -4738,23 +5470,23 @@
       </p:cxnSp>
       <p:cxnSp>
         <p:nvCxnSpPr>
-          <p:cNvPr id="60" name="Straight Arrow Connector 59">
-            <a:extLst>
-              <a:ext uri="{FF2B5EF4-FFF2-40B4-BE49-F238E27FC236}">
-                <a16:creationId xmlns:a16="http://schemas.microsoft.com/office/drawing/2014/main" id="{6A9EFDB2-1C47-4A9F-AD95-8FAE06F1D86C}"/>
+          <p:cNvPr id="10" name="Straight Arrow Connector 9">
+            <a:extLst>
+              <a:ext uri="{FF2B5EF4-FFF2-40B4-BE49-F238E27FC236}">
+                <a16:creationId xmlns:a16="http://schemas.microsoft.com/office/drawing/2014/main" id="{5D0ACE00-9140-4AEB-8EB1-A6137EC97615}"/>
               </a:ext>
             </a:extLst>
           </p:cNvPr>
           <p:cNvCxnSpPr>
-            <a:stCxn id="3" idx="6"/>
-            <a:endCxn id="48" idx="2"/>
+            <a:stCxn id="2" idx="6"/>
+            <a:endCxn id="5" idx="2"/>
           </p:cNvCxnSpPr>
           <p:nvPr/>
         </p:nvCxnSpPr>
         <p:spPr>
           <a:xfrm>
-            <a:off x="3775466" y="2934661"/>
-            <a:ext cx="3623078" cy="608390"/>
+            <a:off x="3757612" y="1571625"/>
+            <a:ext cx="1345406" cy="2181225"/>
           </a:xfrm>
           <a:prstGeom prst="straightConnector1">
             <a:avLst/>
@@ -4780,23 +5512,23 @@
       </p:cxnSp>
       <p:cxnSp>
         <p:nvCxnSpPr>
-          <p:cNvPr id="62" name="Straight Arrow Connector 61">
-            <a:extLst>
-              <a:ext uri="{FF2B5EF4-FFF2-40B4-BE49-F238E27FC236}">
-                <a16:creationId xmlns:a16="http://schemas.microsoft.com/office/drawing/2014/main" id="{84DDF4AA-2E44-4EF0-8F92-D5A1F120C982}"/>
+          <p:cNvPr id="12" name="Straight Arrow Connector 11">
+            <a:extLst>
+              <a:ext uri="{FF2B5EF4-FFF2-40B4-BE49-F238E27FC236}">
+                <a16:creationId xmlns:a16="http://schemas.microsoft.com/office/drawing/2014/main" id="{D42F7BA1-F00D-4CF3-B4C7-28C69637A0D7}"/>
               </a:ext>
             </a:extLst>
           </p:cNvPr>
           <p:cNvCxnSpPr>
-            <a:stCxn id="4" idx="6"/>
-            <a:endCxn id="48" idx="2"/>
+            <a:stCxn id="3" idx="6"/>
+            <a:endCxn id="4" idx="2"/>
           </p:cNvCxnSpPr>
           <p:nvPr/>
         </p:nvCxnSpPr>
         <p:spPr>
           <a:xfrm flipV="1">
-            <a:off x="3775466" y="3543051"/>
-            <a:ext cx="3623078" cy="643499"/>
+            <a:off x="3757612" y="1571625"/>
+            <a:ext cx="1345406" cy="2181225"/>
           </a:xfrm>
           <a:prstGeom prst="straightConnector1">
             <a:avLst/>
@@ -4822,23 +5554,23 @@
       </p:cxnSp>
       <p:cxnSp>
         <p:nvCxnSpPr>
-          <p:cNvPr id="64" name="Straight Arrow Connector 63">
-            <a:extLst>
-              <a:ext uri="{FF2B5EF4-FFF2-40B4-BE49-F238E27FC236}">
-                <a16:creationId xmlns:a16="http://schemas.microsoft.com/office/drawing/2014/main" id="{192D7FB8-7EF1-42F7-B1E8-3298F2F3F431}"/>
+          <p:cNvPr id="14" name="Straight Arrow Connector 13">
+            <a:extLst>
+              <a:ext uri="{FF2B5EF4-FFF2-40B4-BE49-F238E27FC236}">
+                <a16:creationId xmlns:a16="http://schemas.microsoft.com/office/drawing/2014/main" id="{F0A662A8-D2C6-4533-BAE6-B5A654CD6E2E}"/>
               </a:ext>
             </a:extLst>
           </p:cNvPr>
           <p:cNvCxnSpPr>
-            <a:stCxn id="17" idx="6"/>
-            <a:endCxn id="48" idx="2"/>
+            <a:stCxn id="3" idx="6"/>
+            <a:endCxn id="5" idx="2"/>
           </p:cNvCxnSpPr>
           <p:nvPr/>
         </p:nvCxnSpPr>
         <p:spPr>
-          <a:xfrm flipV="1">
-            <a:off x="3775466" y="3543051"/>
-            <a:ext cx="3623078" cy="1895388"/>
+          <a:xfrm>
+            <a:off x="3757612" y="3752850"/>
+            <a:ext cx="1345406" cy="0"/>
           </a:xfrm>
           <a:prstGeom prst="straightConnector1">
             <a:avLst/>
@@ -4864,23 +5596,23 @@
       </p:cxnSp>
       <p:cxnSp>
         <p:nvCxnSpPr>
-          <p:cNvPr id="66" name="Straight Arrow Connector 65">
-            <a:extLst>
-              <a:ext uri="{FF2B5EF4-FFF2-40B4-BE49-F238E27FC236}">
-                <a16:creationId xmlns:a16="http://schemas.microsoft.com/office/drawing/2014/main" id="{AD286F5A-55A0-4D86-8D50-20D04F5E634A}"/>
+          <p:cNvPr id="20" name="Straight Arrow Connector 19">
+            <a:extLst>
+              <a:ext uri="{FF2B5EF4-FFF2-40B4-BE49-F238E27FC236}">
+                <a16:creationId xmlns:a16="http://schemas.microsoft.com/office/drawing/2014/main" id="{6F69986D-F4C7-4153-BB28-ADCDBC58D899}"/>
               </a:ext>
             </a:extLst>
           </p:cNvPr>
           <p:cNvCxnSpPr>
             <a:stCxn id="5" idx="6"/>
-            <a:endCxn id="48" idx="2"/>
+            <a:endCxn id="6" idx="2"/>
           </p:cNvCxnSpPr>
           <p:nvPr/>
         </p:nvCxnSpPr>
         <p:spPr>
           <a:xfrm flipV="1">
-            <a:off x="6146007" y="3543051"/>
-            <a:ext cx="1252537" cy="2738350"/>
+            <a:off x="5945980" y="2717897"/>
+            <a:ext cx="2121706" cy="1034953"/>
           </a:xfrm>
           <a:prstGeom prst="straightConnector1">
             <a:avLst/>
@@ -4904,53 +5636,850 @@
           </a:fontRef>
         </p:style>
       </p:cxnSp>
-      <p:cxnSp>
-        <p:nvCxnSpPr>
-          <p:cNvPr id="70" name="Straight Arrow Connector 69">
-            <a:extLst>
-              <a:ext uri="{FF2B5EF4-FFF2-40B4-BE49-F238E27FC236}">
-                <a16:creationId xmlns:a16="http://schemas.microsoft.com/office/drawing/2014/main" id="{6B2700CD-2106-46ED-983C-851899FF611C}"/>
-              </a:ext>
-            </a:extLst>
-          </p:cNvPr>
-          <p:cNvCxnSpPr>
-            <a:stCxn id="48" idx="6"/>
-          </p:cNvCxnSpPr>
+      <p:grpSp>
+        <p:nvGrpSpPr>
+          <p:cNvPr id="65" name="Group 64">
+            <a:extLst>
+              <a:ext uri="{FF2B5EF4-FFF2-40B4-BE49-F238E27FC236}">
+                <a16:creationId xmlns:a16="http://schemas.microsoft.com/office/drawing/2014/main" id="{EDED2EB0-944C-4AA2-8BD1-C0FD234BEBFA}"/>
+              </a:ext>
+            </a:extLst>
+          </p:cNvPr>
+          <p:cNvGrpSpPr/>
           <p:nvPr/>
-        </p:nvCxnSpPr>
-        <p:spPr>
+        </p:nvGrpSpPr>
+        <p:grpSpPr>
           <a:xfrm>
-            <a:off x="8241506" y="3543051"/>
-            <a:ext cx="795338" cy="0"/>
+            <a:off x="5103018" y="370582"/>
+            <a:ext cx="842962" cy="1622524"/>
+            <a:chOff x="5103018" y="370582"/>
+            <a:chExt cx="842962" cy="1622524"/>
           </a:xfrm>
-          <a:prstGeom prst="straightConnector1">
-            <a:avLst/>
-          </a:prstGeom>
-          <a:ln>
-            <a:tailEnd type="triangle"/>
-          </a:ln>
-        </p:spPr>
-        <p:style>
-          <a:lnRef idx="3">
-            <a:schemeClr val="dk1"/>
-          </a:lnRef>
-          <a:fillRef idx="0">
-            <a:schemeClr val="dk1"/>
-          </a:fillRef>
-          <a:effectRef idx="2">
-            <a:schemeClr val="dk1"/>
-          </a:effectRef>
-          <a:fontRef idx="minor">
-            <a:schemeClr val="tx1"/>
-          </a:fontRef>
-        </p:style>
-      </p:cxnSp>
+        </p:grpSpPr>
+        <p:grpSp>
+          <p:nvGrpSpPr>
+            <p:cNvPr id="63" name="Group 62">
+              <a:extLst>
+                <a:ext uri="{FF2B5EF4-FFF2-40B4-BE49-F238E27FC236}">
+                  <a16:creationId xmlns:a16="http://schemas.microsoft.com/office/drawing/2014/main" id="{931C7B19-3D1E-4F84-98F4-E9377C4151FD}"/>
+                </a:ext>
+              </a:extLst>
+            </p:cNvPr>
+            <p:cNvGrpSpPr/>
+            <p:nvPr/>
+          </p:nvGrpSpPr>
+          <p:grpSpPr>
+            <a:xfrm>
+              <a:off x="5103018" y="370582"/>
+              <a:ext cx="842962" cy="1622524"/>
+              <a:chOff x="5103018" y="370582"/>
+              <a:chExt cx="842962" cy="1622524"/>
+            </a:xfrm>
+          </p:grpSpPr>
+          <p:sp>
+            <p:nvSpPr>
+              <p:cNvPr id="4" name="Oval 3">
+                <a:extLst>
+                  <a:ext uri="{FF2B5EF4-FFF2-40B4-BE49-F238E27FC236}">
+                    <a16:creationId xmlns:a16="http://schemas.microsoft.com/office/drawing/2014/main" id="{C7ACBA25-28CF-4A62-94DE-A6D52B9F7D76}"/>
+                  </a:ext>
+                </a:extLst>
+              </p:cNvPr>
+              <p:cNvSpPr/>
+              <p:nvPr/>
+            </p:nvSpPr>
+            <p:spPr>
+              <a:xfrm>
+                <a:off x="5103018" y="1150144"/>
+                <a:ext cx="842962" cy="842962"/>
+              </a:xfrm>
+              <a:prstGeom prst="ellipse">
+                <a:avLst/>
+              </a:prstGeom>
+            </p:spPr>
+            <p:style>
+              <a:lnRef idx="2">
+                <a:schemeClr val="dk1"/>
+              </a:lnRef>
+              <a:fillRef idx="1">
+                <a:schemeClr val="lt1"/>
+              </a:fillRef>
+              <a:effectRef idx="0">
+                <a:schemeClr val="dk1"/>
+              </a:effectRef>
+              <a:fontRef idx="minor">
+                <a:schemeClr val="dk1"/>
+              </a:fontRef>
+            </p:style>
+            <p:txBody>
+              <a:bodyPr rtlCol="0" anchor="ctr"/>
+              <a:lstStyle/>
+              <a:p>
+                <a:pPr algn="ctr"/>
+                <a:endParaRPr lang="en-US" sz="2800" b="1" dirty="0"/>
+              </a:p>
+            </p:txBody>
+          </p:sp>
+          <p:sp>
+            <p:nvSpPr>
+              <p:cNvPr id="27" name="TextBox 26">
+                <a:extLst>
+                  <a:ext uri="{FF2B5EF4-FFF2-40B4-BE49-F238E27FC236}">
+                    <a16:creationId xmlns:a16="http://schemas.microsoft.com/office/drawing/2014/main" id="{A6EA7FEC-4D63-4A2E-9C4E-013E3B432550}"/>
+                  </a:ext>
+                </a:extLst>
+              </p:cNvPr>
+              <p:cNvSpPr txBox="1"/>
+              <p:nvPr/>
+            </p:nvSpPr>
+            <p:spPr>
+              <a:xfrm>
+                <a:off x="5103018" y="1386958"/>
+                <a:ext cx="535780" cy="369332"/>
+              </a:xfrm>
+              <a:prstGeom prst="rect">
+                <a:avLst/>
+              </a:prstGeom>
+              <a:noFill/>
+            </p:spPr>
+            <p:txBody>
+              <a:bodyPr wrap="square" rtlCol="0">
+                <a:spAutoFit/>
+              </a:bodyPr>
+              <a:lstStyle/>
+              <a:p>
+                <a:r>
+                  <a:rPr lang="en-US" b="1" dirty="0"/>
+                  <a:t>1.3</a:t>
+                </a:r>
+              </a:p>
+            </p:txBody>
+          </p:sp>
+          <p:sp>
+            <p:nvSpPr>
+              <p:cNvPr id="30" name="TextBox 29">
+                <a:extLst>
+                  <a:ext uri="{FF2B5EF4-FFF2-40B4-BE49-F238E27FC236}">
+                    <a16:creationId xmlns:a16="http://schemas.microsoft.com/office/drawing/2014/main" id="{C352B6C9-A4AB-448F-82B7-5CF8DD4206A8}"/>
+                  </a:ext>
+                </a:extLst>
+              </p:cNvPr>
+              <p:cNvSpPr txBox="1"/>
+              <p:nvPr/>
+            </p:nvSpPr>
+            <p:spPr>
+              <a:xfrm>
+                <a:off x="5519743" y="1384993"/>
+                <a:ext cx="309558" cy="369332"/>
+              </a:xfrm>
+              <a:prstGeom prst="rect">
+                <a:avLst/>
+              </a:prstGeom>
+              <a:noFill/>
+            </p:spPr>
+            <p:txBody>
+              <a:bodyPr wrap="square" rtlCol="0">
+                <a:spAutoFit/>
+              </a:bodyPr>
+              <a:lstStyle/>
+              <a:p>
+                <a:r>
+                  <a:rPr lang="en-US" b="1" dirty="0"/>
+                  <a:t>1</a:t>
+                </a:r>
+              </a:p>
+            </p:txBody>
+          </p:sp>
+          <p:sp>
+            <p:nvSpPr>
+              <p:cNvPr id="52" name="Arrow: Curved Down 51">
+                <a:extLst>
+                  <a:ext uri="{FF2B5EF4-FFF2-40B4-BE49-F238E27FC236}">
+                    <a16:creationId xmlns:a16="http://schemas.microsoft.com/office/drawing/2014/main" id="{0DA7A2E3-B07B-426D-8137-872F9C72EB34}"/>
+                  </a:ext>
+                </a:extLst>
+              </p:cNvPr>
+              <p:cNvSpPr/>
+              <p:nvPr/>
+            </p:nvSpPr>
+            <p:spPr>
+              <a:xfrm>
+                <a:off x="5281616" y="741879"/>
+                <a:ext cx="476253" cy="338968"/>
+              </a:xfrm>
+              <a:prstGeom prst="curvedDownArrow">
+                <a:avLst/>
+              </a:prstGeom>
+            </p:spPr>
+            <p:style>
+              <a:lnRef idx="2">
+                <a:schemeClr val="dk1"/>
+              </a:lnRef>
+              <a:fillRef idx="1">
+                <a:schemeClr val="lt1"/>
+              </a:fillRef>
+              <a:effectRef idx="0">
+                <a:schemeClr val="dk1"/>
+              </a:effectRef>
+              <a:fontRef idx="minor">
+                <a:schemeClr val="dk1"/>
+              </a:fontRef>
+            </p:style>
+            <p:txBody>
+              <a:bodyPr rtlCol="0" anchor="ctr"/>
+              <a:lstStyle/>
+              <a:p>
+                <a:pPr algn="ctr"/>
+                <a:endParaRPr lang="en-US">
+                  <a:solidFill>
+                    <a:schemeClr val="tx1"/>
+                  </a:solidFill>
+                </a:endParaRPr>
+              </a:p>
+            </p:txBody>
+          </p:sp>
+          <p:sp>
+            <p:nvSpPr>
+              <p:cNvPr id="53" name="TextBox 52">
+                <a:extLst>
+                  <a:ext uri="{FF2B5EF4-FFF2-40B4-BE49-F238E27FC236}">
+                    <a16:creationId xmlns:a16="http://schemas.microsoft.com/office/drawing/2014/main" id="{33FC4F6D-74BB-4A63-A7E0-8C42A9568FFB}"/>
+                  </a:ext>
+                </a:extLst>
+              </p:cNvPr>
+              <p:cNvSpPr txBox="1"/>
+              <p:nvPr/>
+            </p:nvSpPr>
+            <p:spPr>
+              <a:xfrm>
+                <a:off x="5198267" y="370582"/>
+                <a:ext cx="590543" cy="369332"/>
+              </a:xfrm>
+              <a:prstGeom prst="rect">
+                <a:avLst/>
+              </a:prstGeom>
+              <a:noFill/>
+            </p:spPr>
+            <p:txBody>
+              <a:bodyPr wrap="square" rtlCol="0">
+                <a:spAutoFit/>
+              </a:bodyPr>
+              <a:lstStyle/>
+              <a:p>
+                <a:r>
+                  <a:rPr lang="en-US" b="1" i="1" dirty="0"/>
+                  <a:t>Sign</a:t>
+                </a:r>
+              </a:p>
+            </p:txBody>
+          </p:sp>
+        </p:grpSp>
+        <p:cxnSp>
+          <p:nvCxnSpPr>
+            <p:cNvPr id="22" name="Straight Connector 21">
+              <a:extLst>
+                <a:ext uri="{FF2B5EF4-FFF2-40B4-BE49-F238E27FC236}">
+                  <a16:creationId xmlns:a16="http://schemas.microsoft.com/office/drawing/2014/main" id="{E8283E8E-30BE-46DD-A653-DC6FE467E1D8}"/>
+                </a:ext>
+              </a:extLst>
+            </p:cNvPr>
+            <p:cNvCxnSpPr>
+              <a:stCxn id="4" idx="0"/>
+              <a:endCxn id="4" idx="4"/>
+            </p:cNvCxnSpPr>
+            <p:nvPr/>
+          </p:nvCxnSpPr>
+          <p:spPr>
+            <a:xfrm>
+              <a:off x="5524499" y="1150144"/>
+              <a:ext cx="0" cy="842962"/>
+            </a:xfrm>
+            <a:prstGeom prst="line">
+              <a:avLst/>
+            </a:prstGeom>
+          </p:spPr>
+          <p:style>
+            <a:lnRef idx="2">
+              <a:schemeClr val="dk1"/>
+            </a:lnRef>
+            <a:fillRef idx="0">
+              <a:schemeClr val="dk1"/>
+            </a:fillRef>
+            <a:effectRef idx="1">
+              <a:schemeClr val="dk1"/>
+            </a:effectRef>
+            <a:fontRef idx="minor">
+              <a:schemeClr val="tx1"/>
+            </a:fontRef>
+          </p:style>
+        </p:cxnSp>
+      </p:grpSp>
+      <p:grpSp>
+        <p:nvGrpSpPr>
+          <p:cNvPr id="66" name="Group 65">
+            <a:extLst>
+              <a:ext uri="{FF2B5EF4-FFF2-40B4-BE49-F238E27FC236}">
+                <a16:creationId xmlns:a16="http://schemas.microsoft.com/office/drawing/2014/main" id="{E3982499-7A97-445C-859A-693200C3DCC7}"/>
+              </a:ext>
+            </a:extLst>
+          </p:cNvPr>
+          <p:cNvGrpSpPr/>
+          <p:nvPr/>
+        </p:nvGrpSpPr>
+        <p:grpSpPr>
+          <a:xfrm>
+            <a:off x="5060155" y="3331369"/>
+            <a:ext cx="885825" cy="1613564"/>
+            <a:chOff x="5060155" y="3331369"/>
+            <a:chExt cx="885825" cy="1613564"/>
+          </a:xfrm>
+        </p:grpSpPr>
+        <p:grpSp>
+          <p:nvGrpSpPr>
+            <p:cNvPr id="64" name="Group 63">
+              <a:extLst>
+                <a:ext uri="{FF2B5EF4-FFF2-40B4-BE49-F238E27FC236}">
+                  <a16:creationId xmlns:a16="http://schemas.microsoft.com/office/drawing/2014/main" id="{F80A5A05-4A43-4CBE-8A14-3004BC2168C4}"/>
+                </a:ext>
+              </a:extLst>
+            </p:cNvPr>
+            <p:cNvGrpSpPr/>
+            <p:nvPr/>
+          </p:nvGrpSpPr>
+          <p:grpSpPr>
+            <a:xfrm>
+              <a:off x="5060155" y="3331369"/>
+              <a:ext cx="885825" cy="1613564"/>
+              <a:chOff x="5060155" y="3331369"/>
+              <a:chExt cx="885825" cy="1613564"/>
+            </a:xfrm>
+          </p:grpSpPr>
+          <p:sp>
+            <p:nvSpPr>
+              <p:cNvPr id="5" name="Oval 4">
+                <a:extLst>
+                  <a:ext uri="{FF2B5EF4-FFF2-40B4-BE49-F238E27FC236}">
+                    <a16:creationId xmlns:a16="http://schemas.microsoft.com/office/drawing/2014/main" id="{D24979C9-50AC-4295-86F7-03FA3D454212}"/>
+                  </a:ext>
+                </a:extLst>
+              </p:cNvPr>
+              <p:cNvSpPr/>
+              <p:nvPr/>
+            </p:nvSpPr>
+            <p:spPr>
+              <a:xfrm>
+                <a:off x="5103018" y="3331369"/>
+                <a:ext cx="842962" cy="842962"/>
+              </a:xfrm>
+              <a:prstGeom prst="ellipse">
+                <a:avLst/>
+              </a:prstGeom>
+            </p:spPr>
+            <p:style>
+              <a:lnRef idx="2">
+                <a:schemeClr val="dk1"/>
+              </a:lnRef>
+              <a:fillRef idx="1">
+                <a:schemeClr val="lt1"/>
+              </a:fillRef>
+              <a:effectRef idx="0">
+                <a:schemeClr val="dk1"/>
+              </a:effectRef>
+              <a:fontRef idx="minor">
+                <a:schemeClr val="dk1"/>
+              </a:fontRef>
+            </p:style>
+            <p:txBody>
+              <a:bodyPr rtlCol="0" anchor="ctr"/>
+              <a:lstStyle/>
+              <a:p>
+                <a:pPr algn="ctr"/>
+                <a:endParaRPr lang="en-US" sz="2800" b="1" dirty="0"/>
+              </a:p>
+            </p:txBody>
+          </p:sp>
+          <p:sp>
+            <p:nvSpPr>
+              <p:cNvPr id="31" name="TextBox 30">
+                <a:extLst>
+                  <a:ext uri="{FF2B5EF4-FFF2-40B4-BE49-F238E27FC236}">
+                    <a16:creationId xmlns:a16="http://schemas.microsoft.com/office/drawing/2014/main" id="{FF4E82F5-F183-46D0-9ED2-7E7046208CA8}"/>
+                  </a:ext>
+                </a:extLst>
+              </p:cNvPr>
+              <p:cNvSpPr txBox="1"/>
+              <p:nvPr/>
+            </p:nvSpPr>
+            <p:spPr>
+              <a:xfrm>
+                <a:off x="5060155" y="3566218"/>
+                <a:ext cx="571499" cy="369332"/>
+              </a:xfrm>
+              <a:prstGeom prst="rect">
+                <a:avLst/>
+              </a:prstGeom>
+              <a:noFill/>
+            </p:spPr>
+            <p:txBody>
+              <a:bodyPr wrap="square" rtlCol="0">
+                <a:spAutoFit/>
+              </a:bodyPr>
+              <a:lstStyle/>
+              <a:p>
+                <a:r>
+                  <a:rPr lang="en-US" b="1" dirty="0"/>
+                  <a:t>-0.8</a:t>
+                </a:r>
+              </a:p>
+            </p:txBody>
+          </p:sp>
+          <p:sp>
+            <p:nvSpPr>
+              <p:cNvPr id="32" name="TextBox 31">
+                <a:extLst>
+                  <a:ext uri="{FF2B5EF4-FFF2-40B4-BE49-F238E27FC236}">
+                    <a16:creationId xmlns:a16="http://schemas.microsoft.com/office/drawing/2014/main" id="{3C466332-2523-42DA-8ACE-0B5DE6543B6A}"/>
+                  </a:ext>
+                </a:extLst>
+              </p:cNvPr>
+              <p:cNvSpPr txBox="1"/>
+              <p:nvPr/>
+            </p:nvSpPr>
+            <p:spPr>
+              <a:xfrm>
+                <a:off x="5495931" y="3566218"/>
+                <a:ext cx="390518" cy="369332"/>
+              </a:xfrm>
+              <a:prstGeom prst="rect">
+                <a:avLst/>
+              </a:prstGeom>
+              <a:noFill/>
+            </p:spPr>
+            <p:txBody>
+              <a:bodyPr wrap="square" rtlCol="0">
+                <a:spAutoFit/>
+              </a:bodyPr>
+              <a:lstStyle/>
+              <a:p>
+                <a:r>
+                  <a:rPr lang="en-US" b="1" dirty="0"/>
+                  <a:t>-1</a:t>
+                </a:r>
+              </a:p>
+            </p:txBody>
+          </p:sp>
+          <p:sp>
+            <p:nvSpPr>
+              <p:cNvPr id="55" name="Arrow: Curved Down 54">
+                <a:extLst>
+                  <a:ext uri="{FF2B5EF4-FFF2-40B4-BE49-F238E27FC236}">
+                    <a16:creationId xmlns:a16="http://schemas.microsoft.com/office/drawing/2014/main" id="{5314E6E4-238D-4EE2-B6E7-EC94AB4700E3}"/>
+                  </a:ext>
+                </a:extLst>
+              </p:cNvPr>
+              <p:cNvSpPr/>
+              <p:nvPr/>
+            </p:nvSpPr>
+            <p:spPr>
+              <a:xfrm flipV="1">
+                <a:off x="5281615" y="4245794"/>
+                <a:ext cx="476253" cy="326771"/>
+              </a:xfrm>
+              <a:prstGeom prst="curvedDownArrow">
+                <a:avLst>
+                  <a:gd name="adj1" fmla="val 25000"/>
+                  <a:gd name="adj2" fmla="val 54249"/>
+                  <a:gd name="adj3" fmla="val 25000"/>
+                </a:avLst>
+              </a:prstGeom>
+            </p:spPr>
+            <p:style>
+              <a:lnRef idx="2">
+                <a:schemeClr val="dk1"/>
+              </a:lnRef>
+              <a:fillRef idx="1">
+                <a:schemeClr val="lt1"/>
+              </a:fillRef>
+              <a:effectRef idx="0">
+                <a:schemeClr val="dk1"/>
+              </a:effectRef>
+              <a:fontRef idx="minor">
+                <a:schemeClr val="dk1"/>
+              </a:fontRef>
+            </p:style>
+            <p:txBody>
+              <a:bodyPr rtlCol="0" anchor="ctr"/>
+              <a:lstStyle/>
+              <a:p>
+                <a:pPr algn="ctr"/>
+                <a:endParaRPr lang="en-US">
+                  <a:solidFill>
+                    <a:schemeClr val="tx1"/>
+                  </a:solidFill>
+                </a:endParaRPr>
+              </a:p>
+            </p:txBody>
+          </p:sp>
+          <p:sp>
+            <p:nvSpPr>
+              <p:cNvPr id="56" name="TextBox 55">
+                <a:extLst>
+                  <a:ext uri="{FF2B5EF4-FFF2-40B4-BE49-F238E27FC236}">
+                    <a16:creationId xmlns:a16="http://schemas.microsoft.com/office/drawing/2014/main" id="{62FF8554-B714-4077-89BB-5E3E2C8BA93F}"/>
+                  </a:ext>
+                </a:extLst>
+              </p:cNvPr>
+              <p:cNvSpPr txBox="1"/>
+              <p:nvPr/>
+            </p:nvSpPr>
+            <p:spPr>
+              <a:xfrm>
+                <a:off x="5198267" y="4575601"/>
+                <a:ext cx="590543" cy="369332"/>
+              </a:xfrm>
+              <a:prstGeom prst="rect">
+                <a:avLst/>
+              </a:prstGeom>
+              <a:noFill/>
+            </p:spPr>
+            <p:txBody>
+              <a:bodyPr wrap="square" rtlCol="0">
+                <a:spAutoFit/>
+              </a:bodyPr>
+              <a:lstStyle/>
+              <a:p>
+                <a:r>
+                  <a:rPr lang="en-US" b="1" i="1" dirty="0"/>
+                  <a:t>Sign</a:t>
+                </a:r>
+              </a:p>
+            </p:txBody>
+          </p:sp>
+        </p:grpSp>
+        <p:cxnSp>
+          <p:nvCxnSpPr>
+            <p:cNvPr id="24" name="Straight Connector 23">
+              <a:extLst>
+                <a:ext uri="{FF2B5EF4-FFF2-40B4-BE49-F238E27FC236}">
+                  <a16:creationId xmlns:a16="http://schemas.microsoft.com/office/drawing/2014/main" id="{7C7CEE98-1BF2-4C49-8809-CEF79DC186B1}"/>
+                </a:ext>
+              </a:extLst>
+            </p:cNvPr>
+            <p:cNvCxnSpPr>
+              <a:stCxn id="5" idx="0"/>
+              <a:endCxn id="5" idx="4"/>
+            </p:cNvCxnSpPr>
+            <p:nvPr/>
+          </p:nvCxnSpPr>
+          <p:spPr>
+            <a:xfrm>
+              <a:off x="5524499" y="3331369"/>
+              <a:ext cx="0" cy="842962"/>
+            </a:xfrm>
+            <a:prstGeom prst="line">
+              <a:avLst/>
+            </a:prstGeom>
+          </p:spPr>
+          <p:style>
+            <a:lnRef idx="2">
+              <a:schemeClr val="dk1"/>
+            </a:lnRef>
+            <a:fillRef idx="0">
+              <a:schemeClr val="dk1"/>
+            </a:fillRef>
+            <a:effectRef idx="1">
+              <a:schemeClr val="dk1"/>
+            </a:effectRef>
+            <a:fontRef idx="minor">
+              <a:schemeClr val="tx1"/>
+            </a:fontRef>
+          </p:style>
+        </p:cxnSp>
+      </p:grpSp>
+      <p:grpSp>
+        <p:nvGrpSpPr>
+          <p:cNvPr id="67" name="Group 66">
+            <a:extLst>
+              <a:ext uri="{FF2B5EF4-FFF2-40B4-BE49-F238E27FC236}">
+                <a16:creationId xmlns:a16="http://schemas.microsoft.com/office/drawing/2014/main" id="{6D94FB5F-CB13-4614-BC7E-EF94C1695CC1}"/>
+              </a:ext>
+            </a:extLst>
+          </p:cNvPr>
+          <p:cNvGrpSpPr/>
+          <p:nvPr/>
+        </p:nvGrpSpPr>
+        <p:grpSpPr>
+          <a:xfrm>
+            <a:off x="8003399" y="1509950"/>
+            <a:ext cx="1046550" cy="1629428"/>
+            <a:chOff x="7189011" y="1454290"/>
+            <a:chExt cx="1046550" cy="1629428"/>
+          </a:xfrm>
+        </p:grpSpPr>
+        <p:grpSp>
+          <p:nvGrpSpPr>
+            <p:cNvPr id="62" name="Group 61">
+              <a:extLst>
+                <a:ext uri="{FF2B5EF4-FFF2-40B4-BE49-F238E27FC236}">
+                  <a16:creationId xmlns:a16="http://schemas.microsoft.com/office/drawing/2014/main" id="{59791CDB-05AC-4C78-9641-D7595B8F292C}"/>
+                </a:ext>
+              </a:extLst>
+            </p:cNvPr>
+            <p:cNvGrpSpPr/>
+            <p:nvPr/>
+          </p:nvGrpSpPr>
+          <p:grpSpPr>
+            <a:xfrm>
+              <a:off x="7189011" y="1454290"/>
+              <a:ext cx="1046550" cy="1629428"/>
+              <a:chOff x="7189011" y="1454290"/>
+              <a:chExt cx="1046550" cy="1629428"/>
+            </a:xfrm>
+          </p:grpSpPr>
+          <p:sp>
+            <p:nvSpPr>
+              <p:cNvPr id="6" name="Oval 5">
+                <a:extLst>
+                  <a:ext uri="{FF2B5EF4-FFF2-40B4-BE49-F238E27FC236}">
+                    <a16:creationId xmlns:a16="http://schemas.microsoft.com/office/drawing/2014/main" id="{B5F531CD-8858-43F4-B3EA-7421952E398B}"/>
+                  </a:ext>
+                </a:extLst>
+              </p:cNvPr>
+              <p:cNvSpPr/>
+              <p:nvPr/>
+            </p:nvSpPr>
+            <p:spPr>
+              <a:xfrm>
+                <a:off x="7253298" y="2240756"/>
+                <a:ext cx="842962" cy="842962"/>
+              </a:xfrm>
+              <a:prstGeom prst="ellipse">
+                <a:avLst/>
+              </a:prstGeom>
+            </p:spPr>
+            <p:style>
+              <a:lnRef idx="2">
+                <a:schemeClr val="dk1"/>
+              </a:lnRef>
+              <a:fillRef idx="1">
+                <a:schemeClr val="lt1"/>
+              </a:fillRef>
+              <a:effectRef idx="0">
+                <a:schemeClr val="dk1"/>
+              </a:effectRef>
+              <a:fontRef idx="minor">
+                <a:schemeClr val="dk1"/>
+              </a:fontRef>
+            </p:style>
+            <p:txBody>
+              <a:bodyPr rtlCol="0" anchor="ctr"/>
+              <a:lstStyle/>
+              <a:p>
+                <a:pPr algn="ctr"/>
+                <a:endParaRPr lang="en-US" sz="2800" b="1" dirty="0"/>
+              </a:p>
+            </p:txBody>
+          </p:sp>
+          <p:sp>
+            <p:nvSpPr>
+              <p:cNvPr id="41" name="TextBox 40">
+                <a:extLst>
+                  <a:ext uri="{FF2B5EF4-FFF2-40B4-BE49-F238E27FC236}">
+                    <a16:creationId xmlns:a16="http://schemas.microsoft.com/office/drawing/2014/main" id="{0D13B5AD-DA7B-4C28-B933-DE25B571BAB1}"/>
+                  </a:ext>
+                </a:extLst>
+              </p:cNvPr>
+              <p:cNvSpPr txBox="1"/>
+              <p:nvPr/>
+            </p:nvSpPr>
+            <p:spPr>
+              <a:xfrm>
+                <a:off x="7215215" y="2477571"/>
+                <a:ext cx="554820" cy="369332"/>
+              </a:xfrm>
+              <a:prstGeom prst="rect">
+                <a:avLst/>
+              </a:prstGeom>
+              <a:noFill/>
+            </p:spPr>
+            <p:txBody>
+              <a:bodyPr wrap="square" rtlCol="0">
+                <a:spAutoFit/>
+              </a:bodyPr>
+              <a:lstStyle/>
+              <a:p>
+                <a:r>
+                  <a:rPr lang="en-US" b="1" dirty="0"/>
+                  <a:t>-0.1</a:t>
+                </a:r>
+              </a:p>
+            </p:txBody>
+          </p:sp>
+          <p:sp>
+            <p:nvSpPr>
+              <p:cNvPr id="42" name="TextBox 41">
+                <a:extLst>
+                  <a:ext uri="{FF2B5EF4-FFF2-40B4-BE49-F238E27FC236}">
+                    <a16:creationId xmlns:a16="http://schemas.microsoft.com/office/drawing/2014/main" id="{4B615F56-F8A2-4072-BB98-F0DC095C7E6F}"/>
+                  </a:ext>
+                </a:extLst>
+              </p:cNvPr>
+              <p:cNvSpPr txBox="1"/>
+              <p:nvPr/>
+            </p:nvSpPr>
+            <p:spPr>
+              <a:xfrm>
+                <a:off x="7587871" y="2477571"/>
+                <a:ext cx="647690" cy="369332"/>
+              </a:xfrm>
+              <a:prstGeom prst="rect">
+                <a:avLst/>
+              </a:prstGeom>
+              <a:noFill/>
+            </p:spPr>
+            <p:txBody>
+              <a:bodyPr wrap="square" rtlCol="0">
+                <a:spAutoFit/>
+              </a:bodyPr>
+              <a:lstStyle/>
+              <a:p>
+                <a:r>
+                  <a:rPr lang="en-US" b="1" dirty="0"/>
+                  <a:t>0.48</a:t>
+                </a:r>
+              </a:p>
+            </p:txBody>
+          </p:sp>
+          <p:sp>
+            <p:nvSpPr>
+              <p:cNvPr id="57" name="Arrow: Curved Down 56">
+                <a:extLst>
+                  <a:ext uri="{FF2B5EF4-FFF2-40B4-BE49-F238E27FC236}">
+                    <a16:creationId xmlns:a16="http://schemas.microsoft.com/office/drawing/2014/main" id="{228F957C-B8FC-4385-BAE2-F2D37A995412}"/>
+                  </a:ext>
+                </a:extLst>
+              </p:cNvPr>
+              <p:cNvSpPr/>
+              <p:nvPr/>
+            </p:nvSpPr>
+            <p:spPr>
+              <a:xfrm>
+                <a:off x="7431896" y="1823622"/>
+                <a:ext cx="476253" cy="338968"/>
+              </a:xfrm>
+              <a:prstGeom prst="curvedDownArrow">
+                <a:avLst/>
+              </a:prstGeom>
+            </p:spPr>
+            <p:style>
+              <a:lnRef idx="2">
+                <a:schemeClr val="dk1"/>
+              </a:lnRef>
+              <a:fillRef idx="1">
+                <a:schemeClr val="lt1"/>
+              </a:fillRef>
+              <a:effectRef idx="0">
+                <a:schemeClr val="dk1"/>
+              </a:effectRef>
+              <a:fontRef idx="minor">
+                <a:schemeClr val="dk1"/>
+              </a:fontRef>
+            </p:style>
+            <p:txBody>
+              <a:bodyPr rtlCol="0" anchor="ctr"/>
+              <a:lstStyle/>
+              <a:p>
+                <a:pPr algn="ctr"/>
+                <a:endParaRPr lang="en-US">
+                  <a:solidFill>
+                    <a:schemeClr val="tx1"/>
+                  </a:solidFill>
+                </a:endParaRPr>
+              </a:p>
+            </p:txBody>
+          </p:sp>
+          <p:sp>
+            <p:nvSpPr>
+              <p:cNvPr id="58" name="TextBox 57">
+                <a:extLst>
+                  <a:ext uri="{FF2B5EF4-FFF2-40B4-BE49-F238E27FC236}">
+                    <a16:creationId xmlns:a16="http://schemas.microsoft.com/office/drawing/2014/main" id="{E9097156-1A57-452C-A4A7-45C91F4CA69E}"/>
+                  </a:ext>
+                </a:extLst>
+              </p:cNvPr>
+              <p:cNvSpPr txBox="1"/>
+              <p:nvPr/>
+            </p:nvSpPr>
+            <p:spPr>
+              <a:xfrm>
+                <a:off x="7189011" y="1454290"/>
+                <a:ext cx="1000122" cy="369332"/>
+              </a:xfrm>
+              <a:prstGeom prst="rect">
+                <a:avLst/>
+              </a:prstGeom>
+              <a:noFill/>
+            </p:spPr>
+            <p:txBody>
+              <a:bodyPr wrap="square" rtlCol="0">
+                <a:spAutoFit/>
+              </a:bodyPr>
+              <a:lstStyle/>
+              <a:p>
+                <a:r>
+                  <a:rPr lang="en-US" b="1" i="1" dirty="0"/>
+                  <a:t>Sigmoid</a:t>
+                </a:r>
+              </a:p>
+            </p:txBody>
+          </p:sp>
+        </p:grpSp>
+        <p:cxnSp>
+          <p:nvCxnSpPr>
+            <p:cNvPr id="26" name="Straight Connector 25">
+              <a:extLst>
+                <a:ext uri="{FF2B5EF4-FFF2-40B4-BE49-F238E27FC236}">
+                  <a16:creationId xmlns:a16="http://schemas.microsoft.com/office/drawing/2014/main" id="{5FF14257-CAB6-4778-BF73-FD3831D59BEA}"/>
+                </a:ext>
+              </a:extLst>
+            </p:cNvPr>
+            <p:cNvCxnSpPr>
+              <a:stCxn id="6" idx="0"/>
+              <a:endCxn id="6" idx="4"/>
+            </p:cNvCxnSpPr>
+            <p:nvPr/>
+          </p:nvCxnSpPr>
+          <p:spPr>
+            <a:xfrm>
+              <a:off x="7674779" y="2240756"/>
+              <a:ext cx="0" cy="842962"/>
+            </a:xfrm>
+            <a:prstGeom prst="line">
+              <a:avLst/>
+            </a:prstGeom>
+          </p:spPr>
+          <p:style>
+            <a:lnRef idx="2">
+              <a:schemeClr val="dk1"/>
+            </a:lnRef>
+            <a:fillRef idx="0">
+              <a:schemeClr val="dk1"/>
+            </a:fillRef>
+            <a:effectRef idx="1">
+              <a:schemeClr val="dk1"/>
+            </a:effectRef>
+            <a:fontRef idx="minor">
+              <a:schemeClr val="tx1"/>
+            </a:fontRef>
+          </p:style>
+        </p:cxnSp>
+      </p:grpSp>
       <p:sp>
         <p:nvSpPr>
-          <p:cNvPr id="71" name="TextBox 70">
-            <a:extLst>
-              <a:ext uri="{FF2B5EF4-FFF2-40B4-BE49-F238E27FC236}">
-                <a16:creationId xmlns:a16="http://schemas.microsoft.com/office/drawing/2014/main" id="{FF546EFC-BDFE-443C-887B-9DF81087F39D}"/>
+          <p:cNvPr id="43" name="TextBox 42">
+            <a:extLst>
+              <a:ext uri="{FF2B5EF4-FFF2-40B4-BE49-F238E27FC236}">
+                <a16:creationId xmlns:a16="http://schemas.microsoft.com/office/drawing/2014/main" id="{EA885F4A-C135-4106-96B1-935E44240107}"/>
               </a:ext>
             </a:extLst>
           </p:cNvPr>
@@ -4959,8 +6488,8 @@
         </p:nvSpPr>
         <p:spPr>
           <a:xfrm>
-            <a:off x="4850072" y="1825405"/>
-            <a:ext cx="705403" cy="461665"/>
+            <a:off x="3930254" y="1150144"/>
+            <a:ext cx="1000122" cy="369332"/>
           </a:xfrm>
           <a:prstGeom prst="rect">
             <a:avLst/>
@@ -4974,41 +6503,26 @@
           <a:lstStyle/>
           <a:p>
             <a:r>
-              <a:rPr lang="en-US" sz="2400" b="1" i="1" dirty="0">
-                <a:solidFill>
-                  <a:srgbClr val="B7D5A2"/>
-                </a:solidFill>
-                <a:latin typeface="Times New Roman" panose="02020603050405020304" pitchFamily="18" charset="0"/>
-                <a:cs typeface="Times New Roman" panose="02020603050405020304" pitchFamily="18" charset="0"/>
-              </a:rPr>
-              <a:t>w</a:t>
+              <a:rPr lang="en-US" b="1" i="1" dirty="0"/>
+              <a:t>W</a:t>
             </a:r>
             <a:r>
-              <a:rPr lang="en-US" altLang="zh-CN" sz="2400" b="1" i="1" baseline="-25000" dirty="0">
-                <a:solidFill>
-                  <a:srgbClr val="B7D5A2"/>
-                </a:solidFill>
-                <a:latin typeface="Times New Roman" panose="02020603050405020304" pitchFamily="18" charset="0"/>
-                <a:cs typeface="Times New Roman" panose="02020603050405020304" pitchFamily="18" charset="0"/>
-              </a:rPr>
-              <a:t>20</a:t>
+              <a:rPr lang="en-US" b="1" i="1" baseline="-25000" dirty="0"/>
+              <a:t>11</a:t>
             </a:r>
-            <a:endParaRPr lang="en-US" sz="2400" b="1" i="1" dirty="0">
-              <a:solidFill>
-                <a:srgbClr val="B7D5A2"/>
-              </a:solidFill>
-              <a:latin typeface="Times New Roman" panose="02020603050405020304" pitchFamily="18" charset="0"/>
-              <a:cs typeface="Times New Roman" panose="02020603050405020304" pitchFamily="18" charset="0"/>
-            </a:endParaRPr>
+            <a:r>
+              <a:rPr lang="en-US" b="1" i="1" dirty="0"/>
+              <a:t>=0.1</a:t>
+            </a:r>
           </a:p>
         </p:txBody>
       </p:sp>
       <p:sp>
         <p:nvSpPr>
-          <p:cNvPr id="72" name="TextBox 71">
-            <a:extLst>
-              <a:ext uri="{FF2B5EF4-FFF2-40B4-BE49-F238E27FC236}">
-                <a16:creationId xmlns:a16="http://schemas.microsoft.com/office/drawing/2014/main" id="{181621D0-49D4-473B-8395-7F9D65041583}"/>
+          <p:cNvPr id="44" name="TextBox 43">
+            <a:extLst>
+              <a:ext uri="{FF2B5EF4-FFF2-40B4-BE49-F238E27FC236}">
+                <a16:creationId xmlns:a16="http://schemas.microsoft.com/office/drawing/2014/main" id="{52A321C8-2F27-4FD3-A70F-21404A30FC2F}"/>
               </a:ext>
             </a:extLst>
           </p:cNvPr>
@@ -5017,8 +6531,8 @@
         </p:nvSpPr>
         <p:spPr>
           <a:xfrm>
-            <a:off x="4847351" y="2699736"/>
-            <a:ext cx="662907" cy="461665"/>
+            <a:off x="4655343" y="2106274"/>
+            <a:ext cx="1000122" cy="369332"/>
           </a:xfrm>
           <a:prstGeom prst="rect">
             <a:avLst/>
@@ -5032,41 +6546,26 @@
           <a:lstStyle/>
           <a:p>
             <a:r>
-              <a:rPr lang="en-US" sz="2400" b="1" i="1" dirty="0">
-                <a:solidFill>
-                  <a:srgbClr val="B7D5A2"/>
-                </a:solidFill>
-                <a:latin typeface="Times New Roman" panose="02020603050405020304" pitchFamily="18" charset="0"/>
-                <a:cs typeface="Times New Roman" panose="02020603050405020304" pitchFamily="18" charset="0"/>
-              </a:rPr>
-              <a:t>w</a:t>
+              <a:rPr lang="en-US" b="1" i="1" dirty="0"/>
+              <a:t>W</a:t>
             </a:r>
             <a:r>
-              <a:rPr lang="en-US" altLang="zh-CN" sz="2400" b="1" i="1" baseline="-25000" dirty="0">
-                <a:solidFill>
-                  <a:srgbClr val="B7D5A2"/>
-                </a:solidFill>
-                <a:latin typeface="Times New Roman" panose="02020603050405020304" pitchFamily="18" charset="0"/>
-                <a:cs typeface="Times New Roman" panose="02020603050405020304" pitchFamily="18" charset="0"/>
-              </a:rPr>
-              <a:t>21</a:t>
+              <a:rPr lang="en-US" b="1" i="1" baseline="-25000" dirty="0"/>
+              <a:t>12</a:t>
             </a:r>
-            <a:endParaRPr lang="en-US" sz="2400" b="1" i="1" dirty="0">
-              <a:solidFill>
-                <a:srgbClr val="B7D5A2"/>
-              </a:solidFill>
-              <a:latin typeface="Times New Roman" panose="02020603050405020304" pitchFamily="18" charset="0"/>
-              <a:cs typeface="Times New Roman" panose="02020603050405020304" pitchFamily="18" charset="0"/>
-            </a:endParaRPr>
+            <a:r>
+              <a:rPr lang="en-US" b="1" i="1" dirty="0"/>
+              <a:t>=0.2</a:t>
+            </a:r>
           </a:p>
         </p:txBody>
       </p:sp>
       <p:sp>
         <p:nvSpPr>
-          <p:cNvPr id="73" name="TextBox 72">
-            <a:extLst>
-              <a:ext uri="{FF2B5EF4-FFF2-40B4-BE49-F238E27FC236}">
-                <a16:creationId xmlns:a16="http://schemas.microsoft.com/office/drawing/2014/main" id="{F6B63288-FE59-48A8-A7E4-C2BE27F27BB6}"/>
+          <p:cNvPr id="45" name="TextBox 44">
+            <a:extLst>
+              <a:ext uri="{FF2B5EF4-FFF2-40B4-BE49-F238E27FC236}">
+                <a16:creationId xmlns:a16="http://schemas.microsoft.com/office/drawing/2014/main" id="{EE46C079-13DC-4A94-B987-40223E5186F9}"/>
               </a:ext>
             </a:extLst>
           </p:cNvPr>
@@ -5075,8 +6574,8 @@
         </p:nvSpPr>
         <p:spPr>
           <a:xfrm>
-            <a:off x="4851410" y="3446771"/>
-            <a:ext cx="704065" cy="461665"/>
+            <a:off x="4660106" y="2826125"/>
+            <a:ext cx="1076322" cy="369332"/>
           </a:xfrm>
           <a:prstGeom prst="rect">
             <a:avLst/>
@@ -5090,41 +6589,26 @@
           <a:lstStyle/>
           <a:p>
             <a:r>
-              <a:rPr lang="en-US" sz="2400" b="1" i="1" dirty="0">
-                <a:solidFill>
-                  <a:srgbClr val="B7D5A2"/>
-                </a:solidFill>
-                <a:latin typeface="Times New Roman" panose="02020603050405020304" pitchFamily="18" charset="0"/>
-                <a:cs typeface="Times New Roman" panose="02020603050405020304" pitchFamily="18" charset="0"/>
-              </a:rPr>
-              <a:t>w</a:t>
+              <a:rPr lang="en-US" b="1" i="1" dirty="0"/>
+              <a:t>W</a:t>
             </a:r>
             <a:r>
-              <a:rPr lang="en-US" altLang="zh-CN" sz="2400" b="1" i="1" baseline="-25000" dirty="0">
-                <a:solidFill>
-                  <a:srgbClr val="B7D5A2"/>
-                </a:solidFill>
-                <a:latin typeface="Times New Roman" panose="02020603050405020304" pitchFamily="18" charset="0"/>
-                <a:cs typeface="Times New Roman" panose="02020603050405020304" pitchFamily="18" charset="0"/>
-              </a:rPr>
-              <a:t>22</a:t>
+              <a:rPr lang="en-US" b="1" i="1" baseline="-25000" dirty="0"/>
+              <a:t>21</a:t>
             </a:r>
-            <a:endParaRPr lang="en-US" sz="2400" b="1" i="1" dirty="0">
-              <a:solidFill>
-                <a:srgbClr val="B7D5A2"/>
-              </a:solidFill>
-              <a:latin typeface="Times New Roman" panose="02020603050405020304" pitchFamily="18" charset="0"/>
-              <a:cs typeface="Times New Roman" panose="02020603050405020304" pitchFamily="18" charset="0"/>
-            </a:endParaRPr>
+            <a:r>
+              <a:rPr lang="en-US" b="1" i="1" dirty="0"/>
+              <a:t>=-0.4</a:t>
+            </a:r>
           </a:p>
         </p:txBody>
       </p:sp>
       <p:sp>
         <p:nvSpPr>
-          <p:cNvPr id="74" name="TextBox 73">
-            <a:extLst>
-              <a:ext uri="{FF2B5EF4-FFF2-40B4-BE49-F238E27FC236}">
-                <a16:creationId xmlns:a16="http://schemas.microsoft.com/office/drawing/2014/main" id="{C91BED6D-35C5-4FD6-AF21-85E81BE4439C}"/>
+          <p:cNvPr id="46" name="TextBox 45">
+            <a:extLst>
+              <a:ext uri="{FF2B5EF4-FFF2-40B4-BE49-F238E27FC236}">
+                <a16:creationId xmlns:a16="http://schemas.microsoft.com/office/drawing/2014/main" id="{6DDD93E9-F8E3-43AD-BEEE-180FFC1E3039}"/>
               </a:ext>
             </a:extLst>
           </p:cNvPr>
@@ -5133,8 +6617,8 @@
         </p:nvSpPr>
         <p:spPr>
           <a:xfrm>
-            <a:off x="4850073" y="4200348"/>
-            <a:ext cx="629230" cy="461665"/>
+            <a:off x="3935013" y="3788803"/>
+            <a:ext cx="1000122" cy="369332"/>
           </a:xfrm>
           <a:prstGeom prst="rect">
             <a:avLst/>
@@ -5148,41 +6632,68 @@
           <a:lstStyle/>
           <a:p>
             <a:r>
-              <a:rPr lang="en-US" sz="2400" b="1" i="1" dirty="0">
-                <a:solidFill>
-                  <a:srgbClr val="B7D5A2"/>
-                </a:solidFill>
-                <a:latin typeface="Times New Roman" panose="02020603050405020304" pitchFamily="18" charset="0"/>
-                <a:cs typeface="Times New Roman" panose="02020603050405020304" pitchFamily="18" charset="0"/>
-              </a:rPr>
-              <a:t>w</a:t>
+              <a:rPr lang="en-US" b="1" i="1" dirty="0"/>
+              <a:t>W</a:t>
             </a:r>
             <a:r>
-              <a:rPr lang="en-US" altLang="zh-CN" sz="2400" b="1" i="1" baseline="-25000" dirty="0">
-                <a:solidFill>
-                  <a:srgbClr val="B7D5A2"/>
-                </a:solidFill>
-                <a:latin typeface="Times New Roman" panose="02020603050405020304" pitchFamily="18" charset="0"/>
-                <a:cs typeface="Times New Roman" panose="02020603050405020304" pitchFamily="18" charset="0"/>
-              </a:rPr>
-              <a:t>23</a:t>
+              <a:rPr lang="en-US" b="1" i="1" baseline="-25000" dirty="0"/>
+              <a:t>22</a:t>
             </a:r>
-            <a:endParaRPr lang="en-US" sz="2400" b="1" i="1" dirty="0">
-              <a:solidFill>
-                <a:srgbClr val="B7D5A2"/>
-              </a:solidFill>
-              <a:latin typeface="Times New Roman" panose="02020603050405020304" pitchFamily="18" charset="0"/>
-              <a:cs typeface="Times New Roman" panose="02020603050405020304" pitchFamily="18" charset="0"/>
-            </a:endParaRPr>
+            <a:r>
+              <a:rPr lang="en-US" b="1" i="1" dirty="0"/>
+              <a:t>=0.3</a:t>
+            </a:r>
           </a:p>
         </p:txBody>
       </p:sp>
+      <p:cxnSp>
+        <p:nvCxnSpPr>
+          <p:cNvPr id="16" name="Straight Arrow Connector 15">
+            <a:extLst>
+              <a:ext uri="{FF2B5EF4-FFF2-40B4-BE49-F238E27FC236}">
+                <a16:creationId xmlns:a16="http://schemas.microsoft.com/office/drawing/2014/main" id="{C097FBE3-211E-4F93-82F0-0D6CD5D1063E}"/>
+              </a:ext>
+            </a:extLst>
+          </p:cNvPr>
+          <p:cNvCxnSpPr>
+            <a:stCxn id="4" idx="6"/>
+            <a:endCxn id="6" idx="2"/>
+          </p:cNvCxnSpPr>
+          <p:nvPr/>
+        </p:nvCxnSpPr>
+        <p:spPr>
+          <a:xfrm>
+            <a:off x="5945980" y="1571625"/>
+            <a:ext cx="2121706" cy="1146272"/>
+          </a:xfrm>
+          <a:prstGeom prst="straightConnector1">
+            <a:avLst/>
+          </a:prstGeom>
+          <a:ln>
+            <a:tailEnd type="triangle"/>
+          </a:ln>
+        </p:spPr>
+        <p:style>
+          <a:lnRef idx="3">
+            <a:schemeClr val="accent6"/>
+          </a:lnRef>
+          <a:fillRef idx="0">
+            <a:schemeClr val="accent6"/>
+          </a:fillRef>
+          <a:effectRef idx="2">
+            <a:schemeClr val="accent6"/>
+          </a:effectRef>
+          <a:fontRef idx="minor">
+            <a:schemeClr val="tx1"/>
+          </a:fontRef>
+        </p:style>
+      </p:cxnSp>
       <p:sp>
         <p:nvSpPr>
-          <p:cNvPr id="75" name="TextBox 74">
-            <a:extLst>
-              <a:ext uri="{FF2B5EF4-FFF2-40B4-BE49-F238E27FC236}">
-                <a16:creationId xmlns:a16="http://schemas.microsoft.com/office/drawing/2014/main" id="{2CC8DF1A-0AE6-4D61-8E73-D3A5431E215F}"/>
+          <p:cNvPr id="47" name="TextBox 46">
+            <a:extLst>
+              <a:ext uri="{FF2B5EF4-FFF2-40B4-BE49-F238E27FC236}">
+                <a16:creationId xmlns:a16="http://schemas.microsoft.com/office/drawing/2014/main" id="{EE2396F8-DB54-49C8-A6DC-F42E751B2B99}"/>
               </a:ext>
             </a:extLst>
           </p:cNvPr>
@@ -5191,8 +6702,8 @@
         </p:nvSpPr>
         <p:spPr>
           <a:xfrm>
-            <a:off x="6045995" y="4805853"/>
-            <a:ext cx="842962" cy="461665"/>
+            <a:off x="6630626" y="1679434"/>
+            <a:ext cx="1000122" cy="369332"/>
           </a:xfrm>
           <a:prstGeom prst="rect">
             <a:avLst/>
@@ -5206,39 +6717,3242 @@
           <a:lstStyle/>
           <a:p>
             <a:r>
-              <a:rPr lang="en-US" sz="2400" b="1" i="1" dirty="0">
-                <a:solidFill>
-                  <a:srgbClr val="B7D5A2"/>
-                </a:solidFill>
-                <a:latin typeface="Times New Roman" panose="02020603050405020304" pitchFamily="18" charset="0"/>
-                <a:cs typeface="Times New Roman" panose="02020603050405020304" pitchFamily="18" charset="0"/>
-              </a:rPr>
-              <a:t>w</a:t>
+              <a:rPr lang="en-US" b="1" i="1" dirty="0"/>
+              <a:t>W</a:t>
             </a:r>
             <a:r>
-              <a:rPr lang="en-US" altLang="zh-CN" sz="2400" b="1" i="1" baseline="-25000" dirty="0">
-                <a:solidFill>
-                  <a:srgbClr val="B7D5A2"/>
-                </a:solidFill>
-                <a:latin typeface="Times New Roman" panose="02020603050405020304" pitchFamily="18" charset="0"/>
-                <a:cs typeface="Times New Roman" panose="02020603050405020304" pitchFamily="18" charset="0"/>
-              </a:rPr>
-              <a:t>24</a:t>
+              <a:rPr lang="en-US" b="1" i="1" baseline="-25000" dirty="0"/>
+              <a:t>21</a:t>
             </a:r>
-            <a:endParaRPr lang="en-US" sz="2400" b="1" i="1" dirty="0">
-              <a:solidFill>
-                <a:srgbClr val="B7D5A2"/>
-              </a:solidFill>
-              <a:latin typeface="Times New Roman" panose="02020603050405020304" pitchFamily="18" charset="0"/>
-              <a:cs typeface="Times New Roman" panose="02020603050405020304" pitchFamily="18" charset="0"/>
-            </a:endParaRPr>
+            <a:r>
+              <a:rPr lang="en-US" b="1" i="1" dirty="0"/>
+              <a:t>=0.1</a:t>
+            </a:r>
+          </a:p>
+        </p:txBody>
+      </p:sp>
+      <p:sp>
+        <p:nvSpPr>
+          <p:cNvPr id="48" name="TextBox 47">
+            <a:extLst>
+              <a:ext uri="{FF2B5EF4-FFF2-40B4-BE49-F238E27FC236}">
+                <a16:creationId xmlns:a16="http://schemas.microsoft.com/office/drawing/2014/main" id="{95D5DC0A-F513-46F3-A680-C8F491791C94}"/>
+              </a:ext>
+            </a:extLst>
+          </p:cNvPr>
+          <p:cNvSpPr txBox="1"/>
+          <p:nvPr/>
+        </p:nvSpPr>
+        <p:spPr>
+          <a:xfrm>
+            <a:off x="6638994" y="3282849"/>
+            <a:ext cx="1000122" cy="369332"/>
+          </a:xfrm>
+          <a:prstGeom prst="rect">
+            <a:avLst/>
+          </a:prstGeom>
+          <a:noFill/>
+        </p:spPr>
+        <p:txBody>
+          <a:bodyPr wrap="square" rtlCol="0">
+            <a:spAutoFit/>
+          </a:bodyPr>
+          <a:lstStyle/>
+          <a:p>
+            <a:r>
+              <a:rPr lang="en-US" b="1" i="1" dirty="0"/>
+              <a:t>W</a:t>
+            </a:r>
+            <a:r>
+              <a:rPr lang="en-US" b="1" i="1" baseline="-25000" dirty="0"/>
+              <a:t>22</a:t>
+            </a:r>
+            <a:r>
+              <a:rPr lang="en-US" b="1" i="1" dirty="0"/>
+              <a:t>=0.2</a:t>
+            </a:r>
           </a:p>
         </p:txBody>
       </p:sp>
     </p:spTree>
     <p:extLst>
       <p:ext uri="{BB962C8B-B14F-4D97-AF65-F5344CB8AC3E}">
-        <p14:creationId xmlns:p14="http://schemas.microsoft.com/office/powerpoint/2010/main" val="1337918567"/>
+        <p14:creationId xmlns:p14="http://schemas.microsoft.com/office/powerpoint/2010/main" val="163359793"/>
+      </p:ext>
+    </p:extLst>
+  </p:cSld>
+  <p:clrMapOvr>
+    <a:masterClrMapping/>
+  </p:clrMapOvr>
+</p:sld>
+</file>
+
+<file path=ppt/slides/slide4.xml><?xml version="1.0" encoding="utf-8"?>
+<p:sld xmlns:a="http://schemas.openxmlformats.org/drawingml/2006/main" xmlns:r="http://schemas.openxmlformats.org/officeDocument/2006/relationships" xmlns:p="http://schemas.openxmlformats.org/presentationml/2006/main">
+  <p:cSld>
+    <p:spTree>
+      <p:nvGrpSpPr>
+        <p:cNvPr id="1" name=""/>
+        <p:cNvGrpSpPr/>
+        <p:nvPr/>
+      </p:nvGrpSpPr>
+      <p:grpSpPr>
+        <a:xfrm>
+          <a:off x="0" y="0"/>
+          <a:ext cx="0" cy="0"/>
+          <a:chOff x="0" y="0"/>
+          <a:chExt cx="0" cy="0"/>
+        </a:xfrm>
+      </p:grpSpPr>
+      <p:sp>
+        <p:nvSpPr>
+          <p:cNvPr id="71" name="Rectangle 70">
+            <a:extLst>
+              <a:ext uri="{FF2B5EF4-FFF2-40B4-BE49-F238E27FC236}">
+                <a16:creationId xmlns:a16="http://schemas.microsoft.com/office/drawing/2014/main" id="{69A60154-81CF-4B57-A52F-F9960425A059}"/>
+              </a:ext>
+            </a:extLst>
+          </p:cNvPr>
+          <p:cNvSpPr/>
+          <p:nvPr/>
+        </p:nvSpPr>
+        <p:spPr>
+          <a:xfrm>
+            <a:off x="2357437" y="271463"/>
+            <a:ext cx="7215187" cy="5014912"/>
+          </a:xfrm>
+          <a:prstGeom prst="rect">
+            <a:avLst/>
+          </a:prstGeom>
+        </p:spPr>
+        <p:style>
+          <a:lnRef idx="2">
+            <a:schemeClr val="dk1"/>
+          </a:lnRef>
+          <a:fillRef idx="1">
+            <a:schemeClr val="lt1"/>
+          </a:fillRef>
+          <a:effectRef idx="0">
+            <a:schemeClr val="dk1"/>
+          </a:effectRef>
+          <a:fontRef idx="minor">
+            <a:schemeClr val="dk1"/>
+          </a:fontRef>
+        </p:style>
+        <p:txBody>
+          <a:bodyPr rtlCol="0" anchor="ctr"/>
+          <a:lstStyle/>
+          <a:p>
+            <a:pPr algn="ctr"/>
+            <a:endParaRPr lang="en-US"/>
+          </a:p>
+        </p:txBody>
+      </p:sp>
+      <p:sp>
+        <p:nvSpPr>
+          <p:cNvPr id="2" name="Oval 1">
+            <a:extLst>
+              <a:ext uri="{FF2B5EF4-FFF2-40B4-BE49-F238E27FC236}">
+                <a16:creationId xmlns:a16="http://schemas.microsoft.com/office/drawing/2014/main" id="{17C9EBF2-803E-43B2-9F3A-8AB05DDF0A8B}"/>
+              </a:ext>
+            </a:extLst>
+          </p:cNvPr>
+          <p:cNvSpPr/>
+          <p:nvPr/>
+        </p:nvSpPr>
+        <p:spPr>
+          <a:xfrm>
+            <a:off x="2914650" y="1150144"/>
+            <a:ext cx="842962" cy="842962"/>
+          </a:xfrm>
+          <a:prstGeom prst="ellipse">
+            <a:avLst/>
+          </a:prstGeom>
+        </p:spPr>
+        <p:style>
+          <a:lnRef idx="2">
+            <a:schemeClr val="dk1"/>
+          </a:lnRef>
+          <a:fillRef idx="1">
+            <a:schemeClr val="lt1"/>
+          </a:fillRef>
+          <a:effectRef idx="0">
+            <a:schemeClr val="dk1"/>
+          </a:effectRef>
+          <a:fontRef idx="minor">
+            <a:schemeClr val="dk1"/>
+          </a:fontRef>
+        </p:style>
+        <p:txBody>
+          <a:bodyPr rtlCol="0" anchor="ctr"/>
+          <a:lstStyle/>
+          <a:p>
+            <a:pPr algn="ctr"/>
+            <a:r>
+              <a:rPr lang="en-US" b="1" dirty="0"/>
+              <a:t>5</a:t>
+            </a:r>
+          </a:p>
+        </p:txBody>
+      </p:sp>
+      <p:sp>
+        <p:nvSpPr>
+          <p:cNvPr id="3" name="Oval 2">
+            <a:extLst>
+              <a:ext uri="{FF2B5EF4-FFF2-40B4-BE49-F238E27FC236}">
+                <a16:creationId xmlns:a16="http://schemas.microsoft.com/office/drawing/2014/main" id="{0AA4EF2B-7269-403D-9F0F-D9581CEA494A}"/>
+              </a:ext>
+            </a:extLst>
+          </p:cNvPr>
+          <p:cNvSpPr/>
+          <p:nvPr/>
+        </p:nvSpPr>
+        <p:spPr>
+          <a:xfrm>
+            <a:off x="2914650" y="3331369"/>
+            <a:ext cx="842962" cy="842962"/>
+          </a:xfrm>
+          <a:prstGeom prst="ellipse">
+            <a:avLst/>
+          </a:prstGeom>
+        </p:spPr>
+        <p:style>
+          <a:lnRef idx="2">
+            <a:schemeClr val="dk1"/>
+          </a:lnRef>
+          <a:fillRef idx="1">
+            <a:schemeClr val="lt1"/>
+          </a:fillRef>
+          <a:effectRef idx="0">
+            <a:schemeClr val="dk1"/>
+          </a:effectRef>
+          <a:fontRef idx="minor">
+            <a:schemeClr val="dk1"/>
+          </a:fontRef>
+        </p:style>
+        <p:txBody>
+          <a:bodyPr rtlCol="0" anchor="ctr"/>
+          <a:lstStyle/>
+          <a:p>
+            <a:pPr algn="ctr"/>
+            <a:r>
+              <a:rPr lang="en-US" b="1" dirty="0"/>
+              <a:t>4</a:t>
+            </a:r>
+          </a:p>
+        </p:txBody>
+      </p:sp>
+      <p:grpSp>
+        <p:nvGrpSpPr>
+          <p:cNvPr id="65" name="Group 64">
+            <a:extLst>
+              <a:ext uri="{FF2B5EF4-FFF2-40B4-BE49-F238E27FC236}">
+                <a16:creationId xmlns:a16="http://schemas.microsoft.com/office/drawing/2014/main" id="{EDED2EB0-944C-4AA2-8BD1-C0FD234BEBFA}"/>
+              </a:ext>
+            </a:extLst>
+          </p:cNvPr>
+          <p:cNvGrpSpPr/>
+          <p:nvPr/>
+        </p:nvGrpSpPr>
+        <p:grpSpPr>
+          <a:xfrm>
+            <a:off x="4144583" y="230374"/>
+            <a:ext cx="2883682" cy="1762732"/>
+            <a:chOff x="4144583" y="230374"/>
+            <a:chExt cx="2883682" cy="1762732"/>
+          </a:xfrm>
+        </p:grpSpPr>
+        <p:grpSp>
+          <p:nvGrpSpPr>
+            <p:cNvPr id="63" name="Group 62">
+              <a:extLst>
+                <a:ext uri="{FF2B5EF4-FFF2-40B4-BE49-F238E27FC236}">
+                  <a16:creationId xmlns:a16="http://schemas.microsoft.com/office/drawing/2014/main" id="{931C7B19-3D1E-4F84-98F4-E9377C4151FD}"/>
+                </a:ext>
+              </a:extLst>
+            </p:cNvPr>
+            <p:cNvGrpSpPr/>
+            <p:nvPr/>
+          </p:nvGrpSpPr>
+          <p:grpSpPr>
+            <a:xfrm>
+              <a:off x="4144583" y="230374"/>
+              <a:ext cx="2883682" cy="1762732"/>
+              <a:chOff x="4144583" y="230374"/>
+              <a:chExt cx="2883682" cy="1762732"/>
+            </a:xfrm>
+          </p:grpSpPr>
+          <p:sp>
+            <p:nvSpPr>
+              <p:cNvPr id="4" name="Oval 3">
+                <a:extLst>
+                  <a:ext uri="{FF2B5EF4-FFF2-40B4-BE49-F238E27FC236}">
+                    <a16:creationId xmlns:a16="http://schemas.microsoft.com/office/drawing/2014/main" id="{C7ACBA25-28CF-4A62-94DE-A6D52B9F7D76}"/>
+                  </a:ext>
+                </a:extLst>
+              </p:cNvPr>
+              <p:cNvSpPr/>
+              <p:nvPr/>
+            </p:nvSpPr>
+            <p:spPr>
+              <a:xfrm>
+                <a:off x="5103018" y="1150144"/>
+                <a:ext cx="842962" cy="842962"/>
+              </a:xfrm>
+              <a:prstGeom prst="ellipse">
+                <a:avLst/>
+              </a:prstGeom>
+            </p:spPr>
+            <p:style>
+              <a:lnRef idx="2">
+                <a:schemeClr val="dk1"/>
+              </a:lnRef>
+              <a:fillRef idx="1">
+                <a:schemeClr val="lt1"/>
+              </a:fillRef>
+              <a:effectRef idx="0">
+                <a:schemeClr val="dk1"/>
+              </a:effectRef>
+              <a:fontRef idx="minor">
+                <a:schemeClr val="dk1"/>
+              </a:fontRef>
+            </p:style>
+            <p:txBody>
+              <a:bodyPr rtlCol="0" anchor="ctr"/>
+              <a:lstStyle/>
+              <a:p>
+                <a:pPr algn="ctr"/>
+                <a:endParaRPr lang="en-US" sz="2800" b="1" dirty="0"/>
+              </a:p>
+            </p:txBody>
+          </p:sp>
+          <p:sp>
+            <p:nvSpPr>
+              <p:cNvPr id="27" name="TextBox 26">
+                <a:extLst>
+                  <a:ext uri="{FF2B5EF4-FFF2-40B4-BE49-F238E27FC236}">
+                    <a16:creationId xmlns:a16="http://schemas.microsoft.com/office/drawing/2014/main" id="{A6EA7FEC-4D63-4A2E-9C4E-013E3B432550}"/>
+                  </a:ext>
+                </a:extLst>
+              </p:cNvPr>
+              <p:cNvSpPr txBox="1"/>
+              <p:nvPr/>
+            </p:nvSpPr>
+            <p:spPr>
+              <a:xfrm>
+                <a:off x="5103018" y="1386958"/>
+                <a:ext cx="535780" cy="369332"/>
+              </a:xfrm>
+              <a:prstGeom prst="rect">
+                <a:avLst/>
+              </a:prstGeom>
+              <a:noFill/>
+            </p:spPr>
+            <p:txBody>
+              <a:bodyPr wrap="square" rtlCol="0">
+                <a:spAutoFit/>
+              </a:bodyPr>
+              <a:lstStyle/>
+              <a:p>
+                <a:r>
+                  <a:rPr lang="en-US" b="1" dirty="0"/>
+                  <a:t>1.3</a:t>
+                </a:r>
+              </a:p>
+            </p:txBody>
+          </p:sp>
+          <p:sp>
+            <p:nvSpPr>
+              <p:cNvPr id="30" name="TextBox 29">
+                <a:extLst>
+                  <a:ext uri="{FF2B5EF4-FFF2-40B4-BE49-F238E27FC236}">
+                    <a16:creationId xmlns:a16="http://schemas.microsoft.com/office/drawing/2014/main" id="{C352B6C9-A4AB-448F-82B7-5CF8DD4206A8}"/>
+                  </a:ext>
+                </a:extLst>
+              </p:cNvPr>
+              <p:cNvSpPr txBox="1"/>
+              <p:nvPr/>
+            </p:nvSpPr>
+            <p:spPr>
+              <a:xfrm>
+                <a:off x="5519743" y="1384993"/>
+                <a:ext cx="309558" cy="369332"/>
+              </a:xfrm>
+              <a:prstGeom prst="rect">
+                <a:avLst/>
+              </a:prstGeom>
+              <a:noFill/>
+            </p:spPr>
+            <p:txBody>
+              <a:bodyPr wrap="square" rtlCol="0">
+                <a:spAutoFit/>
+              </a:bodyPr>
+              <a:lstStyle/>
+              <a:p>
+                <a:r>
+                  <a:rPr lang="en-US" b="1" dirty="0"/>
+                  <a:t>1</a:t>
+                </a:r>
+              </a:p>
+            </p:txBody>
+          </p:sp>
+          <p:sp>
+            <p:nvSpPr>
+              <p:cNvPr id="52" name="Arrow: Curved Down 51">
+                <a:extLst>
+                  <a:ext uri="{FF2B5EF4-FFF2-40B4-BE49-F238E27FC236}">
+                    <a16:creationId xmlns:a16="http://schemas.microsoft.com/office/drawing/2014/main" id="{0DA7A2E3-B07B-426D-8137-872F9C72EB34}"/>
+                  </a:ext>
+                </a:extLst>
+              </p:cNvPr>
+              <p:cNvSpPr/>
+              <p:nvPr/>
+            </p:nvSpPr>
+            <p:spPr>
+              <a:xfrm flipH="1">
+                <a:off x="5258994" y="728156"/>
+                <a:ext cx="459585" cy="369332"/>
+              </a:xfrm>
+              <a:prstGeom prst="curvedDownArrow">
+                <a:avLst/>
+              </a:prstGeom>
+            </p:spPr>
+            <p:style>
+              <a:lnRef idx="2">
+                <a:schemeClr val="dk1"/>
+              </a:lnRef>
+              <a:fillRef idx="1">
+                <a:schemeClr val="lt1"/>
+              </a:fillRef>
+              <a:effectRef idx="0">
+                <a:schemeClr val="dk1"/>
+              </a:effectRef>
+              <a:fontRef idx="minor">
+                <a:schemeClr val="dk1"/>
+              </a:fontRef>
+            </p:style>
+            <p:txBody>
+              <a:bodyPr rtlCol="0" anchor="ctr"/>
+              <a:lstStyle/>
+              <a:p>
+                <a:pPr algn="ctr"/>
+                <a:endParaRPr lang="en-US">
+                  <a:solidFill>
+                    <a:schemeClr val="tx1"/>
+                  </a:solidFill>
+                </a:endParaRPr>
+              </a:p>
+            </p:txBody>
+          </p:sp>
+          <mc:AlternateContent xmlns:mc="http://schemas.openxmlformats.org/markup-compatibility/2006">
+            <mc:Choice xmlns:a14="http://schemas.microsoft.com/office/drawing/2010/main" Requires="a14">
+              <p:sp>
+                <p:nvSpPr>
+                  <p:cNvPr id="53" name="TextBox 52">
+                    <a:extLst>
+                      <a:ext uri="{FF2B5EF4-FFF2-40B4-BE49-F238E27FC236}">
+                        <a16:creationId xmlns:a16="http://schemas.microsoft.com/office/drawing/2014/main" id="{33FC4F6D-74BB-4A63-A7E0-8C42A9568FFB}"/>
+                      </a:ext>
+                    </a:extLst>
+                  </p:cNvPr>
+                  <p:cNvSpPr txBox="1"/>
+                  <p:nvPr/>
+                </p:nvSpPr>
+                <p:spPr>
+                  <a:xfrm>
+                    <a:off x="4144583" y="230374"/>
+                    <a:ext cx="2883682" cy="596125"/>
+                  </a:xfrm>
+                  <a:prstGeom prst="rect">
+                    <a:avLst/>
+                  </a:prstGeom>
+                  <a:noFill/>
+                </p:spPr>
+                <p:txBody>
+                  <a:bodyPr wrap="square" rtlCol="0">
+                    <a:spAutoFit/>
+                  </a:bodyPr>
+                  <a:lstStyle/>
+                  <a:p>
+                    <a14:m>
+                      <m:oMathPara xmlns:m="http://schemas.openxmlformats.org/officeDocument/2006/math">
+                        <m:oMathParaPr>
+                          <m:jc m:val="centerGroup"/>
+                        </m:oMathParaPr>
+                        <m:oMath xmlns:m="http://schemas.openxmlformats.org/officeDocument/2006/math">
+                          <m:f>
+                            <m:fPr>
+                              <m:ctrlPr>
+                                <a:rPr lang="en-US" sz="1400" b="1" i="1" dirty="0" smtClean="0">
+                                  <a:latin typeface="Cambria Math" panose="02040503050406030204" pitchFamily="18" charset="0"/>
+                                </a:rPr>
+                              </m:ctrlPr>
+                            </m:fPr>
+                            <m:num>
+                              <m:r>
+                                <a:rPr lang="en-US" sz="1400" b="1" i="1">
+                                  <a:latin typeface="Cambria Math" panose="02040503050406030204" pitchFamily="18" charset="0"/>
+                                </a:rPr>
+                                <m:t>𝝏</m:t>
+                              </m:r>
+                              <m:sSubSup>
+                                <m:sSubSupPr>
+                                  <m:ctrlPr>
+                                    <a:rPr lang="en-US" sz="1400" b="1" i="1" dirty="0" smtClean="0">
+                                      <a:latin typeface="Cambria Math" panose="02040503050406030204" pitchFamily="18" charset="0"/>
+                                    </a:rPr>
+                                  </m:ctrlPr>
+                                </m:sSubSupPr>
+                                <m:e>
+                                  <m:r>
+                                    <a:rPr lang="en-US" sz="1400" b="1" i="1" dirty="0" smtClean="0">
+                                      <a:latin typeface="Cambria Math" panose="02040503050406030204" pitchFamily="18" charset="0"/>
+                                    </a:rPr>
+                                    <m:t>𝒂</m:t>
+                                  </m:r>
+                                </m:e>
+                                <m:sub>
+                                  <m:r>
+                                    <a:rPr lang="en-US" sz="1400" b="1" i="1" dirty="0" smtClean="0">
+                                      <a:latin typeface="Cambria Math" panose="02040503050406030204" pitchFamily="18" charset="0"/>
+                                    </a:rPr>
+                                    <m:t>𝟏</m:t>
+                                  </m:r>
+                                </m:sub>
+                                <m:sup>
+                                  <m:r>
+                                    <a:rPr lang="en-US" sz="1400" b="1" i="1" dirty="0" smtClean="0">
+                                      <a:latin typeface="Cambria Math" panose="02040503050406030204" pitchFamily="18" charset="0"/>
+                                    </a:rPr>
+                                    <m:t>𝟏</m:t>
+                                  </m:r>
+                                </m:sup>
+                              </m:sSubSup>
+                            </m:num>
+                            <m:den>
+                              <m:r>
+                                <a:rPr lang="en-US" sz="1400" b="1" i="1">
+                                  <a:latin typeface="Cambria Math" panose="02040503050406030204" pitchFamily="18" charset="0"/>
+                                </a:rPr>
+                                <m:t>𝝏</m:t>
+                              </m:r>
+                              <m:sSubSup>
+                                <m:sSubSupPr>
+                                  <m:ctrlPr>
+                                    <a:rPr lang="en-US" sz="1400" b="1" i="1" dirty="0" smtClean="0">
+                                      <a:latin typeface="Cambria Math" panose="02040503050406030204" pitchFamily="18" charset="0"/>
+                                    </a:rPr>
+                                  </m:ctrlPr>
+                                </m:sSubSupPr>
+                                <m:e>
+                                  <m:r>
+                                    <a:rPr lang="en-US" sz="1400" b="1" i="1" dirty="0" smtClean="0">
+                                      <a:latin typeface="Cambria Math" panose="02040503050406030204" pitchFamily="18" charset="0"/>
+                                    </a:rPr>
+                                    <m:t>𝒛</m:t>
+                                  </m:r>
+                                </m:e>
+                                <m:sub>
+                                  <m:r>
+                                    <a:rPr lang="en-US" sz="1400" b="1" i="1" dirty="0" smtClean="0">
+                                      <a:latin typeface="Cambria Math" panose="02040503050406030204" pitchFamily="18" charset="0"/>
+                                    </a:rPr>
+                                    <m:t>𝟏</m:t>
+                                  </m:r>
+                                </m:sub>
+                                <m:sup>
+                                  <m:r>
+                                    <a:rPr lang="en-US" sz="1400" b="1" i="1" dirty="0" smtClean="0">
+                                      <a:latin typeface="Cambria Math" panose="02040503050406030204" pitchFamily="18" charset="0"/>
+                                    </a:rPr>
+                                    <m:t>𝟏</m:t>
+                                  </m:r>
+                                </m:sup>
+                              </m:sSubSup>
+                            </m:den>
+                          </m:f>
+                          <m:r>
+                            <a:rPr lang="en-US" sz="1400" b="1" i="1" dirty="0" smtClean="0">
+                              <a:latin typeface="Cambria Math" panose="02040503050406030204" pitchFamily="18" charset="0"/>
+                            </a:rPr>
+                            <m:t>=</m:t>
+                          </m:r>
+                          <m:r>
+                            <a:rPr lang="en-US" sz="1400" b="1" i="0" dirty="0" smtClean="0">
+                              <a:latin typeface="Cambria Math" panose="02040503050406030204" pitchFamily="18" charset="0"/>
+                            </a:rPr>
+                            <m:t>𝛁</m:t>
+                          </m:r>
+                          <m:r>
+                            <a:rPr lang="en-US" sz="1400" b="1" i="0" dirty="0" smtClean="0">
+                              <a:latin typeface="Cambria Math" panose="02040503050406030204" pitchFamily="18" charset="0"/>
+                            </a:rPr>
+                            <m:t>𝐒𝐢𝐠𝐧</m:t>
+                          </m:r>
+                          <m:d>
+                            <m:dPr>
+                              <m:ctrlPr>
+                                <a:rPr lang="en-US" sz="1400" b="1" i="0" dirty="0" smtClean="0">
+                                  <a:latin typeface="Cambria Math" panose="02040503050406030204" pitchFamily="18" charset="0"/>
+                                </a:rPr>
+                              </m:ctrlPr>
+                            </m:dPr>
+                            <m:e>
+                              <m:r>
+                                <a:rPr lang="en-US" sz="1400" b="1" i="0" dirty="0" smtClean="0">
+                                  <a:latin typeface="Cambria Math" panose="02040503050406030204" pitchFamily="18" charset="0"/>
+                                </a:rPr>
+                                <m:t>𝟏</m:t>
+                              </m:r>
+                              <m:r>
+                                <a:rPr lang="en-US" sz="1400" b="1" i="0" dirty="0" smtClean="0">
+                                  <a:latin typeface="Cambria Math" panose="02040503050406030204" pitchFamily="18" charset="0"/>
+                                </a:rPr>
+                                <m:t>.</m:t>
+                              </m:r>
+                              <m:r>
+                                <a:rPr lang="en-US" sz="1400" b="1" i="0" dirty="0" smtClean="0">
+                                  <a:latin typeface="Cambria Math" panose="02040503050406030204" pitchFamily="18" charset="0"/>
+                                </a:rPr>
+                                <m:t>𝟑</m:t>
+                              </m:r>
+                            </m:e>
+                          </m:d>
+                          <m:r>
+                            <a:rPr lang="en-US" sz="1400" b="1" i="0" dirty="0" smtClean="0">
+                              <a:latin typeface="Cambria Math" panose="02040503050406030204" pitchFamily="18" charset="0"/>
+                            </a:rPr>
+                            <m:t>=</m:t>
+                          </m:r>
+                          <m:r>
+                            <a:rPr lang="en-US" sz="1400" b="1" i="0" dirty="0" smtClean="0">
+                              <a:latin typeface="Cambria Math" panose="02040503050406030204" pitchFamily="18" charset="0"/>
+                            </a:rPr>
+                            <m:t>𝟎</m:t>
+                          </m:r>
+                        </m:oMath>
+                      </m:oMathPara>
+                    </a14:m>
+                    <a:endParaRPr lang="en-US" sz="1400" b="1" i="1" dirty="0"/>
+                  </a:p>
+                </p:txBody>
+              </p:sp>
+            </mc:Choice>
+            <mc:Fallback>
+              <p:sp>
+                <p:nvSpPr>
+                  <p:cNvPr id="53" name="TextBox 52">
+                    <a:extLst>
+                      <a:ext uri="{FF2B5EF4-FFF2-40B4-BE49-F238E27FC236}">
+                        <a16:creationId xmlns:a16="http://schemas.microsoft.com/office/drawing/2014/main" id="{33FC4F6D-74BB-4A63-A7E0-8C42A9568FFB}"/>
+                      </a:ext>
+                    </a:extLst>
+                  </p:cNvPr>
+                  <p:cNvSpPr txBox="1">
+                    <a:spLocks noRot="1" noChangeAspect="1" noMove="1" noResize="1" noEditPoints="1" noAdjustHandles="1" noChangeArrowheads="1" noChangeShapeType="1" noTextEdit="1"/>
+                  </p:cNvSpPr>
+                  <p:nvPr/>
+                </p:nvSpPr>
+                <p:spPr>
+                  <a:xfrm>
+                    <a:off x="4144583" y="230374"/>
+                    <a:ext cx="2883682" cy="596125"/>
+                  </a:xfrm>
+                  <a:prstGeom prst="rect">
+                    <a:avLst/>
+                  </a:prstGeom>
+                  <a:blipFill>
+                    <a:blip r:embed="rId2"/>
+                    <a:stretch>
+                      <a:fillRect/>
+                    </a:stretch>
+                  </a:blipFill>
+                </p:spPr>
+                <p:txBody>
+                  <a:bodyPr/>
+                  <a:lstStyle/>
+                  <a:p>
+                    <a:r>
+                      <a:rPr lang="en-US">
+                        <a:noFill/>
+                      </a:rPr>
+                      <a:t> </a:t>
+                    </a:r>
+                  </a:p>
+                </p:txBody>
+              </p:sp>
+            </mc:Fallback>
+          </mc:AlternateContent>
+        </p:grpSp>
+        <p:cxnSp>
+          <p:nvCxnSpPr>
+            <p:cNvPr id="22" name="Straight Connector 21">
+              <a:extLst>
+                <a:ext uri="{FF2B5EF4-FFF2-40B4-BE49-F238E27FC236}">
+                  <a16:creationId xmlns:a16="http://schemas.microsoft.com/office/drawing/2014/main" id="{E8283E8E-30BE-46DD-A653-DC6FE467E1D8}"/>
+                </a:ext>
+              </a:extLst>
+            </p:cNvPr>
+            <p:cNvCxnSpPr>
+              <a:stCxn id="4" idx="0"/>
+              <a:endCxn id="4" idx="4"/>
+            </p:cNvCxnSpPr>
+            <p:nvPr/>
+          </p:nvCxnSpPr>
+          <p:spPr>
+            <a:xfrm>
+              <a:off x="5524499" y="1150144"/>
+              <a:ext cx="0" cy="842962"/>
+            </a:xfrm>
+            <a:prstGeom prst="line">
+              <a:avLst/>
+            </a:prstGeom>
+          </p:spPr>
+          <p:style>
+            <a:lnRef idx="2">
+              <a:schemeClr val="dk1"/>
+            </a:lnRef>
+            <a:fillRef idx="0">
+              <a:schemeClr val="dk1"/>
+            </a:fillRef>
+            <a:effectRef idx="1">
+              <a:schemeClr val="dk1"/>
+            </a:effectRef>
+            <a:fontRef idx="minor">
+              <a:schemeClr val="tx1"/>
+            </a:fontRef>
+          </p:style>
+        </p:cxnSp>
+      </p:grpSp>
+      <p:grpSp>
+        <p:nvGrpSpPr>
+          <p:cNvPr id="66" name="Group 65">
+            <a:extLst>
+              <a:ext uri="{FF2B5EF4-FFF2-40B4-BE49-F238E27FC236}">
+                <a16:creationId xmlns:a16="http://schemas.microsoft.com/office/drawing/2014/main" id="{E3982499-7A97-445C-859A-693200C3DCC7}"/>
+              </a:ext>
+            </a:extLst>
+          </p:cNvPr>
+          <p:cNvGrpSpPr/>
+          <p:nvPr/>
+        </p:nvGrpSpPr>
+        <p:grpSpPr>
+          <a:xfrm>
+            <a:off x="4394390" y="3331369"/>
+            <a:ext cx="2186387" cy="1863849"/>
+            <a:chOff x="4394390" y="3331369"/>
+            <a:chExt cx="2186387" cy="1863849"/>
+          </a:xfrm>
+        </p:grpSpPr>
+        <p:grpSp>
+          <p:nvGrpSpPr>
+            <p:cNvPr id="64" name="Group 63">
+              <a:extLst>
+                <a:ext uri="{FF2B5EF4-FFF2-40B4-BE49-F238E27FC236}">
+                  <a16:creationId xmlns:a16="http://schemas.microsoft.com/office/drawing/2014/main" id="{F80A5A05-4A43-4CBE-8A14-3004BC2168C4}"/>
+                </a:ext>
+              </a:extLst>
+            </p:cNvPr>
+            <p:cNvGrpSpPr/>
+            <p:nvPr/>
+          </p:nvGrpSpPr>
+          <p:grpSpPr>
+            <a:xfrm>
+              <a:off x="4394390" y="3331369"/>
+              <a:ext cx="2186387" cy="1863849"/>
+              <a:chOff x="4394390" y="3331369"/>
+              <a:chExt cx="2186387" cy="1863849"/>
+            </a:xfrm>
+          </p:grpSpPr>
+          <p:sp>
+            <p:nvSpPr>
+              <p:cNvPr id="5" name="Oval 4">
+                <a:extLst>
+                  <a:ext uri="{FF2B5EF4-FFF2-40B4-BE49-F238E27FC236}">
+                    <a16:creationId xmlns:a16="http://schemas.microsoft.com/office/drawing/2014/main" id="{D24979C9-50AC-4295-86F7-03FA3D454212}"/>
+                  </a:ext>
+                </a:extLst>
+              </p:cNvPr>
+              <p:cNvSpPr/>
+              <p:nvPr/>
+            </p:nvSpPr>
+            <p:spPr>
+              <a:xfrm>
+                <a:off x="5103018" y="3331369"/>
+                <a:ext cx="842962" cy="842962"/>
+              </a:xfrm>
+              <a:prstGeom prst="ellipse">
+                <a:avLst/>
+              </a:prstGeom>
+            </p:spPr>
+            <p:style>
+              <a:lnRef idx="2">
+                <a:schemeClr val="dk1"/>
+              </a:lnRef>
+              <a:fillRef idx="1">
+                <a:schemeClr val="lt1"/>
+              </a:fillRef>
+              <a:effectRef idx="0">
+                <a:schemeClr val="dk1"/>
+              </a:effectRef>
+              <a:fontRef idx="minor">
+                <a:schemeClr val="dk1"/>
+              </a:fontRef>
+            </p:style>
+            <p:txBody>
+              <a:bodyPr rtlCol="0" anchor="ctr"/>
+              <a:lstStyle/>
+              <a:p>
+                <a:pPr algn="ctr"/>
+                <a:endParaRPr lang="en-US" sz="2800" b="1" dirty="0"/>
+              </a:p>
+            </p:txBody>
+          </p:sp>
+          <p:sp>
+            <p:nvSpPr>
+              <p:cNvPr id="31" name="TextBox 30">
+                <a:extLst>
+                  <a:ext uri="{FF2B5EF4-FFF2-40B4-BE49-F238E27FC236}">
+                    <a16:creationId xmlns:a16="http://schemas.microsoft.com/office/drawing/2014/main" id="{FF4E82F5-F183-46D0-9ED2-7E7046208CA8}"/>
+                  </a:ext>
+                </a:extLst>
+              </p:cNvPr>
+              <p:cNvSpPr txBox="1"/>
+              <p:nvPr/>
+            </p:nvSpPr>
+            <p:spPr>
+              <a:xfrm>
+                <a:off x="5053011" y="3566218"/>
+                <a:ext cx="571499" cy="369332"/>
+              </a:xfrm>
+              <a:prstGeom prst="rect">
+                <a:avLst/>
+              </a:prstGeom>
+              <a:noFill/>
+            </p:spPr>
+            <p:txBody>
+              <a:bodyPr wrap="square" rtlCol="0">
+                <a:spAutoFit/>
+              </a:bodyPr>
+              <a:lstStyle/>
+              <a:p>
+                <a:r>
+                  <a:rPr lang="en-US" b="1" dirty="0"/>
+                  <a:t>-0.8</a:t>
+                </a:r>
+              </a:p>
+            </p:txBody>
+          </p:sp>
+          <p:sp>
+            <p:nvSpPr>
+              <p:cNvPr id="32" name="TextBox 31">
+                <a:extLst>
+                  <a:ext uri="{FF2B5EF4-FFF2-40B4-BE49-F238E27FC236}">
+                    <a16:creationId xmlns:a16="http://schemas.microsoft.com/office/drawing/2014/main" id="{3C466332-2523-42DA-8ACE-0B5DE6543B6A}"/>
+                  </a:ext>
+                </a:extLst>
+              </p:cNvPr>
+              <p:cNvSpPr txBox="1"/>
+              <p:nvPr/>
+            </p:nvSpPr>
+            <p:spPr>
+              <a:xfrm>
+                <a:off x="5503075" y="3566218"/>
+                <a:ext cx="390518" cy="369332"/>
+              </a:xfrm>
+              <a:prstGeom prst="rect">
+                <a:avLst/>
+              </a:prstGeom>
+              <a:noFill/>
+            </p:spPr>
+            <p:txBody>
+              <a:bodyPr wrap="square" rtlCol="0">
+                <a:spAutoFit/>
+              </a:bodyPr>
+              <a:lstStyle/>
+              <a:p>
+                <a:r>
+                  <a:rPr lang="en-US" b="1" dirty="0"/>
+                  <a:t>-1</a:t>
+                </a:r>
+              </a:p>
+            </p:txBody>
+          </p:sp>
+          <p:sp>
+            <p:nvSpPr>
+              <p:cNvPr id="55" name="Arrow: Curved Down 54">
+                <a:extLst>
+                  <a:ext uri="{FF2B5EF4-FFF2-40B4-BE49-F238E27FC236}">
+                    <a16:creationId xmlns:a16="http://schemas.microsoft.com/office/drawing/2014/main" id="{5314E6E4-238D-4EE2-B6E7-EC94AB4700E3}"/>
+                  </a:ext>
+                </a:extLst>
+              </p:cNvPr>
+              <p:cNvSpPr/>
+              <p:nvPr/>
+            </p:nvSpPr>
+            <p:spPr>
+              <a:xfrm flipH="1" flipV="1">
+                <a:off x="5243505" y="4238802"/>
+                <a:ext cx="488159" cy="369331"/>
+              </a:xfrm>
+              <a:prstGeom prst="curvedDownArrow">
+                <a:avLst>
+                  <a:gd name="adj1" fmla="val 25000"/>
+                  <a:gd name="adj2" fmla="val 54249"/>
+                  <a:gd name="adj3" fmla="val 25000"/>
+                </a:avLst>
+              </a:prstGeom>
+            </p:spPr>
+            <p:style>
+              <a:lnRef idx="2">
+                <a:schemeClr val="dk1"/>
+              </a:lnRef>
+              <a:fillRef idx="1">
+                <a:schemeClr val="lt1"/>
+              </a:fillRef>
+              <a:effectRef idx="0">
+                <a:schemeClr val="dk1"/>
+              </a:effectRef>
+              <a:fontRef idx="minor">
+                <a:schemeClr val="dk1"/>
+              </a:fontRef>
+            </p:style>
+            <p:txBody>
+              <a:bodyPr rtlCol="0" anchor="ctr"/>
+              <a:lstStyle/>
+              <a:p>
+                <a:pPr algn="ctr"/>
+                <a:endParaRPr lang="en-US">
+                  <a:solidFill>
+                    <a:schemeClr val="tx1"/>
+                  </a:solidFill>
+                </a:endParaRPr>
+              </a:p>
+            </p:txBody>
+          </p:sp>
+          <mc:AlternateContent xmlns:mc="http://schemas.openxmlformats.org/markup-compatibility/2006">
+            <mc:Choice xmlns:a14="http://schemas.microsoft.com/office/drawing/2010/main" Requires="a14">
+              <p:sp>
+                <p:nvSpPr>
+                  <p:cNvPr id="56" name="TextBox 55">
+                    <a:extLst>
+                      <a:ext uri="{FF2B5EF4-FFF2-40B4-BE49-F238E27FC236}">
+                        <a16:creationId xmlns:a16="http://schemas.microsoft.com/office/drawing/2014/main" id="{62FF8554-B714-4077-89BB-5E3E2C8BA93F}"/>
+                      </a:ext>
+                    </a:extLst>
+                  </p:cNvPr>
+                  <p:cNvSpPr txBox="1"/>
+                  <p:nvPr/>
+                </p:nvSpPr>
+                <p:spPr>
+                  <a:xfrm>
+                    <a:off x="4394390" y="4599093"/>
+                    <a:ext cx="2186387" cy="596125"/>
+                  </a:xfrm>
+                  <a:prstGeom prst="rect">
+                    <a:avLst/>
+                  </a:prstGeom>
+                  <a:noFill/>
+                </p:spPr>
+                <p:txBody>
+                  <a:bodyPr wrap="square" rtlCol="0">
+                    <a:spAutoFit/>
+                  </a:bodyPr>
+                  <a:lstStyle/>
+                  <a:p>
+                    <a:pPr/>
+                    <a14:m>
+                      <m:oMathPara xmlns:m="http://schemas.openxmlformats.org/officeDocument/2006/math">
+                        <m:oMathParaPr>
+                          <m:jc m:val="centerGroup"/>
+                        </m:oMathParaPr>
+                        <m:oMath xmlns:m="http://schemas.openxmlformats.org/officeDocument/2006/math">
+                          <m:f>
+                            <m:fPr>
+                              <m:ctrlPr>
+                                <a:rPr lang="en-US" sz="1400" b="1" i="1" dirty="0" smtClean="0">
+                                  <a:latin typeface="Cambria Math" panose="02040503050406030204" pitchFamily="18" charset="0"/>
+                                </a:rPr>
+                              </m:ctrlPr>
+                            </m:fPr>
+                            <m:num>
+                              <m:r>
+                                <a:rPr lang="en-US" sz="1400" b="1" i="1">
+                                  <a:latin typeface="Cambria Math" panose="02040503050406030204" pitchFamily="18" charset="0"/>
+                                </a:rPr>
+                                <m:t>𝝏</m:t>
+                              </m:r>
+                              <m:sSubSup>
+                                <m:sSubSupPr>
+                                  <m:ctrlPr>
+                                    <a:rPr lang="en-US" sz="1400" b="1" i="1" dirty="0" smtClean="0">
+                                      <a:latin typeface="Cambria Math" panose="02040503050406030204" pitchFamily="18" charset="0"/>
+                                    </a:rPr>
+                                  </m:ctrlPr>
+                                </m:sSubSupPr>
+                                <m:e>
+                                  <m:r>
+                                    <a:rPr lang="en-US" sz="1400" b="1" i="1" dirty="0">
+                                      <a:latin typeface="Cambria Math" panose="02040503050406030204" pitchFamily="18" charset="0"/>
+                                    </a:rPr>
+                                    <m:t>𝒂</m:t>
+                                  </m:r>
+                                </m:e>
+                                <m:sub>
+                                  <m:r>
+                                    <a:rPr lang="en-US" sz="1400" b="1" i="1" dirty="0" smtClean="0">
+                                      <a:latin typeface="Cambria Math" panose="02040503050406030204" pitchFamily="18" charset="0"/>
+                                    </a:rPr>
+                                    <m:t>𝟐</m:t>
+                                  </m:r>
+                                </m:sub>
+                                <m:sup>
+                                  <m:r>
+                                    <a:rPr lang="en-US" sz="1400" b="1" i="1" dirty="0" smtClean="0">
+                                      <a:latin typeface="Cambria Math" panose="02040503050406030204" pitchFamily="18" charset="0"/>
+                                    </a:rPr>
+                                    <m:t>𝟏</m:t>
+                                  </m:r>
+                                </m:sup>
+                              </m:sSubSup>
+                            </m:num>
+                            <m:den>
+                              <m:r>
+                                <a:rPr lang="en-US" sz="1400" b="1" i="1">
+                                  <a:latin typeface="Cambria Math" panose="02040503050406030204" pitchFamily="18" charset="0"/>
+                                </a:rPr>
+                                <m:t>𝝏</m:t>
+                              </m:r>
+                              <m:sSubSup>
+                                <m:sSubSupPr>
+                                  <m:ctrlPr>
+                                    <a:rPr lang="en-US" sz="1400" b="1" i="1" dirty="0" smtClean="0">
+                                      <a:latin typeface="Cambria Math" panose="02040503050406030204" pitchFamily="18" charset="0"/>
+                                    </a:rPr>
+                                  </m:ctrlPr>
+                                </m:sSubSupPr>
+                                <m:e>
+                                  <m:r>
+                                    <a:rPr lang="en-US" sz="1400" b="1" i="1" dirty="0">
+                                      <a:latin typeface="Cambria Math" panose="02040503050406030204" pitchFamily="18" charset="0"/>
+                                    </a:rPr>
+                                    <m:t>𝒛</m:t>
+                                  </m:r>
+                                </m:e>
+                                <m:sub>
+                                  <m:r>
+                                    <a:rPr lang="en-US" sz="1400" b="1" i="1" dirty="0" smtClean="0">
+                                      <a:latin typeface="Cambria Math" panose="02040503050406030204" pitchFamily="18" charset="0"/>
+                                    </a:rPr>
+                                    <m:t>𝟐</m:t>
+                                  </m:r>
+                                </m:sub>
+                                <m:sup>
+                                  <m:r>
+                                    <a:rPr lang="en-US" sz="1400" b="1" i="1" dirty="0" smtClean="0">
+                                      <a:latin typeface="Cambria Math" panose="02040503050406030204" pitchFamily="18" charset="0"/>
+                                    </a:rPr>
+                                    <m:t>𝟏</m:t>
+                                  </m:r>
+                                </m:sup>
+                              </m:sSubSup>
+                            </m:den>
+                          </m:f>
+                          <m:r>
+                            <a:rPr lang="en-US" sz="1400" b="1" i="1" dirty="0">
+                              <a:latin typeface="Cambria Math" panose="02040503050406030204" pitchFamily="18" charset="0"/>
+                            </a:rPr>
+                            <m:t>=</m:t>
+                          </m:r>
+                          <m:r>
+                            <a:rPr lang="en-US" sz="1400" b="1" dirty="0">
+                              <a:latin typeface="Cambria Math" panose="02040503050406030204" pitchFamily="18" charset="0"/>
+                            </a:rPr>
+                            <m:t>𝛁</m:t>
+                          </m:r>
+                          <m:r>
+                            <a:rPr lang="en-US" sz="1400" b="1" dirty="0">
+                              <a:latin typeface="Cambria Math" panose="02040503050406030204" pitchFamily="18" charset="0"/>
+                            </a:rPr>
+                            <m:t>𝐒𝐢𝐠𝐧</m:t>
+                          </m:r>
+                          <m:d>
+                            <m:dPr>
+                              <m:ctrlPr>
+                                <a:rPr lang="en-US" sz="1400" b="1" i="1" dirty="0">
+                                  <a:latin typeface="Cambria Math" panose="02040503050406030204" pitchFamily="18" charset="0"/>
+                                </a:rPr>
+                              </m:ctrlPr>
+                            </m:dPr>
+                            <m:e>
+                              <m:r>
+                                <a:rPr lang="en-US" sz="1400" b="1" i="1" dirty="0" smtClean="0">
+                                  <a:latin typeface="Cambria Math" panose="02040503050406030204" pitchFamily="18" charset="0"/>
+                                </a:rPr>
+                                <m:t>−</m:t>
+                              </m:r>
+                              <m:r>
+                                <a:rPr lang="en-US" sz="1400" b="1" i="1" dirty="0" smtClean="0">
+                                  <a:latin typeface="Cambria Math" panose="02040503050406030204" pitchFamily="18" charset="0"/>
+                                </a:rPr>
+                                <m:t>𝟎</m:t>
+                              </m:r>
+                              <m:r>
+                                <a:rPr lang="en-US" sz="1400" b="1" i="1" dirty="0" smtClean="0">
+                                  <a:latin typeface="Cambria Math" panose="02040503050406030204" pitchFamily="18" charset="0"/>
+                                </a:rPr>
+                                <m:t>.</m:t>
+                              </m:r>
+                              <m:r>
+                                <a:rPr lang="en-US" sz="1400" b="1" i="1" dirty="0" smtClean="0">
+                                  <a:latin typeface="Cambria Math" panose="02040503050406030204" pitchFamily="18" charset="0"/>
+                                </a:rPr>
+                                <m:t>𝟖</m:t>
+                              </m:r>
+                            </m:e>
+                          </m:d>
+                          <m:r>
+                            <a:rPr lang="en-US" sz="1400" b="1" dirty="0">
+                              <a:latin typeface="Cambria Math" panose="02040503050406030204" pitchFamily="18" charset="0"/>
+                            </a:rPr>
+                            <m:t>=</m:t>
+                          </m:r>
+                          <m:r>
+                            <a:rPr lang="en-US" sz="1400" b="1" i="0" dirty="0" smtClean="0">
+                              <a:latin typeface="Cambria Math" panose="02040503050406030204" pitchFamily="18" charset="0"/>
+                            </a:rPr>
+                            <m:t>𝟏</m:t>
+                          </m:r>
+                        </m:oMath>
+                      </m:oMathPara>
+                    </a14:m>
+                    <a:endParaRPr lang="en-US" sz="1400" b="1" i="1" dirty="0"/>
+                  </a:p>
+                </p:txBody>
+              </p:sp>
+            </mc:Choice>
+            <mc:Fallback>
+              <p:sp>
+                <p:nvSpPr>
+                  <p:cNvPr id="56" name="TextBox 55">
+                    <a:extLst>
+                      <a:ext uri="{FF2B5EF4-FFF2-40B4-BE49-F238E27FC236}">
+                        <a16:creationId xmlns:a16="http://schemas.microsoft.com/office/drawing/2014/main" id="{62FF8554-B714-4077-89BB-5E3E2C8BA93F}"/>
+                      </a:ext>
+                    </a:extLst>
+                  </p:cNvPr>
+                  <p:cNvSpPr txBox="1">
+                    <a:spLocks noRot="1" noChangeAspect="1" noMove="1" noResize="1" noEditPoints="1" noAdjustHandles="1" noChangeArrowheads="1" noChangeShapeType="1" noTextEdit="1"/>
+                  </p:cNvSpPr>
+                  <p:nvPr/>
+                </p:nvSpPr>
+                <p:spPr>
+                  <a:xfrm>
+                    <a:off x="4394390" y="4599093"/>
+                    <a:ext cx="2186387" cy="596125"/>
+                  </a:xfrm>
+                  <a:prstGeom prst="rect">
+                    <a:avLst/>
+                  </a:prstGeom>
+                  <a:blipFill>
+                    <a:blip r:embed="rId3"/>
+                    <a:stretch>
+                      <a:fillRect/>
+                    </a:stretch>
+                  </a:blipFill>
+                </p:spPr>
+                <p:txBody>
+                  <a:bodyPr/>
+                  <a:lstStyle/>
+                  <a:p>
+                    <a:r>
+                      <a:rPr lang="en-US">
+                        <a:noFill/>
+                      </a:rPr>
+                      <a:t> </a:t>
+                    </a:r>
+                  </a:p>
+                </p:txBody>
+              </p:sp>
+            </mc:Fallback>
+          </mc:AlternateContent>
+        </p:grpSp>
+        <p:cxnSp>
+          <p:nvCxnSpPr>
+            <p:cNvPr id="24" name="Straight Connector 23">
+              <a:extLst>
+                <a:ext uri="{FF2B5EF4-FFF2-40B4-BE49-F238E27FC236}">
+                  <a16:creationId xmlns:a16="http://schemas.microsoft.com/office/drawing/2014/main" id="{7C7CEE98-1BF2-4C49-8809-CEF79DC186B1}"/>
+                </a:ext>
+              </a:extLst>
+            </p:cNvPr>
+            <p:cNvCxnSpPr>
+              <a:stCxn id="5" idx="0"/>
+              <a:endCxn id="5" idx="4"/>
+            </p:cNvCxnSpPr>
+            <p:nvPr/>
+          </p:nvCxnSpPr>
+          <p:spPr>
+            <a:xfrm>
+              <a:off x="5524499" y="3331369"/>
+              <a:ext cx="0" cy="842962"/>
+            </a:xfrm>
+            <a:prstGeom prst="line">
+              <a:avLst/>
+            </a:prstGeom>
+          </p:spPr>
+          <p:style>
+            <a:lnRef idx="2">
+              <a:schemeClr val="dk1"/>
+            </a:lnRef>
+            <a:fillRef idx="0">
+              <a:schemeClr val="dk1"/>
+            </a:fillRef>
+            <a:effectRef idx="1">
+              <a:schemeClr val="dk1"/>
+            </a:effectRef>
+            <a:fontRef idx="minor">
+              <a:schemeClr val="tx1"/>
+            </a:fontRef>
+          </p:style>
+        </p:cxnSp>
+      </p:grpSp>
+      <p:grpSp>
+        <p:nvGrpSpPr>
+          <p:cNvPr id="67" name="Group 66">
+            <a:extLst>
+              <a:ext uri="{FF2B5EF4-FFF2-40B4-BE49-F238E27FC236}">
+                <a16:creationId xmlns:a16="http://schemas.microsoft.com/office/drawing/2014/main" id="{6D94FB5F-CB13-4614-BC7E-EF94C1695CC1}"/>
+              </a:ext>
+            </a:extLst>
+          </p:cNvPr>
+          <p:cNvGrpSpPr/>
+          <p:nvPr/>
+        </p:nvGrpSpPr>
+        <p:grpSpPr>
+          <a:xfrm>
+            <a:off x="7975421" y="1551522"/>
+            <a:ext cx="1501366" cy="1587856"/>
+            <a:chOff x="7161033" y="1495862"/>
+            <a:chExt cx="1501366" cy="1587856"/>
+          </a:xfrm>
+        </p:grpSpPr>
+        <p:grpSp>
+          <p:nvGrpSpPr>
+            <p:cNvPr id="62" name="Group 61">
+              <a:extLst>
+                <a:ext uri="{FF2B5EF4-FFF2-40B4-BE49-F238E27FC236}">
+                  <a16:creationId xmlns:a16="http://schemas.microsoft.com/office/drawing/2014/main" id="{59791CDB-05AC-4C78-9641-D7595B8F292C}"/>
+                </a:ext>
+              </a:extLst>
+            </p:cNvPr>
+            <p:cNvGrpSpPr/>
+            <p:nvPr/>
+          </p:nvGrpSpPr>
+          <p:grpSpPr>
+            <a:xfrm>
+              <a:off x="7161033" y="1495862"/>
+              <a:ext cx="1501366" cy="1587856"/>
+              <a:chOff x="7161033" y="1495862"/>
+              <a:chExt cx="1501366" cy="1587856"/>
+            </a:xfrm>
+          </p:grpSpPr>
+          <p:sp>
+            <p:nvSpPr>
+              <p:cNvPr id="6" name="Oval 5">
+                <a:extLst>
+                  <a:ext uri="{FF2B5EF4-FFF2-40B4-BE49-F238E27FC236}">
+                    <a16:creationId xmlns:a16="http://schemas.microsoft.com/office/drawing/2014/main" id="{B5F531CD-8858-43F4-B3EA-7421952E398B}"/>
+                  </a:ext>
+                </a:extLst>
+              </p:cNvPr>
+              <p:cNvSpPr/>
+              <p:nvPr/>
+            </p:nvSpPr>
+            <p:spPr>
+              <a:xfrm>
+                <a:off x="7253298" y="2240756"/>
+                <a:ext cx="842962" cy="842962"/>
+              </a:xfrm>
+              <a:prstGeom prst="ellipse">
+                <a:avLst/>
+              </a:prstGeom>
+            </p:spPr>
+            <p:style>
+              <a:lnRef idx="2">
+                <a:schemeClr val="dk1"/>
+              </a:lnRef>
+              <a:fillRef idx="1">
+                <a:schemeClr val="lt1"/>
+              </a:fillRef>
+              <a:effectRef idx="0">
+                <a:schemeClr val="dk1"/>
+              </a:effectRef>
+              <a:fontRef idx="minor">
+                <a:schemeClr val="dk1"/>
+              </a:fontRef>
+            </p:style>
+            <p:txBody>
+              <a:bodyPr rtlCol="0" anchor="ctr"/>
+              <a:lstStyle/>
+              <a:p>
+                <a:pPr algn="ctr"/>
+                <a:endParaRPr lang="en-US" sz="2800" b="1" dirty="0"/>
+              </a:p>
+            </p:txBody>
+          </p:sp>
+          <p:sp>
+            <p:nvSpPr>
+              <p:cNvPr id="41" name="TextBox 40">
+                <a:extLst>
+                  <a:ext uri="{FF2B5EF4-FFF2-40B4-BE49-F238E27FC236}">
+                    <a16:creationId xmlns:a16="http://schemas.microsoft.com/office/drawing/2014/main" id="{0D13B5AD-DA7B-4C28-B933-DE25B571BAB1}"/>
+                  </a:ext>
+                </a:extLst>
+              </p:cNvPr>
+              <p:cNvSpPr txBox="1"/>
+              <p:nvPr/>
+            </p:nvSpPr>
+            <p:spPr>
+              <a:xfrm>
+                <a:off x="7215205" y="2480417"/>
+                <a:ext cx="554820" cy="369332"/>
+              </a:xfrm>
+              <a:prstGeom prst="rect">
+                <a:avLst/>
+              </a:prstGeom>
+              <a:noFill/>
+            </p:spPr>
+            <p:txBody>
+              <a:bodyPr wrap="square" rtlCol="0">
+                <a:spAutoFit/>
+              </a:bodyPr>
+              <a:lstStyle/>
+              <a:p>
+                <a:r>
+                  <a:rPr lang="en-US" b="1" dirty="0"/>
+                  <a:t>-0.1</a:t>
+                </a:r>
+              </a:p>
+            </p:txBody>
+          </p:sp>
+          <p:sp>
+            <p:nvSpPr>
+              <p:cNvPr id="42" name="TextBox 41">
+                <a:extLst>
+                  <a:ext uri="{FF2B5EF4-FFF2-40B4-BE49-F238E27FC236}">
+                    <a16:creationId xmlns:a16="http://schemas.microsoft.com/office/drawing/2014/main" id="{4B615F56-F8A2-4072-BB98-F0DC095C7E6F}"/>
+                  </a:ext>
+                </a:extLst>
+              </p:cNvPr>
+              <p:cNvSpPr txBox="1"/>
+              <p:nvPr/>
+            </p:nvSpPr>
+            <p:spPr>
+              <a:xfrm>
+                <a:off x="7587871" y="2477571"/>
+                <a:ext cx="647690" cy="369332"/>
+              </a:xfrm>
+              <a:prstGeom prst="rect">
+                <a:avLst/>
+              </a:prstGeom>
+              <a:noFill/>
+            </p:spPr>
+            <p:txBody>
+              <a:bodyPr wrap="square" rtlCol="0">
+                <a:spAutoFit/>
+              </a:bodyPr>
+              <a:lstStyle/>
+              <a:p>
+                <a:r>
+                  <a:rPr lang="en-US" b="1" dirty="0"/>
+                  <a:t>0.48</a:t>
+                </a:r>
+              </a:p>
+            </p:txBody>
+          </p:sp>
+          <p:sp>
+            <p:nvSpPr>
+              <p:cNvPr id="57" name="Arrow: Curved Down 56">
+                <a:extLst>
+                  <a:ext uri="{FF2B5EF4-FFF2-40B4-BE49-F238E27FC236}">
+                    <a16:creationId xmlns:a16="http://schemas.microsoft.com/office/drawing/2014/main" id="{228F957C-B8FC-4385-BAE2-F2D37A995412}"/>
+                  </a:ext>
+                </a:extLst>
+              </p:cNvPr>
+              <p:cNvSpPr/>
+              <p:nvPr/>
+            </p:nvSpPr>
+            <p:spPr>
+              <a:xfrm flipH="1">
+                <a:off x="7423544" y="1798258"/>
+                <a:ext cx="473884" cy="369332"/>
+              </a:xfrm>
+              <a:prstGeom prst="curvedDownArrow">
+                <a:avLst/>
+              </a:prstGeom>
+            </p:spPr>
+            <p:style>
+              <a:lnRef idx="2">
+                <a:schemeClr val="dk1"/>
+              </a:lnRef>
+              <a:fillRef idx="1">
+                <a:schemeClr val="lt1"/>
+              </a:fillRef>
+              <a:effectRef idx="0">
+                <a:schemeClr val="dk1"/>
+              </a:effectRef>
+              <a:fontRef idx="minor">
+                <a:schemeClr val="dk1"/>
+              </a:fontRef>
+            </p:style>
+            <p:txBody>
+              <a:bodyPr rtlCol="0" anchor="ctr"/>
+              <a:lstStyle/>
+              <a:p>
+                <a:pPr algn="ctr"/>
+                <a:endParaRPr lang="en-US">
+                  <a:solidFill>
+                    <a:schemeClr val="tx1"/>
+                  </a:solidFill>
+                </a:endParaRPr>
+              </a:p>
+            </p:txBody>
+          </p:sp>
+          <mc:AlternateContent xmlns:mc="http://schemas.openxmlformats.org/markup-compatibility/2006">
+            <mc:Choice xmlns:a14="http://schemas.microsoft.com/office/drawing/2010/main" Requires="a14">
+              <p:sp>
+                <p:nvSpPr>
+                  <p:cNvPr id="58" name="TextBox 57">
+                    <a:extLst>
+                      <a:ext uri="{FF2B5EF4-FFF2-40B4-BE49-F238E27FC236}">
+                        <a16:creationId xmlns:a16="http://schemas.microsoft.com/office/drawing/2014/main" id="{E9097156-1A57-452C-A4A7-45C91F4CA69E}"/>
+                      </a:ext>
+                    </a:extLst>
+                  </p:cNvPr>
+                  <p:cNvSpPr txBox="1"/>
+                  <p:nvPr/>
+                </p:nvSpPr>
+                <p:spPr>
+                  <a:xfrm>
+                    <a:off x="7161033" y="1495862"/>
+                    <a:ext cx="1501366" cy="335476"/>
+                  </a:xfrm>
+                  <a:prstGeom prst="rect">
+                    <a:avLst/>
+                  </a:prstGeom>
+                  <a:noFill/>
+                </p:spPr>
+                <p:txBody>
+                  <a:bodyPr wrap="square" rtlCol="0">
+                    <a:spAutoFit/>
+                  </a:bodyPr>
+                  <a:lstStyle/>
+                  <a:p>
+                    <a14:m>
+                      <m:oMathPara xmlns:m="http://schemas.openxmlformats.org/officeDocument/2006/math">
+                        <m:oMathParaPr>
+                          <m:jc m:val="centerGroup"/>
+                        </m:oMathParaPr>
+                        <m:oMath xmlns:m="http://schemas.openxmlformats.org/officeDocument/2006/math">
+                          <m:sSup>
+                            <m:sSupPr>
+                              <m:ctrlPr>
+                                <a:rPr lang="en-US" sz="1400" b="1" i="1" smtClean="0">
+                                  <a:latin typeface="Cambria Math" panose="02040503050406030204" pitchFamily="18" charset="0"/>
+                                </a:rPr>
+                              </m:ctrlPr>
+                            </m:sSupPr>
+                            <m:e>
+                              <m:r>
+                                <a:rPr lang="en-US" sz="1400" b="1" i="1" smtClean="0">
+                                  <a:latin typeface="Cambria Math" panose="02040503050406030204" pitchFamily="18" charset="0"/>
+                                </a:rPr>
+                                <m:t>𝝈</m:t>
+                              </m:r>
+                            </m:e>
+                            <m:sup>
+                              <m:r>
+                                <a:rPr lang="en-US" sz="1400" b="1" i="1" smtClean="0">
+                                  <a:latin typeface="Cambria Math" panose="02040503050406030204" pitchFamily="18" charset="0"/>
+                                </a:rPr>
+                                <m:t>′</m:t>
+                              </m:r>
+                            </m:sup>
+                          </m:sSup>
+                          <m:d>
+                            <m:dPr>
+                              <m:ctrlPr>
+                                <a:rPr lang="en-US" sz="1400" b="1" i="1" smtClean="0">
+                                  <a:latin typeface="Cambria Math" panose="02040503050406030204" pitchFamily="18" charset="0"/>
+                                </a:rPr>
+                              </m:ctrlPr>
+                            </m:dPr>
+                            <m:e>
+                              <m:sSup>
+                                <m:sSupPr>
+                                  <m:ctrlPr>
+                                    <a:rPr lang="en-US" sz="1400" b="1" i="1" smtClean="0">
+                                      <a:latin typeface="Cambria Math" panose="02040503050406030204" pitchFamily="18" charset="0"/>
+                                    </a:rPr>
+                                  </m:ctrlPr>
+                                </m:sSupPr>
+                                <m:e>
+                                  <m:r>
+                                    <a:rPr lang="en-US" sz="1400" b="1" i="1" smtClean="0">
+                                      <a:latin typeface="Cambria Math" panose="02040503050406030204" pitchFamily="18" charset="0"/>
+                                    </a:rPr>
+                                    <m:t>𝒛</m:t>
+                                  </m:r>
+                                </m:e>
+                                <m:sup>
+                                  <m:r>
+                                    <a:rPr lang="en-US" sz="1400" b="1" i="1" smtClean="0">
+                                      <a:latin typeface="Cambria Math" panose="02040503050406030204" pitchFamily="18" charset="0"/>
+                                    </a:rPr>
+                                    <m:t>𝟐</m:t>
+                                  </m:r>
+                                </m:sup>
+                              </m:sSup>
+                            </m:e>
+                          </m:d>
+                          <m:r>
+                            <a:rPr lang="en-US" sz="1400" b="1" i="1" smtClean="0">
+                              <a:latin typeface="Cambria Math" panose="02040503050406030204" pitchFamily="18" charset="0"/>
+                            </a:rPr>
+                            <m:t>=</m:t>
+                          </m:r>
+                          <m:r>
+                            <a:rPr lang="en-US" sz="1400" b="1" i="1" smtClean="0">
+                              <a:latin typeface="Cambria Math" panose="02040503050406030204" pitchFamily="18" charset="0"/>
+                            </a:rPr>
+                            <m:t>𝟎</m:t>
+                          </m:r>
+                          <m:r>
+                            <a:rPr lang="en-US" sz="1400" b="1" i="1" smtClean="0">
+                              <a:latin typeface="Cambria Math" panose="02040503050406030204" pitchFamily="18" charset="0"/>
+                            </a:rPr>
+                            <m:t>.</m:t>
+                          </m:r>
+                          <m:r>
+                            <a:rPr lang="en-US" sz="1400" b="1" i="1" smtClean="0">
+                              <a:latin typeface="Cambria Math" panose="02040503050406030204" pitchFamily="18" charset="0"/>
+                            </a:rPr>
+                            <m:t>𝟐𝟒𝟗</m:t>
+                          </m:r>
+                        </m:oMath>
+                      </m:oMathPara>
+                    </a14:m>
+                    <a:endParaRPr lang="en-US" sz="1400" b="1" i="1" dirty="0"/>
+                  </a:p>
+                </p:txBody>
+              </p:sp>
+            </mc:Choice>
+            <mc:Fallback>
+              <p:sp>
+                <p:nvSpPr>
+                  <p:cNvPr id="58" name="TextBox 57">
+                    <a:extLst>
+                      <a:ext uri="{FF2B5EF4-FFF2-40B4-BE49-F238E27FC236}">
+                        <a16:creationId xmlns:a16="http://schemas.microsoft.com/office/drawing/2014/main" id="{E9097156-1A57-452C-A4A7-45C91F4CA69E}"/>
+                      </a:ext>
+                    </a:extLst>
+                  </p:cNvPr>
+                  <p:cNvSpPr txBox="1">
+                    <a:spLocks noRot="1" noChangeAspect="1" noMove="1" noResize="1" noEditPoints="1" noAdjustHandles="1" noChangeArrowheads="1" noChangeShapeType="1" noTextEdit="1"/>
+                  </p:cNvSpPr>
+                  <p:nvPr/>
+                </p:nvSpPr>
+                <p:spPr>
+                  <a:xfrm>
+                    <a:off x="7161033" y="1495862"/>
+                    <a:ext cx="1501366" cy="335476"/>
+                  </a:xfrm>
+                  <a:prstGeom prst="rect">
+                    <a:avLst/>
+                  </a:prstGeom>
+                  <a:blipFill>
+                    <a:blip r:embed="rId4"/>
+                    <a:stretch>
+                      <a:fillRect/>
+                    </a:stretch>
+                  </a:blipFill>
+                </p:spPr>
+                <p:txBody>
+                  <a:bodyPr/>
+                  <a:lstStyle/>
+                  <a:p>
+                    <a:r>
+                      <a:rPr lang="en-US">
+                        <a:noFill/>
+                      </a:rPr>
+                      <a:t> </a:t>
+                    </a:r>
+                  </a:p>
+                </p:txBody>
+              </p:sp>
+            </mc:Fallback>
+          </mc:AlternateContent>
+        </p:grpSp>
+        <p:cxnSp>
+          <p:nvCxnSpPr>
+            <p:cNvPr id="26" name="Straight Connector 25">
+              <a:extLst>
+                <a:ext uri="{FF2B5EF4-FFF2-40B4-BE49-F238E27FC236}">
+                  <a16:creationId xmlns:a16="http://schemas.microsoft.com/office/drawing/2014/main" id="{5FF14257-CAB6-4778-BF73-FD3831D59BEA}"/>
+                </a:ext>
+              </a:extLst>
+            </p:cNvPr>
+            <p:cNvCxnSpPr>
+              <a:stCxn id="6" idx="0"/>
+              <a:endCxn id="6" idx="4"/>
+            </p:cNvCxnSpPr>
+            <p:nvPr/>
+          </p:nvCxnSpPr>
+          <p:spPr>
+            <a:xfrm>
+              <a:off x="7674779" y="2240756"/>
+              <a:ext cx="0" cy="842962"/>
+            </a:xfrm>
+            <a:prstGeom prst="line">
+              <a:avLst/>
+            </a:prstGeom>
+          </p:spPr>
+          <p:style>
+            <a:lnRef idx="2">
+              <a:schemeClr val="dk1"/>
+            </a:lnRef>
+            <a:fillRef idx="0">
+              <a:schemeClr val="dk1"/>
+            </a:fillRef>
+            <a:effectRef idx="1">
+              <a:schemeClr val="dk1"/>
+            </a:effectRef>
+            <a:fontRef idx="minor">
+              <a:schemeClr val="tx1"/>
+            </a:fontRef>
+          </p:style>
+        </p:cxnSp>
+      </p:grpSp>
+      <mc:AlternateContent xmlns:mc="http://schemas.openxmlformats.org/markup-compatibility/2006">
+        <mc:Choice xmlns:a14="http://schemas.microsoft.com/office/drawing/2010/main" Requires="a14">
+          <p:sp>
+            <p:nvSpPr>
+              <p:cNvPr id="43" name="TextBox 42">
+                <a:extLst>
+                  <a:ext uri="{FF2B5EF4-FFF2-40B4-BE49-F238E27FC236}">
+                    <a16:creationId xmlns:a16="http://schemas.microsoft.com/office/drawing/2014/main" id="{EA885F4A-C135-4106-96B1-935E44240107}"/>
+                  </a:ext>
+                </a:extLst>
+              </p:cNvPr>
+              <p:cNvSpPr txBox="1"/>
+              <p:nvPr/>
+            </p:nvSpPr>
+            <p:spPr>
+              <a:xfrm>
+                <a:off x="3958279" y="956831"/>
+                <a:ext cx="1056038" cy="596125"/>
+              </a:xfrm>
+              <a:prstGeom prst="rect">
+                <a:avLst/>
+              </a:prstGeom>
+              <a:noFill/>
+            </p:spPr>
+            <p:txBody>
+              <a:bodyPr wrap="square" rtlCol="0">
+                <a:spAutoFit/>
+              </a:bodyPr>
+              <a:lstStyle/>
+              <a:p>
+                <a14:m>
+                  <m:oMathPara xmlns:m="http://schemas.openxmlformats.org/officeDocument/2006/math">
+                    <m:oMathParaPr>
+                      <m:jc m:val="centerGroup"/>
+                    </m:oMathParaPr>
+                    <m:oMath xmlns:m="http://schemas.openxmlformats.org/officeDocument/2006/math">
+                      <m:f>
+                        <m:fPr>
+                          <m:ctrlPr>
+                            <a:rPr lang="en-US" sz="1400" b="1" i="1" smtClean="0">
+                              <a:latin typeface="Cambria Math" panose="02040503050406030204" pitchFamily="18" charset="0"/>
+                            </a:rPr>
+                          </m:ctrlPr>
+                        </m:fPr>
+                        <m:num>
+                          <m:r>
+                            <a:rPr lang="en-US" sz="1400" b="1" i="1">
+                              <a:latin typeface="Cambria Math" panose="02040503050406030204" pitchFamily="18" charset="0"/>
+                            </a:rPr>
+                            <m:t>𝝏</m:t>
+                          </m:r>
+                          <m:sSubSup>
+                            <m:sSubSupPr>
+                              <m:ctrlPr>
+                                <a:rPr lang="en-US" sz="1400" b="1" i="1" smtClean="0">
+                                  <a:latin typeface="Cambria Math" panose="02040503050406030204" pitchFamily="18" charset="0"/>
+                                </a:rPr>
+                              </m:ctrlPr>
+                            </m:sSubSupPr>
+                            <m:e>
+                              <m:r>
+                                <a:rPr lang="en-US" sz="1400" b="1" i="1" smtClean="0">
+                                  <a:latin typeface="Cambria Math" panose="02040503050406030204" pitchFamily="18" charset="0"/>
+                                </a:rPr>
+                                <m:t>𝒛</m:t>
+                              </m:r>
+                            </m:e>
+                            <m:sub>
+                              <m:r>
+                                <a:rPr lang="en-US" sz="1400" b="1" i="1" smtClean="0">
+                                  <a:latin typeface="Cambria Math" panose="02040503050406030204" pitchFamily="18" charset="0"/>
+                                </a:rPr>
+                                <m:t>𝟏</m:t>
+                              </m:r>
+                            </m:sub>
+                            <m:sup>
+                              <m:r>
+                                <a:rPr lang="en-US" sz="1400" b="1" i="1" smtClean="0">
+                                  <a:latin typeface="Cambria Math" panose="02040503050406030204" pitchFamily="18" charset="0"/>
+                                </a:rPr>
+                                <m:t>𝟏</m:t>
+                              </m:r>
+                            </m:sup>
+                          </m:sSubSup>
+                        </m:num>
+                        <m:den>
+                          <m:r>
+                            <a:rPr lang="en-US" sz="1400" b="1" i="1">
+                              <a:latin typeface="Cambria Math" panose="02040503050406030204" pitchFamily="18" charset="0"/>
+                            </a:rPr>
+                            <m:t>𝝏</m:t>
+                          </m:r>
+                          <m:sSubSup>
+                            <m:sSubSupPr>
+                              <m:ctrlPr>
+                                <a:rPr lang="en-US" sz="1400" b="1" i="1" smtClean="0">
+                                  <a:latin typeface="Cambria Math" panose="02040503050406030204" pitchFamily="18" charset="0"/>
+                                </a:rPr>
+                              </m:ctrlPr>
+                            </m:sSubSupPr>
+                            <m:e>
+                              <m:r>
+                                <a:rPr lang="en-US" sz="1400" b="1" i="1" smtClean="0">
+                                  <a:latin typeface="Cambria Math" panose="02040503050406030204" pitchFamily="18" charset="0"/>
+                                </a:rPr>
+                                <m:t>𝒘</m:t>
+                              </m:r>
+                            </m:e>
+                            <m:sub>
+                              <m:r>
+                                <a:rPr lang="en-US" sz="1400" b="1" i="1" smtClean="0">
+                                  <a:latin typeface="Cambria Math" panose="02040503050406030204" pitchFamily="18" charset="0"/>
+                                </a:rPr>
+                                <m:t>𝟏𝟏</m:t>
+                              </m:r>
+                            </m:sub>
+                            <m:sup>
+                              <m:r>
+                                <a:rPr lang="en-US" sz="1400" b="1" i="1" smtClean="0">
+                                  <a:latin typeface="Cambria Math" panose="02040503050406030204" pitchFamily="18" charset="0"/>
+                                </a:rPr>
+                                <m:t>𝟏</m:t>
+                              </m:r>
+                            </m:sup>
+                          </m:sSubSup>
+                        </m:den>
+                      </m:f>
+                      <m:r>
+                        <a:rPr lang="en-US" sz="1400" b="1" i="1" smtClean="0">
+                          <a:latin typeface="Cambria Math" panose="02040503050406030204" pitchFamily="18" charset="0"/>
+                        </a:rPr>
+                        <m:t>=</m:t>
+                      </m:r>
+                      <m:r>
+                        <a:rPr lang="en-US" sz="1400" b="1" i="1" smtClean="0">
+                          <a:latin typeface="Cambria Math" panose="02040503050406030204" pitchFamily="18" charset="0"/>
+                        </a:rPr>
+                        <m:t>𝟓</m:t>
+                      </m:r>
+                    </m:oMath>
+                  </m:oMathPara>
+                </a14:m>
+                <a:endParaRPr lang="en-US" sz="1400" b="1" i="1" dirty="0"/>
+              </a:p>
+            </p:txBody>
+          </p:sp>
+        </mc:Choice>
+        <mc:Fallback>
+          <p:sp>
+            <p:nvSpPr>
+              <p:cNvPr id="43" name="TextBox 42">
+                <a:extLst>
+                  <a:ext uri="{FF2B5EF4-FFF2-40B4-BE49-F238E27FC236}">
+                    <a16:creationId xmlns:a16="http://schemas.microsoft.com/office/drawing/2014/main" id="{EA885F4A-C135-4106-96B1-935E44240107}"/>
+                  </a:ext>
+                </a:extLst>
+              </p:cNvPr>
+              <p:cNvSpPr txBox="1">
+                <a:spLocks noRot="1" noChangeAspect="1" noMove="1" noResize="1" noEditPoints="1" noAdjustHandles="1" noChangeArrowheads="1" noChangeShapeType="1" noTextEdit="1"/>
+              </p:cNvSpPr>
+              <p:nvPr/>
+            </p:nvSpPr>
+            <p:spPr>
+              <a:xfrm>
+                <a:off x="3958279" y="956831"/>
+                <a:ext cx="1056038" cy="596125"/>
+              </a:xfrm>
+              <a:prstGeom prst="rect">
+                <a:avLst/>
+              </a:prstGeom>
+              <a:blipFill>
+                <a:blip r:embed="rId5"/>
+                <a:stretch>
+                  <a:fillRect/>
+                </a:stretch>
+              </a:blipFill>
+            </p:spPr>
+            <p:txBody>
+              <a:bodyPr/>
+              <a:lstStyle/>
+              <a:p>
+                <a:r>
+                  <a:rPr lang="en-US">
+                    <a:noFill/>
+                  </a:rPr>
+                  <a:t> </a:t>
+                </a:r>
+              </a:p>
+            </p:txBody>
+          </p:sp>
+        </mc:Fallback>
+      </mc:AlternateContent>
+      <p:cxnSp>
+        <p:nvCxnSpPr>
+          <p:cNvPr id="9" name="Straight Arrow Connector 8">
+            <a:extLst>
+              <a:ext uri="{FF2B5EF4-FFF2-40B4-BE49-F238E27FC236}">
+                <a16:creationId xmlns:a16="http://schemas.microsoft.com/office/drawing/2014/main" id="{19BFA084-0031-4B84-99D0-6C20E7548186}"/>
+              </a:ext>
+            </a:extLst>
+          </p:cNvPr>
+          <p:cNvCxnSpPr>
+            <a:stCxn id="27" idx="1"/>
+            <a:endCxn id="2" idx="6"/>
+          </p:cNvCxnSpPr>
+          <p:nvPr/>
+        </p:nvCxnSpPr>
+        <p:spPr>
+          <a:xfrm flipH="1">
+            <a:off x="3757612" y="1571624"/>
+            <a:ext cx="1345406" cy="1"/>
+          </a:xfrm>
+          <a:prstGeom prst="straightConnector1">
+            <a:avLst/>
+          </a:prstGeom>
+          <a:ln>
+            <a:tailEnd type="triangle"/>
+          </a:ln>
+        </p:spPr>
+        <p:style>
+          <a:lnRef idx="3">
+            <a:schemeClr val="accent1"/>
+          </a:lnRef>
+          <a:fillRef idx="0">
+            <a:schemeClr val="accent1"/>
+          </a:fillRef>
+          <a:effectRef idx="2">
+            <a:schemeClr val="accent1"/>
+          </a:effectRef>
+          <a:fontRef idx="minor">
+            <a:schemeClr val="tx1"/>
+          </a:fontRef>
+        </p:style>
+      </p:cxnSp>
+      <p:cxnSp>
+        <p:nvCxnSpPr>
+          <p:cNvPr id="13" name="Straight Arrow Connector 12">
+            <a:extLst>
+              <a:ext uri="{FF2B5EF4-FFF2-40B4-BE49-F238E27FC236}">
+                <a16:creationId xmlns:a16="http://schemas.microsoft.com/office/drawing/2014/main" id="{90861445-5E57-4303-BDC7-11DDB2F2876E}"/>
+              </a:ext>
+            </a:extLst>
+          </p:cNvPr>
+          <p:cNvCxnSpPr>
+            <a:stCxn id="27" idx="1"/>
+            <a:endCxn id="3" idx="6"/>
+          </p:cNvCxnSpPr>
+          <p:nvPr/>
+        </p:nvCxnSpPr>
+        <p:spPr>
+          <a:xfrm flipH="1">
+            <a:off x="3757612" y="1571624"/>
+            <a:ext cx="1345406" cy="2181226"/>
+          </a:xfrm>
+          <a:prstGeom prst="straightConnector1">
+            <a:avLst/>
+          </a:prstGeom>
+          <a:ln>
+            <a:tailEnd type="triangle"/>
+          </a:ln>
+        </p:spPr>
+        <p:style>
+          <a:lnRef idx="3">
+            <a:schemeClr val="accent1"/>
+          </a:lnRef>
+          <a:fillRef idx="0">
+            <a:schemeClr val="accent1"/>
+          </a:fillRef>
+          <a:effectRef idx="2">
+            <a:schemeClr val="accent1"/>
+          </a:effectRef>
+          <a:fontRef idx="minor">
+            <a:schemeClr val="tx1"/>
+          </a:fontRef>
+        </p:style>
+      </p:cxnSp>
+      <p:cxnSp>
+        <p:nvCxnSpPr>
+          <p:cNvPr id="17" name="Straight Arrow Connector 16">
+            <a:extLst>
+              <a:ext uri="{FF2B5EF4-FFF2-40B4-BE49-F238E27FC236}">
+                <a16:creationId xmlns:a16="http://schemas.microsoft.com/office/drawing/2014/main" id="{0B5C63EE-BEA9-43FB-8ADE-A1CC3A4910DC}"/>
+              </a:ext>
+            </a:extLst>
+          </p:cNvPr>
+          <p:cNvCxnSpPr>
+            <a:stCxn id="31" idx="1"/>
+            <a:endCxn id="2" idx="6"/>
+          </p:cNvCxnSpPr>
+          <p:nvPr/>
+        </p:nvCxnSpPr>
+        <p:spPr>
+          <a:xfrm flipH="1" flipV="1">
+            <a:off x="3757612" y="1571625"/>
+            <a:ext cx="1295399" cy="2179259"/>
+          </a:xfrm>
+          <a:prstGeom prst="straightConnector1">
+            <a:avLst/>
+          </a:prstGeom>
+          <a:ln>
+            <a:tailEnd type="triangle"/>
+          </a:ln>
+        </p:spPr>
+        <p:style>
+          <a:lnRef idx="3">
+            <a:schemeClr val="accent1"/>
+          </a:lnRef>
+          <a:fillRef idx="0">
+            <a:schemeClr val="accent1"/>
+          </a:fillRef>
+          <a:effectRef idx="2">
+            <a:schemeClr val="accent1"/>
+          </a:effectRef>
+          <a:fontRef idx="minor">
+            <a:schemeClr val="tx1"/>
+          </a:fontRef>
+        </p:style>
+      </p:cxnSp>
+      <p:cxnSp>
+        <p:nvCxnSpPr>
+          <p:cNvPr id="19" name="Straight Arrow Connector 18">
+            <a:extLst>
+              <a:ext uri="{FF2B5EF4-FFF2-40B4-BE49-F238E27FC236}">
+                <a16:creationId xmlns:a16="http://schemas.microsoft.com/office/drawing/2014/main" id="{1F95C0E7-B416-47F5-AF06-309AFD6416E2}"/>
+              </a:ext>
+            </a:extLst>
+          </p:cNvPr>
+          <p:cNvCxnSpPr>
+            <a:stCxn id="31" idx="1"/>
+            <a:endCxn id="3" idx="6"/>
+          </p:cNvCxnSpPr>
+          <p:nvPr/>
+        </p:nvCxnSpPr>
+        <p:spPr>
+          <a:xfrm flipH="1">
+            <a:off x="3757612" y="3750884"/>
+            <a:ext cx="1295399" cy="1966"/>
+          </a:xfrm>
+          <a:prstGeom prst="straightConnector1">
+            <a:avLst/>
+          </a:prstGeom>
+          <a:ln>
+            <a:tailEnd type="triangle"/>
+          </a:ln>
+        </p:spPr>
+        <p:style>
+          <a:lnRef idx="3">
+            <a:schemeClr val="accent1"/>
+          </a:lnRef>
+          <a:fillRef idx="0">
+            <a:schemeClr val="accent1"/>
+          </a:fillRef>
+          <a:effectRef idx="2">
+            <a:schemeClr val="accent1"/>
+          </a:effectRef>
+          <a:fontRef idx="minor">
+            <a:schemeClr val="tx1"/>
+          </a:fontRef>
+        </p:style>
+      </p:cxnSp>
+      <p:cxnSp>
+        <p:nvCxnSpPr>
+          <p:cNvPr id="23" name="Straight Arrow Connector 22">
+            <a:extLst>
+              <a:ext uri="{FF2B5EF4-FFF2-40B4-BE49-F238E27FC236}">
+                <a16:creationId xmlns:a16="http://schemas.microsoft.com/office/drawing/2014/main" id="{50380FAC-A9AE-46FD-8C23-C2FBB189ABB4}"/>
+              </a:ext>
+            </a:extLst>
+          </p:cNvPr>
+          <p:cNvCxnSpPr>
+            <a:cxnSpLocks/>
+            <a:stCxn id="6" idx="2"/>
+            <a:endCxn id="4" idx="6"/>
+          </p:cNvCxnSpPr>
+          <p:nvPr/>
+        </p:nvCxnSpPr>
+        <p:spPr>
+          <a:xfrm flipH="1" flipV="1">
+            <a:off x="5945980" y="1571625"/>
+            <a:ext cx="2121706" cy="1146272"/>
+          </a:xfrm>
+          <a:prstGeom prst="straightConnector1">
+            <a:avLst/>
+          </a:prstGeom>
+          <a:ln>
+            <a:tailEnd type="triangle"/>
+          </a:ln>
+        </p:spPr>
+        <p:style>
+          <a:lnRef idx="3">
+            <a:schemeClr val="accent1"/>
+          </a:lnRef>
+          <a:fillRef idx="0">
+            <a:schemeClr val="accent1"/>
+          </a:fillRef>
+          <a:effectRef idx="2">
+            <a:schemeClr val="accent1"/>
+          </a:effectRef>
+          <a:fontRef idx="minor">
+            <a:schemeClr val="tx1"/>
+          </a:fontRef>
+        </p:style>
+      </p:cxnSp>
+      <p:cxnSp>
+        <p:nvCxnSpPr>
+          <p:cNvPr id="28" name="Straight Arrow Connector 27">
+            <a:extLst>
+              <a:ext uri="{FF2B5EF4-FFF2-40B4-BE49-F238E27FC236}">
+                <a16:creationId xmlns:a16="http://schemas.microsoft.com/office/drawing/2014/main" id="{75824646-C294-4892-9C04-08224C641443}"/>
+              </a:ext>
+            </a:extLst>
+          </p:cNvPr>
+          <p:cNvCxnSpPr>
+            <a:cxnSpLocks/>
+            <a:stCxn id="6" idx="2"/>
+          </p:cNvCxnSpPr>
+          <p:nvPr/>
+        </p:nvCxnSpPr>
+        <p:spPr>
+          <a:xfrm flipH="1">
+            <a:off x="5959084" y="2717897"/>
+            <a:ext cx="2108602" cy="1103200"/>
+          </a:xfrm>
+          <a:prstGeom prst="straightConnector1">
+            <a:avLst/>
+          </a:prstGeom>
+          <a:ln>
+            <a:tailEnd type="triangle"/>
+          </a:ln>
+        </p:spPr>
+        <p:style>
+          <a:lnRef idx="3">
+            <a:schemeClr val="accent1"/>
+          </a:lnRef>
+          <a:fillRef idx="0">
+            <a:schemeClr val="accent1"/>
+          </a:fillRef>
+          <a:effectRef idx="2">
+            <a:schemeClr val="accent1"/>
+          </a:effectRef>
+          <a:fontRef idx="minor">
+            <a:schemeClr val="tx1"/>
+          </a:fontRef>
+        </p:style>
+      </p:cxnSp>
+      <mc:AlternateContent xmlns:mc="http://schemas.openxmlformats.org/markup-compatibility/2006">
+        <mc:Choice xmlns:a14="http://schemas.microsoft.com/office/drawing/2010/main" Requires="a14">
+          <p:sp>
+            <p:nvSpPr>
+              <p:cNvPr id="54" name="TextBox 53">
+                <a:extLst>
+                  <a:ext uri="{FF2B5EF4-FFF2-40B4-BE49-F238E27FC236}">
+                    <a16:creationId xmlns:a16="http://schemas.microsoft.com/office/drawing/2014/main" id="{DE4FCE25-F2DB-412F-83A7-9DD1080C824D}"/>
+                  </a:ext>
+                </a:extLst>
+              </p:cNvPr>
+              <p:cNvSpPr txBox="1"/>
+              <p:nvPr/>
+            </p:nvSpPr>
+            <p:spPr>
+              <a:xfrm>
+                <a:off x="4668470" y="2101256"/>
+                <a:ext cx="1000122" cy="596125"/>
+              </a:xfrm>
+              <a:prstGeom prst="rect">
+                <a:avLst/>
+              </a:prstGeom>
+              <a:noFill/>
+            </p:spPr>
+            <p:txBody>
+              <a:bodyPr wrap="square" rtlCol="0">
+                <a:spAutoFit/>
+              </a:bodyPr>
+              <a:lstStyle/>
+              <a:p>
+                <a14:m>
+                  <m:oMathPara xmlns:m="http://schemas.openxmlformats.org/officeDocument/2006/math">
+                    <m:oMathParaPr>
+                      <m:jc m:val="centerGroup"/>
+                    </m:oMathParaPr>
+                    <m:oMath xmlns:m="http://schemas.openxmlformats.org/officeDocument/2006/math">
+                      <m:f>
+                        <m:fPr>
+                          <m:ctrlPr>
+                            <a:rPr lang="en-US" sz="1400" b="1" i="1" smtClean="0">
+                              <a:latin typeface="Cambria Math" panose="02040503050406030204" pitchFamily="18" charset="0"/>
+                            </a:rPr>
+                          </m:ctrlPr>
+                        </m:fPr>
+                        <m:num>
+                          <m:r>
+                            <a:rPr lang="en-US" sz="1400" b="1" i="1">
+                              <a:latin typeface="Cambria Math" panose="02040503050406030204" pitchFamily="18" charset="0"/>
+                            </a:rPr>
+                            <m:t>𝝏</m:t>
+                          </m:r>
+                          <m:sSubSup>
+                            <m:sSubSupPr>
+                              <m:ctrlPr>
+                                <a:rPr lang="en-US" sz="1400" b="1" i="1" smtClean="0">
+                                  <a:latin typeface="Cambria Math" panose="02040503050406030204" pitchFamily="18" charset="0"/>
+                                </a:rPr>
+                              </m:ctrlPr>
+                            </m:sSubSupPr>
+                            <m:e>
+                              <m:r>
+                                <a:rPr lang="en-US" sz="1400" b="1" i="1" smtClean="0">
+                                  <a:latin typeface="Cambria Math" panose="02040503050406030204" pitchFamily="18" charset="0"/>
+                                </a:rPr>
+                                <m:t>𝒛</m:t>
+                              </m:r>
+                            </m:e>
+                            <m:sub>
+                              <m:r>
+                                <a:rPr lang="en-US" sz="1400" b="1" i="1" smtClean="0">
+                                  <a:latin typeface="Cambria Math" panose="02040503050406030204" pitchFamily="18" charset="0"/>
+                                </a:rPr>
+                                <m:t>𝟏</m:t>
+                              </m:r>
+                            </m:sub>
+                            <m:sup>
+                              <m:r>
+                                <a:rPr lang="en-US" sz="1400" b="1" i="1" smtClean="0">
+                                  <a:latin typeface="Cambria Math" panose="02040503050406030204" pitchFamily="18" charset="0"/>
+                                </a:rPr>
+                                <m:t>𝟏</m:t>
+                              </m:r>
+                            </m:sup>
+                          </m:sSubSup>
+                        </m:num>
+                        <m:den>
+                          <m:r>
+                            <a:rPr lang="en-US" sz="1400" b="1" i="1">
+                              <a:latin typeface="Cambria Math" panose="02040503050406030204" pitchFamily="18" charset="0"/>
+                            </a:rPr>
+                            <m:t>𝝏</m:t>
+                          </m:r>
+                          <m:sSubSup>
+                            <m:sSubSupPr>
+                              <m:ctrlPr>
+                                <a:rPr lang="en-US" sz="1400" b="1" i="1" smtClean="0">
+                                  <a:latin typeface="Cambria Math" panose="02040503050406030204" pitchFamily="18" charset="0"/>
+                                </a:rPr>
+                              </m:ctrlPr>
+                            </m:sSubSupPr>
+                            <m:e>
+                              <m:r>
+                                <a:rPr lang="en-US" sz="1400" b="1" i="1" smtClean="0">
+                                  <a:latin typeface="Cambria Math" panose="02040503050406030204" pitchFamily="18" charset="0"/>
+                                </a:rPr>
+                                <m:t>𝒘</m:t>
+                              </m:r>
+                            </m:e>
+                            <m:sub>
+                              <m:r>
+                                <a:rPr lang="en-US" sz="1400" b="1" i="1" smtClean="0">
+                                  <a:latin typeface="Cambria Math" panose="02040503050406030204" pitchFamily="18" charset="0"/>
+                                </a:rPr>
+                                <m:t>𝟏𝟐</m:t>
+                              </m:r>
+                            </m:sub>
+                            <m:sup>
+                              <m:r>
+                                <a:rPr lang="en-US" sz="1400" b="1" i="1" smtClean="0">
+                                  <a:latin typeface="Cambria Math" panose="02040503050406030204" pitchFamily="18" charset="0"/>
+                                </a:rPr>
+                                <m:t>𝟏</m:t>
+                              </m:r>
+                            </m:sup>
+                          </m:sSubSup>
+                        </m:den>
+                      </m:f>
+                      <m:r>
+                        <a:rPr lang="en-US" sz="1400" b="1" i="1" smtClean="0">
+                          <a:latin typeface="Cambria Math" panose="02040503050406030204" pitchFamily="18" charset="0"/>
+                        </a:rPr>
+                        <m:t>=</m:t>
+                      </m:r>
+                      <m:r>
+                        <a:rPr lang="en-US" sz="1400" b="1" i="1" smtClean="0">
+                          <a:latin typeface="Cambria Math" panose="02040503050406030204" pitchFamily="18" charset="0"/>
+                        </a:rPr>
+                        <m:t>𝟒</m:t>
+                      </m:r>
+                    </m:oMath>
+                  </m:oMathPara>
+                </a14:m>
+                <a:endParaRPr lang="en-US" sz="1400" b="1" i="1" dirty="0"/>
+              </a:p>
+            </p:txBody>
+          </p:sp>
+        </mc:Choice>
+        <mc:Fallback>
+          <p:sp>
+            <p:nvSpPr>
+              <p:cNvPr id="54" name="TextBox 53">
+                <a:extLst>
+                  <a:ext uri="{FF2B5EF4-FFF2-40B4-BE49-F238E27FC236}">
+                    <a16:creationId xmlns:a16="http://schemas.microsoft.com/office/drawing/2014/main" id="{DE4FCE25-F2DB-412F-83A7-9DD1080C824D}"/>
+                  </a:ext>
+                </a:extLst>
+              </p:cNvPr>
+              <p:cNvSpPr txBox="1">
+                <a:spLocks noRot="1" noChangeAspect="1" noMove="1" noResize="1" noEditPoints="1" noAdjustHandles="1" noChangeArrowheads="1" noChangeShapeType="1" noTextEdit="1"/>
+              </p:cNvSpPr>
+              <p:nvPr/>
+            </p:nvSpPr>
+            <p:spPr>
+              <a:xfrm>
+                <a:off x="4668470" y="2101256"/>
+                <a:ext cx="1000122" cy="596125"/>
+              </a:xfrm>
+              <a:prstGeom prst="rect">
+                <a:avLst/>
+              </a:prstGeom>
+              <a:blipFill>
+                <a:blip r:embed="rId6"/>
+                <a:stretch>
+                  <a:fillRect/>
+                </a:stretch>
+              </a:blipFill>
+            </p:spPr>
+            <p:txBody>
+              <a:bodyPr/>
+              <a:lstStyle/>
+              <a:p>
+                <a:r>
+                  <a:rPr lang="en-US">
+                    <a:noFill/>
+                  </a:rPr>
+                  <a:t> </a:t>
+                </a:r>
+              </a:p>
+            </p:txBody>
+          </p:sp>
+        </mc:Fallback>
+      </mc:AlternateContent>
+      <mc:AlternateContent xmlns:mc="http://schemas.openxmlformats.org/markup-compatibility/2006">
+        <mc:Choice xmlns:a14="http://schemas.microsoft.com/office/drawing/2010/main" Requires="a14">
+          <p:sp>
+            <p:nvSpPr>
+              <p:cNvPr id="59" name="TextBox 58">
+                <a:extLst>
+                  <a:ext uri="{FF2B5EF4-FFF2-40B4-BE49-F238E27FC236}">
+                    <a16:creationId xmlns:a16="http://schemas.microsoft.com/office/drawing/2014/main" id="{37074BE7-7B2D-4B6A-8AFB-8DBBA86D1B84}"/>
+                  </a:ext>
+                </a:extLst>
+              </p:cNvPr>
+              <p:cNvSpPr txBox="1"/>
+              <p:nvPr/>
+            </p:nvSpPr>
+            <p:spPr>
+              <a:xfrm>
+                <a:off x="4668470" y="2699128"/>
+                <a:ext cx="1000122" cy="596125"/>
+              </a:xfrm>
+              <a:prstGeom prst="rect">
+                <a:avLst/>
+              </a:prstGeom>
+              <a:noFill/>
+            </p:spPr>
+            <p:txBody>
+              <a:bodyPr wrap="square" rtlCol="0">
+                <a:spAutoFit/>
+              </a:bodyPr>
+              <a:lstStyle/>
+              <a:p>
+                <a14:m>
+                  <m:oMathPara xmlns:m="http://schemas.openxmlformats.org/officeDocument/2006/math">
+                    <m:oMathParaPr>
+                      <m:jc m:val="centerGroup"/>
+                    </m:oMathParaPr>
+                    <m:oMath xmlns:m="http://schemas.openxmlformats.org/officeDocument/2006/math">
+                      <m:f>
+                        <m:fPr>
+                          <m:ctrlPr>
+                            <a:rPr lang="en-US" sz="1400" b="1" i="1" smtClean="0">
+                              <a:latin typeface="Cambria Math" panose="02040503050406030204" pitchFamily="18" charset="0"/>
+                            </a:rPr>
+                          </m:ctrlPr>
+                        </m:fPr>
+                        <m:num>
+                          <m:r>
+                            <a:rPr lang="en-US" sz="1400" b="1" i="1">
+                              <a:latin typeface="Cambria Math" panose="02040503050406030204" pitchFamily="18" charset="0"/>
+                            </a:rPr>
+                            <m:t>𝝏</m:t>
+                          </m:r>
+                          <m:sSubSup>
+                            <m:sSubSupPr>
+                              <m:ctrlPr>
+                                <a:rPr lang="en-US" sz="1400" b="1" i="1" smtClean="0">
+                                  <a:latin typeface="Cambria Math" panose="02040503050406030204" pitchFamily="18" charset="0"/>
+                                </a:rPr>
+                              </m:ctrlPr>
+                            </m:sSubSupPr>
+                            <m:e>
+                              <m:r>
+                                <a:rPr lang="en-US" sz="1400" b="1" i="1" smtClean="0">
+                                  <a:latin typeface="Cambria Math" panose="02040503050406030204" pitchFamily="18" charset="0"/>
+                                </a:rPr>
+                                <m:t>𝒛</m:t>
+                              </m:r>
+                            </m:e>
+                            <m:sub>
+                              <m:r>
+                                <a:rPr lang="en-US" sz="1400" b="1" i="1" smtClean="0">
+                                  <a:latin typeface="Cambria Math" panose="02040503050406030204" pitchFamily="18" charset="0"/>
+                                </a:rPr>
+                                <m:t>𝟐</m:t>
+                              </m:r>
+                            </m:sub>
+                            <m:sup>
+                              <m:r>
+                                <a:rPr lang="en-US" sz="1400" b="1" i="1" smtClean="0">
+                                  <a:latin typeface="Cambria Math" panose="02040503050406030204" pitchFamily="18" charset="0"/>
+                                </a:rPr>
+                                <m:t>𝟏</m:t>
+                              </m:r>
+                            </m:sup>
+                          </m:sSubSup>
+                        </m:num>
+                        <m:den>
+                          <m:r>
+                            <a:rPr lang="en-US" sz="1400" b="1" i="1">
+                              <a:latin typeface="Cambria Math" panose="02040503050406030204" pitchFamily="18" charset="0"/>
+                            </a:rPr>
+                            <m:t>𝝏</m:t>
+                          </m:r>
+                          <m:sSubSup>
+                            <m:sSubSupPr>
+                              <m:ctrlPr>
+                                <a:rPr lang="en-US" sz="1400" b="1" i="1" smtClean="0">
+                                  <a:latin typeface="Cambria Math" panose="02040503050406030204" pitchFamily="18" charset="0"/>
+                                </a:rPr>
+                              </m:ctrlPr>
+                            </m:sSubSupPr>
+                            <m:e>
+                              <m:r>
+                                <a:rPr lang="en-US" sz="1400" b="1" i="1" smtClean="0">
+                                  <a:latin typeface="Cambria Math" panose="02040503050406030204" pitchFamily="18" charset="0"/>
+                                </a:rPr>
+                                <m:t>𝒘</m:t>
+                              </m:r>
+                            </m:e>
+                            <m:sub>
+                              <m:r>
+                                <a:rPr lang="en-US" sz="1400" b="1" i="1" smtClean="0">
+                                  <a:latin typeface="Cambria Math" panose="02040503050406030204" pitchFamily="18" charset="0"/>
+                                </a:rPr>
+                                <m:t>𝟐𝟏</m:t>
+                              </m:r>
+                            </m:sub>
+                            <m:sup>
+                              <m:r>
+                                <a:rPr lang="en-US" sz="1400" b="1" i="1" smtClean="0">
+                                  <a:latin typeface="Cambria Math" panose="02040503050406030204" pitchFamily="18" charset="0"/>
+                                </a:rPr>
+                                <m:t>𝟏</m:t>
+                              </m:r>
+                            </m:sup>
+                          </m:sSubSup>
+                        </m:den>
+                      </m:f>
+                      <m:r>
+                        <a:rPr lang="en-US" sz="1400" b="1" i="1" smtClean="0">
+                          <a:latin typeface="Cambria Math" panose="02040503050406030204" pitchFamily="18" charset="0"/>
+                        </a:rPr>
+                        <m:t>=</m:t>
+                      </m:r>
+                      <m:r>
+                        <a:rPr lang="en-US" sz="1400" b="1" i="1" smtClean="0">
+                          <a:latin typeface="Cambria Math" panose="02040503050406030204" pitchFamily="18" charset="0"/>
+                        </a:rPr>
+                        <m:t>𝟓</m:t>
+                      </m:r>
+                    </m:oMath>
+                  </m:oMathPara>
+                </a14:m>
+                <a:endParaRPr lang="en-US" sz="1400" b="1" i="1" dirty="0"/>
+              </a:p>
+            </p:txBody>
+          </p:sp>
+        </mc:Choice>
+        <mc:Fallback>
+          <p:sp>
+            <p:nvSpPr>
+              <p:cNvPr id="59" name="TextBox 58">
+                <a:extLst>
+                  <a:ext uri="{FF2B5EF4-FFF2-40B4-BE49-F238E27FC236}">
+                    <a16:creationId xmlns:a16="http://schemas.microsoft.com/office/drawing/2014/main" id="{37074BE7-7B2D-4B6A-8AFB-8DBBA86D1B84}"/>
+                  </a:ext>
+                </a:extLst>
+              </p:cNvPr>
+              <p:cNvSpPr txBox="1">
+                <a:spLocks noRot="1" noChangeAspect="1" noMove="1" noResize="1" noEditPoints="1" noAdjustHandles="1" noChangeArrowheads="1" noChangeShapeType="1" noTextEdit="1"/>
+              </p:cNvSpPr>
+              <p:nvPr/>
+            </p:nvSpPr>
+            <p:spPr>
+              <a:xfrm>
+                <a:off x="4668470" y="2699128"/>
+                <a:ext cx="1000122" cy="596125"/>
+              </a:xfrm>
+              <a:prstGeom prst="rect">
+                <a:avLst/>
+              </a:prstGeom>
+              <a:blipFill>
+                <a:blip r:embed="rId7"/>
+                <a:stretch>
+                  <a:fillRect/>
+                </a:stretch>
+              </a:blipFill>
+            </p:spPr>
+            <p:txBody>
+              <a:bodyPr/>
+              <a:lstStyle/>
+              <a:p>
+                <a:r>
+                  <a:rPr lang="en-US">
+                    <a:noFill/>
+                  </a:rPr>
+                  <a:t> </a:t>
+                </a:r>
+              </a:p>
+            </p:txBody>
+          </p:sp>
+        </mc:Fallback>
+      </mc:AlternateContent>
+      <mc:AlternateContent xmlns:mc="http://schemas.openxmlformats.org/markup-compatibility/2006">
+        <mc:Choice xmlns:a14="http://schemas.microsoft.com/office/drawing/2010/main" Requires="a14">
+          <p:sp>
+            <p:nvSpPr>
+              <p:cNvPr id="60" name="TextBox 59">
+                <a:extLst>
+                  <a:ext uri="{FF2B5EF4-FFF2-40B4-BE49-F238E27FC236}">
+                    <a16:creationId xmlns:a16="http://schemas.microsoft.com/office/drawing/2014/main" id="{AFD208A0-FE08-4FC5-918B-FFA6D9AEFF8E}"/>
+                  </a:ext>
+                </a:extLst>
+              </p:cNvPr>
+              <p:cNvSpPr txBox="1"/>
+              <p:nvPr/>
+            </p:nvSpPr>
+            <p:spPr>
+              <a:xfrm>
+                <a:off x="4014824" y="3730562"/>
+                <a:ext cx="942948" cy="596125"/>
+              </a:xfrm>
+              <a:prstGeom prst="rect">
+                <a:avLst/>
+              </a:prstGeom>
+              <a:noFill/>
+            </p:spPr>
+            <p:txBody>
+              <a:bodyPr wrap="square" rtlCol="0">
+                <a:spAutoFit/>
+              </a:bodyPr>
+              <a:lstStyle/>
+              <a:p>
+                <a14:m>
+                  <m:oMathPara xmlns:m="http://schemas.openxmlformats.org/officeDocument/2006/math">
+                    <m:oMathParaPr>
+                      <m:jc m:val="centerGroup"/>
+                    </m:oMathParaPr>
+                    <m:oMath xmlns:m="http://schemas.openxmlformats.org/officeDocument/2006/math">
+                      <m:f>
+                        <m:fPr>
+                          <m:ctrlPr>
+                            <a:rPr lang="en-US" sz="1400" b="1" i="1" smtClean="0">
+                              <a:latin typeface="Cambria Math" panose="02040503050406030204" pitchFamily="18" charset="0"/>
+                            </a:rPr>
+                          </m:ctrlPr>
+                        </m:fPr>
+                        <m:num>
+                          <m:r>
+                            <a:rPr lang="en-US" sz="1400" b="1" i="1">
+                              <a:latin typeface="Cambria Math" panose="02040503050406030204" pitchFamily="18" charset="0"/>
+                            </a:rPr>
+                            <m:t>𝝏</m:t>
+                          </m:r>
+                          <m:sSubSup>
+                            <m:sSubSupPr>
+                              <m:ctrlPr>
+                                <a:rPr lang="en-US" sz="1400" b="1" i="1" smtClean="0">
+                                  <a:latin typeface="Cambria Math" panose="02040503050406030204" pitchFamily="18" charset="0"/>
+                                </a:rPr>
+                              </m:ctrlPr>
+                            </m:sSubSupPr>
+                            <m:e>
+                              <m:r>
+                                <a:rPr lang="en-US" sz="1400" b="1" i="1" smtClean="0">
+                                  <a:latin typeface="Cambria Math" panose="02040503050406030204" pitchFamily="18" charset="0"/>
+                                </a:rPr>
+                                <m:t>𝒛</m:t>
+                              </m:r>
+                            </m:e>
+                            <m:sub>
+                              <m:r>
+                                <a:rPr lang="en-US" sz="1400" b="1" i="1" smtClean="0">
+                                  <a:latin typeface="Cambria Math" panose="02040503050406030204" pitchFamily="18" charset="0"/>
+                                </a:rPr>
+                                <m:t>𝟐</m:t>
+                              </m:r>
+                            </m:sub>
+                            <m:sup>
+                              <m:r>
+                                <a:rPr lang="en-US" sz="1400" b="1" i="1" smtClean="0">
+                                  <a:latin typeface="Cambria Math" panose="02040503050406030204" pitchFamily="18" charset="0"/>
+                                </a:rPr>
+                                <m:t>𝟏</m:t>
+                              </m:r>
+                            </m:sup>
+                          </m:sSubSup>
+                        </m:num>
+                        <m:den>
+                          <m:r>
+                            <a:rPr lang="en-US" sz="1400" b="1" i="1">
+                              <a:latin typeface="Cambria Math" panose="02040503050406030204" pitchFamily="18" charset="0"/>
+                            </a:rPr>
+                            <m:t>𝝏</m:t>
+                          </m:r>
+                          <m:sSubSup>
+                            <m:sSubSupPr>
+                              <m:ctrlPr>
+                                <a:rPr lang="en-US" sz="1400" b="1" i="1" smtClean="0">
+                                  <a:latin typeface="Cambria Math" panose="02040503050406030204" pitchFamily="18" charset="0"/>
+                                </a:rPr>
+                              </m:ctrlPr>
+                            </m:sSubSupPr>
+                            <m:e>
+                              <m:r>
+                                <a:rPr lang="en-US" sz="1400" b="1" i="1" smtClean="0">
+                                  <a:latin typeface="Cambria Math" panose="02040503050406030204" pitchFamily="18" charset="0"/>
+                                </a:rPr>
+                                <m:t>𝒘</m:t>
+                              </m:r>
+                            </m:e>
+                            <m:sub>
+                              <m:r>
+                                <a:rPr lang="en-US" sz="1400" b="1" i="1" smtClean="0">
+                                  <a:latin typeface="Cambria Math" panose="02040503050406030204" pitchFamily="18" charset="0"/>
+                                </a:rPr>
+                                <m:t>𝟐𝟐</m:t>
+                              </m:r>
+                            </m:sub>
+                            <m:sup>
+                              <m:r>
+                                <a:rPr lang="en-US" sz="1400" b="1" i="1" smtClean="0">
+                                  <a:latin typeface="Cambria Math" panose="02040503050406030204" pitchFamily="18" charset="0"/>
+                                </a:rPr>
+                                <m:t>𝟏</m:t>
+                              </m:r>
+                            </m:sup>
+                          </m:sSubSup>
+                        </m:den>
+                      </m:f>
+                      <m:r>
+                        <a:rPr lang="en-US" sz="1400" b="1" i="1" smtClean="0">
+                          <a:latin typeface="Cambria Math" panose="02040503050406030204" pitchFamily="18" charset="0"/>
+                        </a:rPr>
+                        <m:t>=</m:t>
+                      </m:r>
+                      <m:r>
+                        <a:rPr lang="en-US" sz="1400" b="1" i="1" smtClean="0">
+                          <a:latin typeface="Cambria Math" panose="02040503050406030204" pitchFamily="18" charset="0"/>
+                        </a:rPr>
+                        <m:t>𝟒</m:t>
+                      </m:r>
+                    </m:oMath>
+                  </m:oMathPara>
+                </a14:m>
+                <a:endParaRPr lang="en-US" sz="1400" b="1" i="1" dirty="0"/>
+              </a:p>
+            </p:txBody>
+          </p:sp>
+        </mc:Choice>
+        <mc:Fallback>
+          <p:sp>
+            <p:nvSpPr>
+              <p:cNvPr id="60" name="TextBox 59">
+                <a:extLst>
+                  <a:ext uri="{FF2B5EF4-FFF2-40B4-BE49-F238E27FC236}">
+                    <a16:creationId xmlns:a16="http://schemas.microsoft.com/office/drawing/2014/main" id="{AFD208A0-FE08-4FC5-918B-FFA6D9AEFF8E}"/>
+                  </a:ext>
+                </a:extLst>
+              </p:cNvPr>
+              <p:cNvSpPr txBox="1">
+                <a:spLocks noRot="1" noChangeAspect="1" noMove="1" noResize="1" noEditPoints="1" noAdjustHandles="1" noChangeArrowheads="1" noChangeShapeType="1" noTextEdit="1"/>
+              </p:cNvSpPr>
+              <p:nvPr/>
+            </p:nvSpPr>
+            <p:spPr>
+              <a:xfrm>
+                <a:off x="4014824" y="3730562"/>
+                <a:ext cx="942948" cy="596125"/>
+              </a:xfrm>
+              <a:prstGeom prst="rect">
+                <a:avLst/>
+              </a:prstGeom>
+              <a:blipFill>
+                <a:blip r:embed="rId8"/>
+                <a:stretch>
+                  <a:fillRect/>
+                </a:stretch>
+              </a:blipFill>
+            </p:spPr>
+            <p:txBody>
+              <a:bodyPr/>
+              <a:lstStyle/>
+              <a:p>
+                <a:r>
+                  <a:rPr lang="en-US">
+                    <a:noFill/>
+                  </a:rPr>
+                  <a:t> </a:t>
+                </a:r>
+              </a:p>
+            </p:txBody>
+          </p:sp>
+        </mc:Fallback>
+      </mc:AlternateContent>
+      <mc:AlternateContent xmlns:mc="http://schemas.openxmlformats.org/markup-compatibility/2006">
+        <mc:Choice xmlns:a14="http://schemas.microsoft.com/office/drawing/2010/main" Requires="a14">
+          <p:sp>
+            <p:nvSpPr>
+              <p:cNvPr id="61" name="TextBox 60">
+                <a:extLst>
+                  <a:ext uri="{FF2B5EF4-FFF2-40B4-BE49-F238E27FC236}">
+                    <a16:creationId xmlns:a16="http://schemas.microsoft.com/office/drawing/2014/main" id="{F38320CA-60A8-4FDE-A3AA-F0270542E53B}"/>
+                  </a:ext>
+                </a:extLst>
+              </p:cNvPr>
+              <p:cNvSpPr txBox="1"/>
+              <p:nvPr/>
+            </p:nvSpPr>
+            <p:spPr>
+              <a:xfrm>
+                <a:off x="6253797" y="1290997"/>
+                <a:ext cx="1813889" cy="589970"/>
+              </a:xfrm>
+              <a:prstGeom prst="rect">
+                <a:avLst/>
+              </a:prstGeom>
+              <a:noFill/>
+            </p:spPr>
+            <p:txBody>
+              <a:bodyPr wrap="square" rtlCol="0">
+                <a:spAutoFit/>
+              </a:bodyPr>
+              <a:lstStyle/>
+              <a:p>
+                <a14:m>
+                  <m:oMathPara xmlns:m="http://schemas.openxmlformats.org/officeDocument/2006/math">
+                    <m:oMathParaPr>
+                      <m:jc m:val="centerGroup"/>
+                    </m:oMathParaPr>
+                    <m:oMath xmlns:m="http://schemas.openxmlformats.org/officeDocument/2006/math">
+                      <m:f>
+                        <m:fPr>
+                          <m:ctrlPr>
+                            <a:rPr lang="en-US" sz="1400" b="1" i="1" smtClean="0">
+                              <a:latin typeface="Cambria Math" panose="02040503050406030204" pitchFamily="18" charset="0"/>
+                            </a:rPr>
+                          </m:ctrlPr>
+                        </m:fPr>
+                        <m:num>
+                          <m:r>
+                            <a:rPr lang="en-US" sz="1400" b="1" i="1" smtClean="0">
+                              <a:latin typeface="Cambria Math" panose="02040503050406030204" pitchFamily="18" charset="0"/>
+                            </a:rPr>
+                            <m:t>𝝏</m:t>
+                          </m:r>
+                          <m:sSup>
+                            <m:sSupPr>
+                              <m:ctrlPr>
+                                <a:rPr lang="en-US" sz="1400" b="1" i="1" smtClean="0">
+                                  <a:latin typeface="Cambria Math" panose="02040503050406030204" pitchFamily="18" charset="0"/>
+                                </a:rPr>
+                              </m:ctrlPr>
+                            </m:sSupPr>
+                            <m:e>
+                              <m:r>
+                                <a:rPr lang="en-US" sz="1400" b="1" i="1" smtClean="0">
+                                  <a:latin typeface="Cambria Math" panose="02040503050406030204" pitchFamily="18" charset="0"/>
+                                </a:rPr>
+                                <m:t>𝒛</m:t>
+                              </m:r>
+                            </m:e>
+                            <m:sup>
+                              <m:r>
+                                <a:rPr lang="en-US" sz="1400" b="1" i="1" smtClean="0">
+                                  <a:latin typeface="Cambria Math" panose="02040503050406030204" pitchFamily="18" charset="0"/>
+                                </a:rPr>
+                                <m:t>𝟐</m:t>
+                              </m:r>
+                            </m:sup>
+                          </m:sSup>
+                        </m:num>
+                        <m:den>
+                          <m:r>
+                            <a:rPr lang="en-US" sz="1400" b="1" i="1">
+                              <a:latin typeface="Cambria Math" panose="02040503050406030204" pitchFamily="18" charset="0"/>
+                            </a:rPr>
+                            <m:t>𝝏</m:t>
+                          </m:r>
+                          <m:sSubSup>
+                            <m:sSubSupPr>
+                              <m:ctrlPr>
+                                <a:rPr lang="en-US" sz="1400" b="1" i="1" smtClean="0">
+                                  <a:latin typeface="Cambria Math" panose="02040503050406030204" pitchFamily="18" charset="0"/>
+                                </a:rPr>
+                              </m:ctrlPr>
+                            </m:sSubSupPr>
+                            <m:e>
+                              <m:r>
+                                <a:rPr lang="en-US" sz="1400" b="1" i="1" smtClean="0">
+                                  <a:latin typeface="Cambria Math" panose="02040503050406030204" pitchFamily="18" charset="0"/>
+                                </a:rPr>
+                                <m:t>𝒘</m:t>
+                              </m:r>
+                            </m:e>
+                            <m:sub>
+                              <m:r>
+                                <a:rPr lang="en-US" sz="1400" b="1" i="1" smtClean="0">
+                                  <a:latin typeface="Cambria Math" panose="02040503050406030204" pitchFamily="18" charset="0"/>
+                                </a:rPr>
+                                <m:t>𝟏</m:t>
+                              </m:r>
+                            </m:sub>
+                            <m:sup>
+                              <m:r>
+                                <a:rPr lang="en-US" sz="1400" b="1" i="1" smtClean="0">
+                                  <a:latin typeface="Cambria Math" panose="02040503050406030204" pitchFamily="18" charset="0"/>
+                                </a:rPr>
+                                <m:t>𝟐</m:t>
+                              </m:r>
+                            </m:sup>
+                          </m:sSubSup>
+                        </m:den>
+                      </m:f>
+                      <m:r>
+                        <a:rPr lang="en-US" sz="1400" b="1" i="1" smtClean="0">
+                          <a:latin typeface="Cambria Math" panose="02040503050406030204" pitchFamily="18" charset="0"/>
+                        </a:rPr>
+                        <m:t>=</m:t>
+                      </m:r>
+                      <m:r>
+                        <a:rPr lang="en-US" sz="1400" b="1" i="1" smtClean="0">
+                          <a:latin typeface="Cambria Math" panose="02040503050406030204" pitchFamily="18" charset="0"/>
+                        </a:rPr>
+                        <m:t>𝟏</m:t>
+                      </m:r>
+                      <m:r>
+                        <a:rPr lang="en-US" sz="1400" b="1" i="1" smtClean="0">
+                          <a:latin typeface="Cambria Math" panose="02040503050406030204" pitchFamily="18" charset="0"/>
+                        </a:rPr>
+                        <m:t>,</m:t>
+                      </m:r>
+                      <m:f>
+                        <m:fPr>
+                          <m:ctrlPr>
+                            <a:rPr lang="en-US" sz="1400" b="1" i="1">
+                              <a:latin typeface="Cambria Math" panose="02040503050406030204" pitchFamily="18" charset="0"/>
+                            </a:rPr>
+                          </m:ctrlPr>
+                        </m:fPr>
+                        <m:num>
+                          <m:r>
+                            <a:rPr lang="en-US" sz="1400" b="1" i="1">
+                              <a:latin typeface="Cambria Math" panose="02040503050406030204" pitchFamily="18" charset="0"/>
+                            </a:rPr>
+                            <m:t>𝝏</m:t>
+                          </m:r>
+                          <m:sSup>
+                            <m:sSupPr>
+                              <m:ctrlPr>
+                                <a:rPr lang="en-US" sz="1400" b="1" i="1">
+                                  <a:latin typeface="Cambria Math" panose="02040503050406030204" pitchFamily="18" charset="0"/>
+                                </a:rPr>
+                              </m:ctrlPr>
+                            </m:sSupPr>
+                            <m:e>
+                              <m:r>
+                                <a:rPr lang="en-US" sz="1400" b="1" i="1">
+                                  <a:latin typeface="Cambria Math" panose="02040503050406030204" pitchFamily="18" charset="0"/>
+                                </a:rPr>
+                                <m:t>𝒛</m:t>
+                              </m:r>
+                            </m:e>
+                            <m:sup>
+                              <m:r>
+                                <a:rPr lang="en-US" sz="1400" b="1" i="1">
+                                  <a:latin typeface="Cambria Math" panose="02040503050406030204" pitchFamily="18" charset="0"/>
+                                </a:rPr>
+                                <m:t>𝟐</m:t>
+                              </m:r>
+                            </m:sup>
+                          </m:sSup>
+                        </m:num>
+                        <m:den>
+                          <m:r>
+                            <a:rPr lang="en-US" sz="1400" b="1" i="1">
+                              <a:latin typeface="Cambria Math" panose="02040503050406030204" pitchFamily="18" charset="0"/>
+                            </a:rPr>
+                            <m:t>𝝏</m:t>
+                          </m:r>
+                          <m:sSubSup>
+                            <m:sSubSupPr>
+                              <m:ctrlPr>
+                                <a:rPr lang="en-US" sz="1400" b="1" i="1">
+                                  <a:latin typeface="Cambria Math" panose="02040503050406030204" pitchFamily="18" charset="0"/>
+                                </a:rPr>
+                              </m:ctrlPr>
+                            </m:sSubSupPr>
+                            <m:e>
+                              <m:r>
+                                <a:rPr lang="en-US" sz="1400" b="1" i="1">
+                                  <a:latin typeface="Cambria Math" panose="02040503050406030204" pitchFamily="18" charset="0"/>
+                                </a:rPr>
+                                <m:t>𝒂</m:t>
+                              </m:r>
+                            </m:e>
+                            <m:sub>
+                              <m:r>
+                                <a:rPr lang="en-US" sz="1400" b="1" i="1">
+                                  <a:latin typeface="Cambria Math" panose="02040503050406030204" pitchFamily="18" charset="0"/>
+                                </a:rPr>
+                                <m:t>𝟏</m:t>
+                              </m:r>
+                            </m:sub>
+                            <m:sup>
+                              <m:r>
+                                <a:rPr lang="en-US" sz="1400" b="1" i="1">
+                                  <a:latin typeface="Cambria Math" panose="02040503050406030204" pitchFamily="18" charset="0"/>
+                                </a:rPr>
+                                <m:t>𝟏</m:t>
+                              </m:r>
+                            </m:sup>
+                          </m:sSubSup>
+                        </m:den>
+                      </m:f>
+                      <m:r>
+                        <a:rPr lang="en-US" sz="1400" b="1" i="1" smtClean="0">
+                          <a:latin typeface="Cambria Math" panose="02040503050406030204" pitchFamily="18" charset="0"/>
+                        </a:rPr>
+                        <m:t>=</m:t>
+                      </m:r>
+                      <m:r>
+                        <a:rPr lang="en-US" sz="1400" b="1" i="1" smtClean="0">
+                          <a:latin typeface="Cambria Math" panose="02040503050406030204" pitchFamily="18" charset="0"/>
+                        </a:rPr>
+                        <m:t>𝟎</m:t>
+                      </m:r>
+                      <m:r>
+                        <a:rPr lang="en-US" sz="1400" b="1" i="1" smtClean="0">
+                          <a:latin typeface="Cambria Math" panose="02040503050406030204" pitchFamily="18" charset="0"/>
+                        </a:rPr>
+                        <m:t>.</m:t>
+                      </m:r>
+                      <m:r>
+                        <a:rPr lang="en-US" sz="1400" b="1" i="1" smtClean="0">
+                          <a:latin typeface="Cambria Math" panose="02040503050406030204" pitchFamily="18" charset="0"/>
+                        </a:rPr>
+                        <m:t>𝟏</m:t>
+                      </m:r>
+                    </m:oMath>
+                  </m:oMathPara>
+                </a14:m>
+                <a:endParaRPr lang="en-US" sz="1400" b="1" i="1" dirty="0"/>
+              </a:p>
+            </p:txBody>
+          </p:sp>
+        </mc:Choice>
+        <mc:Fallback>
+          <p:sp>
+            <p:nvSpPr>
+              <p:cNvPr id="61" name="TextBox 60">
+                <a:extLst>
+                  <a:ext uri="{FF2B5EF4-FFF2-40B4-BE49-F238E27FC236}">
+                    <a16:creationId xmlns:a16="http://schemas.microsoft.com/office/drawing/2014/main" id="{F38320CA-60A8-4FDE-A3AA-F0270542E53B}"/>
+                  </a:ext>
+                </a:extLst>
+              </p:cNvPr>
+              <p:cNvSpPr txBox="1">
+                <a:spLocks noRot="1" noChangeAspect="1" noMove="1" noResize="1" noEditPoints="1" noAdjustHandles="1" noChangeArrowheads="1" noChangeShapeType="1" noTextEdit="1"/>
+              </p:cNvSpPr>
+              <p:nvPr/>
+            </p:nvSpPr>
+            <p:spPr>
+              <a:xfrm>
+                <a:off x="6253797" y="1290997"/>
+                <a:ext cx="1813889" cy="589970"/>
+              </a:xfrm>
+              <a:prstGeom prst="rect">
+                <a:avLst/>
+              </a:prstGeom>
+              <a:blipFill>
+                <a:blip r:embed="rId9"/>
+                <a:stretch>
+                  <a:fillRect/>
+                </a:stretch>
+              </a:blipFill>
+            </p:spPr>
+            <p:txBody>
+              <a:bodyPr/>
+              <a:lstStyle/>
+              <a:p>
+                <a:r>
+                  <a:rPr lang="en-US">
+                    <a:noFill/>
+                  </a:rPr>
+                  <a:t> </a:t>
+                </a:r>
+              </a:p>
+            </p:txBody>
+          </p:sp>
+        </mc:Fallback>
+      </mc:AlternateContent>
+      <mc:AlternateContent xmlns:mc="http://schemas.openxmlformats.org/markup-compatibility/2006">
+        <mc:Choice xmlns:a14="http://schemas.microsoft.com/office/drawing/2010/main" Requires="a14">
+          <p:sp>
+            <p:nvSpPr>
+              <p:cNvPr id="70" name="TextBox 69">
+                <a:extLst>
+                  <a:ext uri="{FF2B5EF4-FFF2-40B4-BE49-F238E27FC236}">
+                    <a16:creationId xmlns:a16="http://schemas.microsoft.com/office/drawing/2014/main" id="{9A1D58C8-8CF7-4698-852F-861D538C9A8F}"/>
+                  </a:ext>
+                </a:extLst>
+              </p:cNvPr>
+              <p:cNvSpPr txBox="1"/>
+              <p:nvPr/>
+            </p:nvSpPr>
+            <p:spPr>
+              <a:xfrm>
+                <a:off x="6253171" y="3526112"/>
+                <a:ext cx="1919289" cy="589970"/>
+              </a:xfrm>
+              <a:prstGeom prst="rect">
+                <a:avLst/>
+              </a:prstGeom>
+              <a:noFill/>
+            </p:spPr>
+            <p:txBody>
+              <a:bodyPr wrap="square" rtlCol="0">
+                <a:spAutoFit/>
+              </a:bodyPr>
+              <a:lstStyle/>
+              <a:p>
+                <a14:m>
+                  <m:oMathPara xmlns:m="http://schemas.openxmlformats.org/officeDocument/2006/math">
+                    <m:oMathParaPr>
+                      <m:jc m:val="centerGroup"/>
+                    </m:oMathParaPr>
+                    <m:oMath xmlns:m="http://schemas.openxmlformats.org/officeDocument/2006/math">
+                      <m:f>
+                        <m:fPr>
+                          <m:ctrlPr>
+                            <a:rPr lang="en-US" sz="1400" b="1" i="1" smtClean="0">
+                              <a:latin typeface="Cambria Math" panose="02040503050406030204" pitchFamily="18" charset="0"/>
+                            </a:rPr>
+                          </m:ctrlPr>
+                        </m:fPr>
+                        <m:num>
+                          <m:r>
+                            <a:rPr lang="en-US" sz="1400" b="1" i="1">
+                              <a:latin typeface="Cambria Math" panose="02040503050406030204" pitchFamily="18" charset="0"/>
+                            </a:rPr>
+                            <m:t>𝝏</m:t>
+                          </m:r>
+                          <m:sSup>
+                            <m:sSupPr>
+                              <m:ctrlPr>
+                                <a:rPr lang="en-US" sz="1400" b="1" i="1" smtClean="0">
+                                  <a:latin typeface="Cambria Math" panose="02040503050406030204" pitchFamily="18" charset="0"/>
+                                </a:rPr>
+                              </m:ctrlPr>
+                            </m:sSupPr>
+                            <m:e>
+                              <m:r>
+                                <a:rPr lang="en-US" sz="1400" b="1" i="1" smtClean="0">
+                                  <a:latin typeface="Cambria Math" panose="02040503050406030204" pitchFamily="18" charset="0"/>
+                                </a:rPr>
+                                <m:t>𝒛</m:t>
+                              </m:r>
+                            </m:e>
+                            <m:sup>
+                              <m:r>
+                                <a:rPr lang="en-US" sz="1400" b="1" i="1" smtClean="0">
+                                  <a:latin typeface="Cambria Math" panose="02040503050406030204" pitchFamily="18" charset="0"/>
+                                </a:rPr>
+                                <m:t>𝟐</m:t>
+                              </m:r>
+                            </m:sup>
+                          </m:sSup>
+                        </m:num>
+                        <m:den>
+                          <m:r>
+                            <a:rPr lang="en-US" sz="1400" b="1" i="1">
+                              <a:latin typeface="Cambria Math" panose="02040503050406030204" pitchFamily="18" charset="0"/>
+                            </a:rPr>
+                            <m:t>𝝏</m:t>
+                          </m:r>
+                          <m:sSubSup>
+                            <m:sSubSupPr>
+                              <m:ctrlPr>
+                                <a:rPr lang="en-US" sz="1400" b="1" i="1" smtClean="0">
+                                  <a:latin typeface="Cambria Math" panose="02040503050406030204" pitchFamily="18" charset="0"/>
+                                </a:rPr>
+                              </m:ctrlPr>
+                            </m:sSubSupPr>
+                            <m:e>
+                              <m:r>
+                                <a:rPr lang="en-US" sz="1400" b="1" i="1" smtClean="0">
+                                  <a:latin typeface="Cambria Math" panose="02040503050406030204" pitchFamily="18" charset="0"/>
+                                </a:rPr>
+                                <m:t>𝒘</m:t>
+                              </m:r>
+                            </m:e>
+                            <m:sub>
+                              <m:r>
+                                <a:rPr lang="en-US" sz="1400" b="1" i="1" smtClean="0">
+                                  <a:latin typeface="Cambria Math" panose="02040503050406030204" pitchFamily="18" charset="0"/>
+                                </a:rPr>
+                                <m:t>𝟐</m:t>
+                              </m:r>
+                            </m:sub>
+                            <m:sup>
+                              <m:r>
+                                <a:rPr lang="en-US" sz="1400" b="1" i="1" smtClean="0">
+                                  <a:latin typeface="Cambria Math" panose="02040503050406030204" pitchFamily="18" charset="0"/>
+                                </a:rPr>
+                                <m:t>𝟐</m:t>
+                              </m:r>
+                            </m:sup>
+                          </m:sSubSup>
+                        </m:den>
+                      </m:f>
+                      <m:r>
+                        <a:rPr lang="en-US" sz="1400" b="1" i="1" smtClean="0">
+                          <a:latin typeface="Cambria Math" panose="02040503050406030204" pitchFamily="18" charset="0"/>
+                        </a:rPr>
+                        <m:t>=−</m:t>
+                      </m:r>
+                      <m:r>
+                        <a:rPr lang="en-US" sz="1400" b="1" i="1" smtClean="0">
+                          <a:latin typeface="Cambria Math" panose="02040503050406030204" pitchFamily="18" charset="0"/>
+                        </a:rPr>
+                        <m:t>𝟏</m:t>
+                      </m:r>
+                      <m:r>
+                        <a:rPr lang="en-US" sz="1400" b="1" i="1" smtClean="0">
+                          <a:latin typeface="Cambria Math" panose="02040503050406030204" pitchFamily="18" charset="0"/>
+                        </a:rPr>
+                        <m:t>, </m:t>
+                      </m:r>
+                      <m:f>
+                        <m:fPr>
+                          <m:ctrlPr>
+                            <a:rPr lang="en-US" sz="1400" b="1" i="1" smtClean="0">
+                              <a:latin typeface="Cambria Math" panose="02040503050406030204" pitchFamily="18" charset="0"/>
+                            </a:rPr>
+                          </m:ctrlPr>
+                        </m:fPr>
+                        <m:num>
+                          <m:r>
+                            <a:rPr lang="en-US" sz="1400" b="1" i="1">
+                              <a:latin typeface="Cambria Math" panose="02040503050406030204" pitchFamily="18" charset="0"/>
+                            </a:rPr>
+                            <m:t>𝝏</m:t>
+                          </m:r>
+                          <m:sSup>
+                            <m:sSupPr>
+                              <m:ctrlPr>
+                                <a:rPr lang="en-US" sz="1400" b="1" i="1" smtClean="0">
+                                  <a:latin typeface="Cambria Math" panose="02040503050406030204" pitchFamily="18" charset="0"/>
+                                </a:rPr>
+                              </m:ctrlPr>
+                            </m:sSupPr>
+                            <m:e>
+                              <m:r>
+                                <a:rPr lang="en-US" sz="1400" b="1" i="1" smtClean="0">
+                                  <a:latin typeface="Cambria Math" panose="02040503050406030204" pitchFamily="18" charset="0"/>
+                                </a:rPr>
+                                <m:t>𝒛</m:t>
+                              </m:r>
+                            </m:e>
+                            <m:sup>
+                              <m:r>
+                                <a:rPr lang="en-US" sz="1400" b="1" i="1" smtClean="0">
+                                  <a:latin typeface="Cambria Math" panose="02040503050406030204" pitchFamily="18" charset="0"/>
+                                </a:rPr>
+                                <m:t>𝟐</m:t>
+                              </m:r>
+                            </m:sup>
+                          </m:sSup>
+                        </m:num>
+                        <m:den>
+                          <m:r>
+                            <a:rPr lang="en-US" sz="1400" b="1" i="1">
+                              <a:latin typeface="Cambria Math" panose="02040503050406030204" pitchFamily="18" charset="0"/>
+                            </a:rPr>
+                            <m:t>𝝏</m:t>
+                          </m:r>
+                          <m:sSubSup>
+                            <m:sSubSupPr>
+                              <m:ctrlPr>
+                                <a:rPr lang="en-US" sz="1400" b="1" i="1" smtClean="0">
+                                  <a:latin typeface="Cambria Math" panose="02040503050406030204" pitchFamily="18" charset="0"/>
+                                </a:rPr>
+                              </m:ctrlPr>
+                            </m:sSubSupPr>
+                            <m:e>
+                              <m:r>
+                                <a:rPr lang="en-US" sz="1400" b="1" i="1" smtClean="0">
+                                  <a:latin typeface="Cambria Math" panose="02040503050406030204" pitchFamily="18" charset="0"/>
+                                </a:rPr>
+                                <m:t>𝒂</m:t>
+                              </m:r>
+                            </m:e>
+                            <m:sub>
+                              <m:r>
+                                <a:rPr lang="en-US" sz="1400" b="1" i="1" smtClean="0">
+                                  <a:latin typeface="Cambria Math" panose="02040503050406030204" pitchFamily="18" charset="0"/>
+                                </a:rPr>
+                                <m:t>𝟐</m:t>
+                              </m:r>
+                            </m:sub>
+                            <m:sup>
+                              <m:r>
+                                <a:rPr lang="en-US" sz="1400" b="1" i="1" smtClean="0">
+                                  <a:latin typeface="Cambria Math" panose="02040503050406030204" pitchFamily="18" charset="0"/>
+                                </a:rPr>
+                                <m:t>𝟏</m:t>
+                              </m:r>
+                            </m:sup>
+                          </m:sSubSup>
+                        </m:den>
+                      </m:f>
+                      <m:r>
+                        <a:rPr lang="en-US" sz="1400" b="1" i="1" smtClean="0">
+                          <a:latin typeface="Cambria Math" panose="02040503050406030204" pitchFamily="18" charset="0"/>
+                        </a:rPr>
+                        <m:t>=</m:t>
+                      </m:r>
+                      <m:r>
+                        <a:rPr lang="en-US" sz="1400" b="1" i="1" smtClean="0">
+                          <a:latin typeface="Cambria Math" panose="02040503050406030204" pitchFamily="18" charset="0"/>
+                        </a:rPr>
+                        <m:t>𝟎</m:t>
+                      </m:r>
+                      <m:r>
+                        <a:rPr lang="en-US" sz="1400" b="1" i="1" smtClean="0">
+                          <a:latin typeface="Cambria Math" panose="02040503050406030204" pitchFamily="18" charset="0"/>
+                        </a:rPr>
+                        <m:t>.</m:t>
+                      </m:r>
+                      <m:r>
+                        <a:rPr lang="en-US" sz="1400" b="1" i="1" smtClean="0">
+                          <a:latin typeface="Cambria Math" panose="02040503050406030204" pitchFamily="18" charset="0"/>
+                        </a:rPr>
+                        <m:t>𝟐</m:t>
+                      </m:r>
+                    </m:oMath>
+                  </m:oMathPara>
+                </a14:m>
+                <a:endParaRPr lang="en-US" sz="1400" b="1" i="1" dirty="0"/>
+              </a:p>
+            </p:txBody>
+          </p:sp>
+        </mc:Choice>
+        <mc:Fallback>
+          <p:sp>
+            <p:nvSpPr>
+              <p:cNvPr id="70" name="TextBox 69">
+                <a:extLst>
+                  <a:ext uri="{FF2B5EF4-FFF2-40B4-BE49-F238E27FC236}">
+                    <a16:creationId xmlns:a16="http://schemas.microsoft.com/office/drawing/2014/main" id="{9A1D58C8-8CF7-4698-852F-861D538C9A8F}"/>
+                  </a:ext>
+                </a:extLst>
+              </p:cNvPr>
+              <p:cNvSpPr txBox="1">
+                <a:spLocks noRot="1" noChangeAspect="1" noMove="1" noResize="1" noEditPoints="1" noAdjustHandles="1" noChangeArrowheads="1" noChangeShapeType="1" noTextEdit="1"/>
+              </p:cNvSpPr>
+              <p:nvPr/>
+            </p:nvSpPr>
+            <p:spPr>
+              <a:xfrm>
+                <a:off x="6253171" y="3526112"/>
+                <a:ext cx="1919289" cy="589970"/>
+              </a:xfrm>
+              <a:prstGeom prst="rect">
+                <a:avLst/>
+              </a:prstGeom>
+              <a:blipFill>
+                <a:blip r:embed="rId10"/>
+                <a:stretch>
+                  <a:fillRect/>
+                </a:stretch>
+              </a:blipFill>
+            </p:spPr>
+            <p:txBody>
+              <a:bodyPr/>
+              <a:lstStyle/>
+              <a:p>
+                <a:r>
+                  <a:rPr lang="en-US">
+                    <a:noFill/>
+                  </a:rPr>
+                  <a:t> </a:t>
+                </a:r>
+              </a:p>
+            </p:txBody>
+          </p:sp>
+        </mc:Fallback>
+      </mc:AlternateContent>
+    </p:spTree>
+    <p:extLst>
+      <p:ext uri="{BB962C8B-B14F-4D97-AF65-F5344CB8AC3E}">
+        <p14:creationId xmlns:p14="http://schemas.microsoft.com/office/powerpoint/2010/main" val="3696984704"/>
       </p:ext>
     </p:extLst>
   </p:cSld>
